--- a/maya-boeckh@t3.pptx
+++ b/maya-boeckh@t3.pptx
@@ -5,7 +5,7 @@
     <p:sldMasterId id="2147483648" r:id="rId1"/>
   </p:sldMasterIdLst>
   <p:notesMasterIdLst>
-    <p:notesMasterId r:id="rId22"/>
+    <p:notesMasterId r:id="rId24"/>
   </p:notesMasterIdLst>
   <p:sldIdLst>
     <p:sldId id="256" r:id="rId2"/>
@@ -15,19 +15,21 @@
     <p:sldId id="257" r:id="rId6"/>
     <p:sldId id="262" r:id="rId7"/>
     <p:sldId id="263" r:id="rId8"/>
-    <p:sldId id="266" r:id="rId9"/>
-    <p:sldId id="269" r:id="rId10"/>
-    <p:sldId id="267" r:id="rId11"/>
-    <p:sldId id="268" r:id="rId12"/>
-    <p:sldId id="271" r:id="rId13"/>
-    <p:sldId id="270" r:id="rId14"/>
-    <p:sldId id="272" r:id="rId15"/>
-    <p:sldId id="273" r:id="rId16"/>
-    <p:sldId id="274" r:id="rId17"/>
-    <p:sldId id="275" r:id="rId18"/>
-    <p:sldId id="276" r:id="rId19"/>
-    <p:sldId id="277" r:id="rId20"/>
-    <p:sldId id="278" r:id="rId21"/>
+    <p:sldId id="281" r:id="rId9"/>
+    <p:sldId id="279" r:id="rId10"/>
+    <p:sldId id="266" r:id="rId11"/>
+    <p:sldId id="269" r:id="rId12"/>
+    <p:sldId id="267" r:id="rId13"/>
+    <p:sldId id="268" r:id="rId14"/>
+    <p:sldId id="271" r:id="rId15"/>
+    <p:sldId id="270" r:id="rId16"/>
+    <p:sldId id="272" r:id="rId17"/>
+    <p:sldId id="273" r:id="rId18"/>
+    <p:sldId id="274" r:id="rId19"/>
+    <p:sldId id="275" r:id="rId20"/>
+    <p:sldId id="276" r:id="rId21"/>
+    <p:sldId id="277" r:id="rId22"/>
+    <p:sldId id="278" r:id="rId23"/>
   </p:sldIdLst>
   <p:sldSz cx="12192000" cy="6858000"/>
   <p:notesSz cx="6858000" cy="9144000"/>
@@ -1059,7 +1061,7 @@
           <a:p>
             <a:fld id="{216A799B-5638-4717-B96D-143C4245BA99}" type="slidenum">
               <a:rPr lang="en-CH" smtClean="0"/>
-              <a:t>8</a:t>
+              <a:t>10</a:t>
             </a:fld>
             <a:endParaRPr lang="en-CH"/>
           </a:p>
@@ -1207,7 +1209,7 @@
           <a:p>
             <a:fld id="{216A799B-5638-4717-B96D-143C4245BA99}" type="slidenum">
               <a:rPr lang="en-CH" smtClean="0"/>
-              <a:t>10</a:t>
+              <a:t>12</a:t>
             </a:fld>
             <a:endParaRPr lang="en-CH"/>
           </a:p>
@@ -1356,7 +1358,7 @@
           <a:p>
             <a:fld id="{216A799B-5638-4717-B96D-143C4245BA99}" type="slidenum">
               <a:rPr lang="en-CH" smtClean="0"/>
-              <a:t>11</a:t>
+              <a:t>13</a:t>
             </a:fld>
             <a:endParaRPr lang="en-CH"/>
           </a:p>
@@ -1444,7 +1446,7 @@
           <a:p>
             <a:fld id="{216A799B-5638-4717-B96D-143C4245BA99}" type="slidenum">
               <a:rPr lang="en-CH" smtClean="0"/>
-              <a:t>12</a:t>
+              <a:t>14</a:t>
             </a:fld>
             <a:endParaRPr lang="en-CH"/>
           </a:p>
@@ -1528,7 +1530,7 @@
           <a:p>
             <a:fld id="{216A799B-5638-4717-B96D-143C4245BA99}" type="slidenum">
               <a:rPr lang="en-CH" smtClean="0"/>
-              <a:t>20</a:t>
+              <a:t>22</a:t>
             </a:fld>
             <a:endParaRPr lang="en-CH"/>
           </a:p>
@@ -4888,6 +4890,157 @@
   <p:clrMapOvr>
     <a:masterClrMapping/>
   </p:clrMapOvr>
+  <p:timing>
+    <p:tnLst>
+      <p:par>
+        <p:cTn id="1" dur="indefinite" restart="never" nodeType="tmRoot">
+          <p:childTnLst>
+            <p:seq concurrent="1" nextAc="seek">
+              <p:cTn id="2" dur="indefinite" nodeType="mainSeq">
+                <p:childTnLst>
+                  <p:par>
+                    <p:cTn id="3" fill="hold">
+                      <p:stCondLst>
+                        <p:cond delay="indefinite"/>
+                        <p:cond evt="onBegin" delay="0">
+                          <p:tn val="2"/>
+                        </p:cond>
+                      </p:stCondLst>
+                      <p:childTnLst>
+                        <p:par>
+                          <p:cTn id="4" fill="hold">
+                            <p:stCondLst>
+                              <p:cond delay="0"/>
+                            </p:stCondLst>
+                            <p:childTnLst>
+                              <p:par>
+                                <p:cTn id="5" presetID="10" presetClass="entr" presetSubtype="0" fill="hold" grpId="0" nodeType="withEffect">
+                                  <p:stCondLst>
+                                    <p:cond delay="0"/>
+                                  </p:stCondLst>
+                                  <p:childTnLst>
+                                    <p:set>
+                                      <p:cBhvr>
+                                        <p:cTn id="6" dur="1" fill="hold">
+                                          <p:stCondLst>
+                                            <p:cond delay="0"/>
+                                          </p:stCondLst>
+                                        </p:cTn>
+                                        <p:tgtEl>
+                                          <p:spTgt spid="2"/>
+                                        </p:tgtEl>
+                                        <p:attrNameLst>
+                                          <p:attrName>style.visibility</p:attrName>
+                                        </p:attrNameLst>
+                                      </p:cBhvr>
+                                      <p:to>
+                                        <p:strVal val="visible"/>
+                                      </p:to>
+                                    </p:set>
+                                    <p:animEffect transition="in" filter="fade">
+                                      <p:cBhvr>
+                                        <p:cTn id="7" dur="500"/>
+                                        <p:tgtEl>
+                                          <p:spTgt spid="2"/>
+                                        </p:tgtEl>
+                                      </p:cBhvr>
+                                    </p:animEffect>
+                                  </p:childTnLst>
+                                </p:cTn>
+                              </p:par>
+                            </p:childTnLst>
+                          </p:cTn>
+                        </p:par>
+                      </p:childTnLst>
+                    </p:cTn>
+                  </p:par>
+                  <p:par>
+                    <p:cTn id="8" fill="hold">
+                      <p:stCondLst>
+                        <p:cond delay="indefinite"/>
+                      </p:stCondLst>
+                      <p:childTnLst>
+                        <p:par>
+                          <p:cTn id="9" fill="hold">
+                            <p:stCondLst>
+                              <p:cond delay="0"/>
+                            </p:stCondLst>
+                            <p:childTnLst>
+                              <p:par>
+                                <p:cTn id="10" presetID="10" presetClass="entr" presetSubtype="0" fill="hold" grpId="0" nodeType="clickEffect">
+                                  <p:stCondLst>
+                                    <p:cond delay="0"/>
+                                  </p:stCondLst>
+                                  <p:childTnLst>
+                                    <p:set>
+                                      <p:cBhvr>
+                                        <p:cTn id="11" dur="1" fill="hold">
+                                          <p:stCondLst>
+                                            <p:cond delay="0"/>
+                                          </p:stCondLst>
+                                        </p:cTn>
+                                        <p:tgtEl>
+                                          <p:spTgt spid="3">
+                                            <p:txEl>
+                                              <p:pRg st="0" end="0"/>
+                                            </p:txEl>
+                                          </p:spTgt>
+                                        </p:tgtEl>
+                                        <p:attrNameLst>
+                                          <p:attrName>style.visibility</p:attrName>
+                                        </p:attrNameLst>
+                                      </p:cBhvr>
+                                      <p:to>
+                                        <p:strVal val="visible"/>
+                                      </p:to>
+                                    </p:set>
+                                    <p:animEffect transition="in" filter="fade">
+                                      <p:cBhvr>
+                                        <p:cTn id="12" dur="500"/>
+                                        <p:tgtEl>
+                                          <p:spTgt spid="3">
+                                            <p:txEl>
+                                              <p:pRg st="0" end="0"/>
+                                            </p:txEl>
+                                          </p:spTgt>
+                                        </p:tgtEl>
+                                      </p:cBhvr>
+                                    </p:animEffect>
+                                  </p:childTnLst>
+                                </p:cTn>
+                              </p:par>
+                            </p:childTnLst>
+                          </p:cTn>
+                        </p:par>
+                      </p:childTnLst>
+                    </p:cTn>
+                  </p:par>
+                </p:childTnLst>
+              </p:cTn>
+              <p:prevCondLst>
+                <p:cond evt="onPrev" delay="0">
+                  <p:tgtEl>
+                    <p:sldTgt/>
+                  </p:tgtEl>
+                </p:cond>
+              </p:prevCondLst>
+              <p:nextCondLst>
+                <p:cond evt="onNext" delay="0">
+                  <p:tgtEl>
+                    <p:sldTgt/>
+                  </p:tgtEl>
+                </p:cond>
+              </p:nextCondLst>
+            </p:seq>
+          </p:childTnLst>
+        </p:cTn>
+      </p:par>
+    </p:tnLst>
+    <p:bldLst>
+      <p:bldP spid="2" grpId="0"/>
+      <p:bldP spid="3" grpId="0" build="p"/>
+    </p:bldLst>
+  </p:timing>
 </p:sld>
 </file>
 
@@ -4945,7 +5098,7 @@
           <a:p>
             <a:r>
               <a:rPr lang="fr-CH" dirty="0"/>
-              <a:t>#java</a:t>
+              <a:t>#php</a:t>
             </a:r>
             <a:endParaRPr lang="en-CH" dirty="0"/>
           </a:p>
@@ -4974,6 +5127,1137 @@
           <a:p>
             <a:r>
               <a:rPr lang="en-US" dirty="0"/>
+              <a:t>the easiest language to hate</a:t>
+            </a:r>
+          </a:p>
+          <a:p>
+            <a:endParaRPr lang="en-US" dirty="0"/>
+          </a:p>
+          <a:p>
+            <a:r>
+              <a:rPr lang="en-US" dirty="0"/>
+              <a:t>untyped by default</a:t>
+            </a:r>
+          </a:p>
+          <a:p>
+            <a:endParaRPr lang="en-US" dirty="0"/>
+          </a:p>
+          <a:p>
+            <a:r>
+              <a:rPr lang="en-US" dirty="0"/>
+              <a:t>effectively three semantics in a </a:t>
+            </a:r>
+            <a:r>
+              <a:rPr lang="en-US" dirty="0" err="1"/>
+              <a:t>trenchcoat</a:t>
+            </a:r>
+            <a:endParaRPr lang="en-US" dirty="0"/>
+          </a:p>
+          <a:p>
+            <a:pPr lvl="1"/>
+            <a:r>
+              <a:rPr lang="en-US" dirty="0" err="1"/>
+              <a:t>getenv</a:t>
+            </a:r>
+            <a:endParaRPr lang="en-US" dirty="0"/>
+          </a:p>
+          <a:p>
+            <a:pPr lvl="1"/>
+            <a:r>
+              <a:rPr lang="en-US" dirty="0" err="1"/>
+              <a:t>file_get_contents</a:t>
+            </a:r>
+            <a:endParaRPr lang="en-US" dirty="0"/>
+          </a:p>
+          <a:p>
+            <a:pPr lvl="1"/>
+            <a:r>
+              <a:rPr lang="en-GB" b="0" i="0" dirty="0" err="1">
+                <a:solidFill>
+                  <a:srgbClr val="1C1C1C"/>
+                </a:solidFill>
+                <a:effectLst/>
+                <a:latin typeface="Noto Mono"/>
+              </a:rPr>
+              <a:t>Zend_Service_ReCaptcha</a:t>
+            </a:r>
+            <a:endParaRPr lang="en-US" dirty="0"/>
+          </a:p>
+          <a:p>
+            <a:pPr marL="0" indent="0">
+              <a:buNone/>
+            </a:pPr>
+            <a:endParaRPr lang="en-US" dirty="0"/>
+          </a:p>
+          <a:p>
+            <a:endParaRPr lang="fr-CH" dirty="0"/>
+          </a:p>
+        </p:txBody>
+      </p:sp>
+      <p:pic>
+        <p:nvPicPr>
+          <p:cNvPr id="5" name="Picture 4">
+            <a:extLst>
+              <a:ext uri="{FF2B5EF4-FFF2-40B4-BE49-F238E27FC236}">
+                <a16:creationId xmlns:a16="http://schemas.microsoft.com/office/drawing/2014/main" id="{3DD01FE1-5FD4-46B9-0672-FB993C2D1742}"/>
+              </a:ext>
+            </a:extLst>
+          </p:cNvPr>
+          <p:cNvPicPr>
+            <a:picLocks noChangeAspect="1"/>
+          </p:cNvPicPr>
+          <p:nvPr/>
+        </p:nvPicPr>
+        <p:blipFill>
+          <a:blip r:embed="rId4"/>
+          <a:stretch>
+            <a:fillRect/>
+          </a:stretch>
+        </p:blipFill>
+        <p:spPr>
+          <a:xfrm>
+            <a:off x="1398901" y="4453915"/>
+            <a:ext cx="9394198" cy="1325562"/>
+          </a:xfrm>
+          <a:prstGeom prst="rect">
+            <a:avLst/>
+          </a:prstGeom>
+        </p:spPr>
+      </p:pic>
+    </p:spTree>
+    <p:extLst>
+      <p:ext uri="{BB962C8B-B14F-4D97-AF65-F5344CB8AC3E}">
+        <p14:creationId xmlns:p14="http://schemas.microsoft.com/office/powerpoint/2010/main" val="1290997996"/>
+      </p:ext>
+    </p:extLst>
+  </p:cSld>
+  <p:clrMapOvr>
+    <a:masterClrMapping/>
+  </p:clrMapOvr>
+  <p:timing>
+    <p:tnLst>
+      <p:par>
+        <p:cTn id="1" dur="indefinite" restart="never" nodeType="tmRoot">
+          <p:childTnLst>
+            <p:seq concurrent="1" nextAc="seek">
+              <p:cTn id="2" dur="indefinite" nodeType="mainSeq">
+                <p:childTnLst>
+                  <p:par>
+                    <p:cTn id="3" fill="hold">
+                      <p:stCondLst>
+                        <p:cond delay="indefinite"/>
+                        <p:cond evt="onBegin" delay="0">
+                          <p:tn val="2"/>
+                        </p:cond>
+                      </p:stCondLst>
+                      <p:childTnLst>
+                        <p:par>
+                          <p:cTn id="4" fill="hold">
+                            <p:stCondLst>
+                              <p:cond delay="0"/>
+                            </p:stCondLst>
+                            <p:childTnLst>
+                              <p:par>
+                                <p:cTn id="5" presetID="10" presetClass="entr" presetSubtype="0" fill="hold" grpId="0" nodeType="withEffect">
+                                  <p:stCondLst>
+                                    <p:cond delay="0"/>
+                                  </p:stCondLst>
+                                  <p:childTnLst>
+                                    <p:set>
+                                      <p:cBhvr>
+                                        <p:cTn id="6" dur="1" fill="hold">
+                                          <p:stCondLst>
+                                            <p:cond delay="0"/>
+                                          </p:stCondLst>
+                                        </p:cTn>
+                                        <p:tgtEl>
+                                          <p:spTgt spid="2"/>
+                                        </p:tgtEl>
+                                        <p:attrNameLst>
+                                          <p:attrName>style.visibility</p:attrName>
+                                        </p:attrNameLst>
+                                      </p:cBhvr>
+                                      <p:to>
+                                        <p:strVal val="visible"/>
+                                      </p:to>
+                                    </p:set>
+                                    <p:animEffect transition="in" filter="fade">
+                                      <p:cBhvr>
+                                        <p:cTn id="7" dur="500"/>
+                                        <p:tgtEl>
+                                          <p:spTgt spid="2"/>
+                                        </p:tgtEl>
+                                      </p:cBhvr>
+                                    </p:animEffect>
+                                  </p:childTnLst>
+                                </p:cTn>
+                              </p:par>
+                            </p:childTnLst>
+                          </p:cTn>
+                        </p:par>
+                      </p:childTnLst>
+                    </p:cTn>
+                  </p:par>
+                  <p:par>
+                    <p:cTn id="8" fill="hold">
+                      <p:stCondLst>
+                        <p:cond delay="indefinite"/>
+                      </p:stCondLst>
+                      <p:childTnLst>
+                        <p:par>
+                          <p:cTn id="9" fill="hold">
+                            <p:stCondLst>
+                              <p:cond delay="0"/>
+                            </p:stCondLst>
+                            <p:childTnLst>
+                              <p:par>
+                                <p:cTn id="10" presetID="10" presetClass="entr" presetSubtype="0" fill="hold" grpId="0" nodeType="clickEffect">
+                                  <p:stCondLst>
+                                    <p:cond delay="0"/>
+                                  </p:stCondLst>
+                                  <p:childTnLst>
+                                    <p:set>
+                                      <p:cBhvr>
+                                        <p:cTn id="11" dur="1" fill="hold">
+                                          <p:stCondLst>
+                                            <p:cond delay="0"/>
+                                          </p:stCondLst>
+                                        </p:cTn>
+                                        <p:tgtEl>
+                                          <p:spTgt spid="3">
+                                            <p:txEl>
+                                              <p:pRg st="0" end="0"/>
+                                            </p:txEl>
+                                          </p:spTgt>
+                                        </p:tgtEl>
+                                        <p:attrNameLst>
+                                          <p:attrName>style.visibility</p:attrName>
+                                        </p:attrNameLst>
+                                      </p:cBhvr>
+                                      <p:to>
+                                        <p:strVal val="visible"/>
+                                      </p:to>
+                                    </p:set>
+                                    <p:animEffect transition="in" filter="fade">
+                                      <p:cBhvr>
+                                        <p:cTn id="12" dur="500"/>
+                                        <p:tgtEl>
+                                          <p:spTgt spid="3">
+                                            <p:txEl>
+                                              <p:pRg st="0" end="0"/>
+                                            </p:txEl>
+                                          </p:spTgt>
+                                        </p:tgtEl>
+                                      </p:cBhvr>
+                                    </p:animEffect>
+                                  </p:childTnLst>
+                                </p:cTn>
+                              </p:par>
+                            </p:childTnLst>
+                          </p:cTn>
+                        </p:par>
+                      </p:childTnLst>
+                    </p:cTn>
+                  </p:par>
+                  <p:par>
+                    <p:cTn id="13" fill="hold">
+                      <p:stCondLst>
+                        <p:cond delay="indefinite"/>
+                      </p:stCondLst>
+                      <p:childTnLst>
+                        <p:par>
+                          <p:cTn id="14" fill="hold">
+                            <p:stCondLst>
+                              <p:cond delay="0"/>
+                            </p:stCondLst>
+                            <p:childTnLst>
+                              <p:par>
+                                <p:cTn id="15" presetID="10" presetClass="entr" presetSubtype="0" fill="hold" grpId="0" nodeType="clickEffect">
+                                  <p:stCondLst>
+                                    <p:cond delay="0"/>
+                                  </p:stCondLst>
+                                  <p:childTnLst>
+                                    <p:set>
+                                      <p:cBhvr>
+                                        <p:cTn id="16" dur="1" fill="hold">
+                                          <p:stCondLst>
+                                            <p:cond delay="0"/>
+                                          </p:stCondLst>
+                                        </p:cTn>
+                                        <p:tgtEl>
+                                          <p:spTgt spid="3">
+                                            <p:txEl>
+                                              <p:pRg st="2" end="2"/>
+                                            </p:txEl>
+                                          </p:spTgt>
+                                        </p:tgtEl>
+                                        <p:attrNameLst>
+                                          <p:attrName>style.visibility</p:attrName>
+                                        </p:attrNameLst>
+                                      </p:cBhvr>
+                                      <p:to>
+                                        <p:strVal val="visible"/>
+                                      </p:to>
+                                    </p:set>
+                                    <p:animEffect transition="in" filter="fade">
+                                      <p:cBhvr>
+                                        <p:cTn id="17" dur="500"/>
+                                        <p:tgtEl>
+                                          <p:spTgt spid="3">
+                                            <p:txEl>
+                                              <p:pRg st="2" end="2"/>
+                                            </p:txEl>
+                                          </p:spTgt>
+                                        </p:tgtEl>
+                                      </p:cBhvr>
+                                    </p:animEffect>
+                                  </p:childTnLst>
+                                </p:cTn>
+                              </p:par>
+                            </p:childTnLst>
+                          </p:cTn>
+                        </p:par>
+                      </p:childTnLst>
+                    </p:cTn>
+                  </p:par>
+                  <p:par>
+                    <p:cTn id="18" fill="hold">
+                      <p:stCondLst>
+                        <p:cond delay="indefinite"/>
+                      </p:stCondLst>
+                      <p:childTnLst>
+                        <p:par>
+                          <p:cTn id="19" fill="hold">
+                            <p:stCondLst>
+                              <p:cond delay="0"/>
+                            </p:stCondLst>
+                            <p:childTnLst>
+                              <p:par>
+                                <p:cTn id="20" presetID="10" presetClass="entr" presetSubtype="0" fill="hold" grpId="0" nodeType="clickEffect">
+                                  <p:stCondLst>
+                                    <p:cond delay="0"/>
+                                  </p:stCondLst>
+                                  <p:childTnLst>
+                                    <p:set>
+                                      <p:cBhvr>
+                                        <p:cTn id="21" dur="1" fill="hold">
+                                          <p:stCondLst>
+                                            <p:cond delay="0"/>
+                                          </p:stCondLst>
+                                        </p:cTn>
+                                        <p:tgtEl>
+                                          <p:spTgt spid="3">
+                                            <p:txEl>
+                                              <p:pRg st="4" end="4"/>
+                                            </p:txEl>
+                                          </p:spTgt>
+                                        </p:tgtEl>
+                                        <p:attrNameLst>
+                                          <p:attrName>style.visibility</p:attrName>
+                                        </p:attrNameLst>
+                                      </p:cBhvr>
+                                      <p:to>
+                                        <p:strVal val="visible"/>
+                                      </p:to>
+                                    </p:set>
+                                    <p:animEffect transition="in" filter="fade">
+                                      <p:cBhvr>
+                                        <p:cTn id="22" dur="500"/>
+                                        <p:tgtEl>
+                                          <p:spTgt spid="3">
+                                            <p:txEl>
+                                              <p:pRg st="4" end="4"/>
+                                            </p:txEl>
+                                          </p:spTgt>
+                                        </p:tgtEl>
+                                      </p:cBhvr>
+                                    </p:animEffect>
+                                  </p:childTnLst>
+                                </p:cTn>
+                              </p:par>
+                            </p:childTnLst>
+                          </p:cTn>
+                        </p:par>
+                      </p:childTnLst>
+                    </p:cTn>
+                  </p:par>
+                  <p:par>
+                    <p:cTn id="23" fill="hold">
+                      <p:stCondLst>
+                        <p:cond delay="indefinite"/>
+                      </p:stCondLst>
+                      <p:childTnLst>
+                        <p:par>
+                          <p:cTn id="24" fill="hold">
+                            <p:stCondLst>
+                              <p:cond delay="0"/>
+                            </p:stCondLst>
+                            <p:childTnLst>
+                              <p:par>
+                                <p:cTn id="25" presetID="10" presetClass="entr" presetSubtype="0" fill="hold" grpId="0" nodeType="clickEffect">
+                                  <p:stCondLst>
+                                    <p:cond delay="0"/>
+                                  </p:stCondLst>
+                                  <p:childTnLst>
+                                    <p:set>
+                                      <p:cBhvr>
+                                        <p:cTn id="26" dur="1" fill="hold">
+                                          <p:stCondLst>
+                                            <p:cond delay="0"/>
+                                          </p:stCondLst>
+                                        </p:cTn>
+                                        <p:tgtEl>
+                                          <p:spTgt spid="3">
+                                            <p:txEl>
+                                              <p:pRg st="5" end="5"/>
+                                            </p:txEl>
+                                          </p:spTgt>
+                                        </p:tgtEl>
+                                        <p:attrNameLst>
+                                          <p:attrName>style.visibility</p:attrName>
+                                        </p:attrNameLst>
+                                      </p:cBhvr>
+                                      <p:to>
+                                        <p:strVal val="visible"/>
+                                      </p:to>
+                                    </p:set>
+                                    <p:animEffect transition="in" filter="fade">
+                                      <p:cBhvr>
+                                        <p:cTn id="27" dur="500"/>
+                                        <p:tgtEl>
+                                          <p:spTgt spid="3">
+                                            <p:txEl>
+                                              <p:pRg st="5" end="5"/>
+                                            </p:txEl>
+                                          </p:spTgt>
+                                        </p:tgtEl>
+                                      </p:cBhvr>
+                                    </p:animEffect>
+                                  </p:childTnLst>
+                                </p:cTn>
+                              </p:par>
+                            </p:childTnLst>
+                          </p:cTn>
+                        </p:par>
+                      </p:childTnLst>
+                    </p:cTn>
+                  </p:par>
+                  <p:par>
+                    <p:cTn id="28" fill="hold">
+                      <p:stCondLst>
+                        <p:cond delay="indefinite"/>
+                      </p:stCondLst>
+                      <p:childTnLst>
+                        <p:par>
+                          <p:cTn id="29" fill="hold">
+                            <p:stCondLst>
+                              <p:cond delay="0"/>
+                            </p:stCondLst>
+                            <p:childTnLst>
+                              <p:par>
+                                <p:cTn id="30" presetID="10" presetClass="entr" presetSubtype="0" fill="hold" grpId="0" nodeType="clickEffect">
+                                  <p:stCondLst>
+                                    <p:cond delay="0"/>
+                                  </p:stCondLst>
+                                  <p:childTnLst>
+                                    <p:set>
+                                      <p:cBhvr>
+                                        <p:cTn id="31" dur="1" fill="hold">
+                                          <p:stCondLst>
+                                            <p:cond delay="0"/>
+                                          </p:stCondLst>
+                                        </p:cTn>
+                                        <p:tgtEl>
+                                          <p:spTgt spid="3">
+                                            <p:txEl>
+                                              <p:pRg st="6" end="6"/>
+                                            </p:txEl>
+                                          </p:spTgt>
+                                        </p:tgtEl>
+                                        <p:attrNameLst>
+                                          <p:attrName>style.visibility</p:attrName>
+                                        </p:attrNameLst>
+                                      </p:cBhvr>
+                                      <p:to>
+                                        <p:strVal val="visible"/>
+                                      </p:to>
+                                    </p:set>
+                                    <p:animEffect transition="in" filter="fade">
+                                      <p:cBhvr>
+                                        <p:cTn id="32" dur="500"/>
+                                        <p:tgtEl>
+                                          <p:spTgt spid="3">
+                                            <p:txEl>
+                                              <p:pRg st="6" end="6"/>
+                                            </p:txEl>
+                                          </p:spTgt>
+                                        </p:tgtEl>
+                                      </p:cBhvr>
+                                    </p:animEffect>
+                                  </p:childTnLst>
+                                </p:cTn>
+                              </p:par>
+                            </p:childTnLst>
+                          </p:cTn>
+                        </p:par>
+                      </p:childTnLst>
+                    </p:cTn>
+                  </p:par>
+                  <p:par>
+                    <p:cTn id="33" fill="hold">
+                      <p:stCondLst>
+                        <p:cond delay="indefinite"/>
+                      </p:stCondLst>
+                      <p:childTnLst>
+                        <p:par>
+                          <p:cTn id="34" fill="hold">
+                            <p:stCondLst>
+                              <p:cond delay="0"/>
+                            </p:stCondLst>
+                            <p:childTnLst>
+                              <p:par>
+                                <p:cTn id="35" presetID="10" presetClass="entr" presetSubtype="0" fill="hold" grpId="0" nodeType="clickEffect">
+                                  <p:stCondLst>
+                                    <p:cond delay="0"/>
+                                  </p:stCondLst>
+                                  <p:childTnLst>
+                                    <p:set>
+                                      <p:cBhvr>
+                                        <p:cTn id="36" dur="1" fill="hold">
+                                          <p:stCondLst>
+                                            <p:cond delay="0"/>
+                                          </p:stCondLst>
+                                        </p:cTn>
+                                        <p:tgtEl>
+                                          <p:spTgt spid="3">
+                                            <p:txEl>
+                                              <p:pRg st="7" end="7"/>
+                                            </p:txEl>
+                                          </p:spTgt>
+                                        </p:tgtEl>
+                                        <p:attrNameLst>
+                                          <p:attrName>style.visibility</p:attrName>
+                                        </p:attrNameLst>
+                                      </p:cBhvr>
+                                      <p:to>
+                                        <p:strVal val="visible"/>
+                                      </p:to>
+                                    </p:set>
+                                    <p:animEffect transition="in" filter="fade">
+                                      <p:cBhvr>
+                                        <p:cTn id="37" dur="500"/>
+                                        <p:tgtEl>
+                                          <p:spTgt spid="3">
+                                            <p:txEl>
+                                              <p:pRg st="7" end="7"/>
+                                            </p:txEl>
+                                          </p:spTgt>
+                                        </p:tgtEl>
+                                      </p:cBhvr>
+                                    </p:animEffect>
+                                  </p:childTnLst>
+                                </p:cTn>
+                              </p:par>
+                            </p:childTnLst>
+                          </p:cTn>
+                        </p:par>
+                      </p:childTnLst>
+                    </p:cTn>
+                  </p:par>
+                  <p:par>
+                    <p:cTn id="38" fill="hold">
+                      <p:stCondLst>
+                        <p:cond delay="indefinite"/>
+                      </p:stCondLst>
+                      <p:childTnLst>
+                        <p:par>
+                          <p:cTn id="39" fill="hold">
+                            <p:stCondLst>
+                              <p:cond delay="0"/>
+                            </p:stCondLst>
+                            <p:childTnLst>
+                              <p:par>
+                                <p:cTn id="40" presetID="10" presetClass="entr" presetSubtype="0" fill="hold" nodeType="clickEffect">
+                                  <p:stCondLst>
+                                    <p:cond delay="0"/>
+                                  </p:stCondLst>
+                                  <p:childTnLst>
+                                    <p:set>
+                                      <p:cBhvr>
+                                        <p:cTn id="41" dur="1" fill="hold">
+                                          <p:stCondLst>
+                                            <p:cond delay="0"/>
+                                          </p:stCondLst>
+                                        </p:cTn>
+                                        <p:tgtEl>
+                                          <p:spTgt spid="5"/>
+                                        </p:tgtEl>
+                                        <p:attrNameLst>
+                                          <p:attrName>style.visibility</p:attrName>
+                                        </p:attrNameLst>
+                                      </p:cBhvr>
+                                      <p:to>
+                                        <p:strVal val="visible"/>
+                                      </p:to>
+                                    </p:set>
+                                    <p:animEffect transition="in" filter="fade">
+                                      <p:cBhvr>
+                                        <p:cTn id="42" dur="500"/>
+                                        <p:tgtEl>
+                                          <p:spTgt spid="5"/>
+                                        </p:tgtEl>
+                                      </p:cBhvr>
+                                    </p:animEffect>
+                                  </p:childTnLst>
+                                </p:cTn>
+                              </p:par>
+                            </p:childTnLst>
+                          </p:cTn>
+                        </p:par>
+                      </p:childTnLst>
+                    </p:cTn>
+                  </p:par>
+                </p:childTnLst>
+              </p:cTn>
+              <p:prevCondLst>
+                <p:cond evt="onPrev" delay="0">
+                  <p:tgtEl>
+                    <p:sldTgt/>
+                  </p:tgtEl>
+                </p:cond>
+              </p:prevCondLst>
+              <p:nextCondLst>
+                <p:cond evt="onNext" delay="0">
+                  <p:tgtEl>
+                    <p:sldTgt/>
+                  </p:tgtEl>
+                </p:cond>
+              </p:nextCondLst>
+            </p:seq>
+          </p:childTnLst>
+        </p:cTn>
+      </p:par>
+    </p:tnLst>
+    <p:bldLst>
+      <p:bldP spid="2" grpId="0"/>
+      <p:bldP spid="3" grpId="0" uiExpand="1" build="p"/>
+    </p:bldLst>
+  </p:timing>
+</p:sld>
+</file>
+
+<file path=ppt/slides/slide11.xml><?xml version="1.0" encoding="utf-8"?>
+<p:sld xmlns:a="http://schemas.openxmlformats.org/drawingml/2006/main" xmlns:r="http://schemas.openxmlformats.org/officeDocument/2006/relationships" xmlns:p="http://schemas.openxmlformats.org/presentationml/2006/main">
+  <p:cSld>
+    <p:bg>
+      <p:bgPr>
+        <a:blipFill dpi="0" rotWithShape="1">
+          <a:blip r:embed="rId2">
+            <a:lum/>
+          </a:blip>
+          <a:srcRect/>
+          <a:stretch>
+            <a:fillRect/>
+          </a:stretch>
+        </a:blipFill>
+        <a:effectLst/>
+      </p:bgPr>
+    </p:bg>
+    <p:spTree>
+      <p:nvGrpSpPr>
+        <p:cNvPr id="1" name=""/>
+        <p:cNvGrpSpPr/>
+        <p:nvPr/>
+      </p:nvGrpSpPr>
+      <p:grpSpPr>
+        <a:xfrm>
+          <a:off x="0" y="0"/>
+          <a:ext cx="0" cy="0"/>
+          <a:chOff x="0" y="0"/>
+          <a:chExt cx="0" cy="0"/>
+        </a:xfrm>
+      </p:grpSpPr>
+      <p:sp>
+        <p:nvSpPr>
+          <p:cNvPr id="2" name="Title 1">
+            <a:extLst>
+              <a:ext uri="{FF2B5EF4-FFF2-40B4-BE49-F238E27FC236}">
+                <a16:creationId xmlns:a16="http://schemas.microsoft.com/office/drawing/2014/main" id="{7D694F56-C554-ED85-F373-F46D7DF97CFC}"/>
+              </a:ext>
+            </a:extLst>
+          </p:cNvPr>
+          <p:cNvSpPr>
+            <a:spLocks noGrp="1"/>
+          </p:cNvSpPr>
+          <p:nvPr>
+            <p:ph type="title"/>
+          </p:nvPr>
+        </p:nvSpPr>
+        <p:spPr/>
+        <p:txBody>
+          <a:bodyPr/>
+          <a:lstStyle/>
+          <a:p>
+            <a:r>
+              <a:rPr lang="fr-CH" dirty="0"/>
+              <a:t>#php</a:t>
+            </a:r>
+            <a:endParaRPr lang="en-CH" dirty="0"/>
+          </a:p>
+        </p:txBody>
+      </p:sp>
+      <p:sp>
+        <p:nvSpPr>
+          <p:cNvPr id="3" name="Content Placeholder 2">
+            <a:extLst>
+              <a:ext uri="{FF2B5EF4-FFF2-40B4-BE49-F238E27FC236}">
+                <a16:creationId xmlns:a16="http://schemas.microsoft.com/office/drawing/2014/main" id="{ABEE0020-AAEB-A3F1-C14B-C3E9BEEF1B16}"/>
+              </a:ext>
+            </a:extLst>
+          </p:cNvPr>
+          <p:cNvSpPr>
+            <a:spLocks noGrp="1"/>
+          </p:cNvSpPr>
+          <p:nvPr>
+            <p:ph idx="1"/>
+          </p:nvPr>
+        </p:nvSpPr>
+        <p:spPr/>
+        <p:txBody>
+          <a:bodyPr/>
+          <a:lstStyle/>
+          <a:p>
+            <a:r>
+              <a:rPr lang="en-US" dirty="0"/>
+              <a:t>the dubious honor of being trashed by its creator</a:t>
+            </a:r>
+          </a:p>
+          <a:p>
+            <a:pPr lvl="1"/>
+            <a:r>
+              <a:rPr lang="en-US" dirty="0"/>
+              <a:t>“</a:t>
+            </a:r>
+            <a:r>
+              <a:rPr lang="en-US" b="0" i="0" dirty="0">
+                <a:solidFill>
+                  <a:srgbClr val="202122"/>
+                </a:solidFill>
+                <a:effectLst/>
+                <a:latin typeface="Arial" panose="020B0604020202020204" pitchFamily="34" charset="0"/>
+              </a:rPr>
+              <a:t>PHP 8 is significantly better because it contains a lot less of my code”</a:t>
+            </a:r>
+          </a:p>
+          <a:p>
+            <a:pPr lvl="1"/>
+            <a:endParaRPr lang="en-US" dirty="0">
+              <a:solidFill>
+                <a:srgbClr val="202122"/>
+              </a:solidFill>
+              <a:latin typeface="Arial" panose="020B0604020202020204" pitchFamily="34" charset="0"/>
+            </a:endParaRPr>
+          </a:p>
+          <a:p>
+            <a:r>
+              <a:rPr lang="en-US" dirty="0"/>
+              <a:t>if you really want “the full Monty” of a rant, check </a:t>
+            </a:r>
+            <a:r>
+              <a:rPr lang="en-US" dirty="0" err="1"/>
+              <a:t>eevee’s</a:t>
+            </a:r>
+            <a:r>
+              <a:rPr lang="en-US" dirty="0"/>
+              <a:t> blog:</a:t>
+            </a:r>
+          </a:p>
+          <a:p>
+            <a:pPr lvl="1"/>
+            <a:r>
+              <a:rPr lang="en-US" dirty="0"/>
+              <a:t>https://eev.ee/blog/2012/04/09/php-a-fractal-of-bad-design/</a:t>
+            </a:r>
+          </a:p>
+          <a:p>
+            <a:pPr lvl="1"/>
+            <a:endParaRPr lang="en-US" dirty="0"/>
+          </a:p>
+        </p:txBody>
+      </p:sp>
+    </p:spTree>
+    <p:extLst>
+      <p:ext uri="{BB962C8B-B14F-4D97-AF65-F5344CB8AC3E}">
+        <p14:creationId xmlns:p14="http://schemas.microsoft.com/office/powerpoint/2010/main" val="2920127852"/>
+      </p:ext>
+    </p:extLst>
+  </p:cSld>
+  <p:clrMapOvr>
+    <a:masterClrMapping/>
+  </p:clrMapOvr>
+  <p:timing>
+    <p:tnLst>
+      <p:par>
+        <p:cTn id="1" dur="indefinite" restart="never" nodeType="tmRoot">
+          <p:childTnLst>
+            <p:seq concurrent="1" nextAc="seek">
+              <p:cTn id="2" dur="indefinite" nodeType="mainSeq">
+                <p:childTnLst>
+                  <p:par>
+                    <p:cTn id="3" fill="hold">
+                      <p:stCondLst>
+                        <p:cond delay="indefinite"/>
+                      </p:stCondLst>
+                      <p:childTnLst>
+                        <p:par>
+                          <p:cTn id="4" fill="hold">
+                            <p:stCondLst>
+                              <p:cond delay="0"/>
+                            </p:stCondLst>
+                            <p:childTnLst>
+                              <p:par>
+                                <p:cTn id="5" presetID="10" presetClass="entr" presetSubtype="0" fill="hold" grpId="0" nodeType="clickEffect">
+                                  <p:stCondLst>
+                                    <p:cond delay="0"/>
+                                  </p:stCondLst>
+                                  <p:childTnLst>
+                                    <p:set>
+                                      <p:cBhvr>
+                                        <p:cTn id="6" dur="1" fill="hold">
+                                          <p:stCondLst>
+                                            <p:cond delay="0"/>
+                                          </p:stCondLst>
+                                        </p:cTn>
+                                        <p:tgtEl>
+                                          <p:spTgt spid="3">
+                                            <p:txEl>
+                                              <p:pRg st="0" end="0"/>
+                                            </p:txEl>
+                                          </p:spTgt>
+                                        </p:tgtEl>
+                                        <p:attrNameLst>
+                                          <p:attrName>style.visibility</p:attrName>
+                                        </p:attrNameLst>
+                                      </p:cBhvr>
+                                      <p:to>
+                                        <p:strVal val="visible"/>
+                                      </p:to>
+                                    </p:set>
+                                    <p:animEffect transition="in" filter="fade">
+                                      <p:cBhvr>
+                                        <p:cTn id="7" dur="500"/>
+                                        <p:tgtEl>
+                                          <p:spTgt spid="3">
+                                            <p:txEl>
+                                              <p:pRg st="0" end="0"/>
+                                            </p:txEl>
+                                          </p:spTgt>
+                                        </p:tgtEl>
+                                      </p:cBhvr>
+                                    </p:animEffect>
+                                  </p:childTnLst>
+                                </p:cTn>
+                              </p:par>
+                            </p:childTnLst>
+                          </p:cTn>
+                        </p:par>
+                      </p:childTnLst>
+                    </p:cTn>
+                  </p:par>
+                  <p:par>
+                    <p:cTn id="8" fill="hold">
+                      <p:stCondLst>
+                        <p:cond delay="indefinite"/>
+                      </p:stCondLst>
+                      <p:childTnLst>
+                        <p:par>
+                          <p:cTn id="9" fill="hold">
+                            <p:stCondLst>
+                              <p:cond delay="0"/>
+                            </p:stCondLst>
+                            <p:childTnLst>
+                              <p:par>
+                                <p:cTn id="10" presetID="10" presetClass="entr" presetSubtype="0" fill="hold" grpId="0" nodeType="clickEffect">
+                                  <p:stCondLst>
+                                    <p:cond delay="0"/>
+                                  </p:stCondLst>
+                                  <p:childTnLst>
+                                    <p:set>
+                                      <p:cBhvr>
+                                        <p:cTn id="11" dur="1" fill="hold">
+                                          <p:stCondLst>
+                                            <p:cond delay="0"/>
+                                          </p:stCondLst>
+                                        </p:cTn>
+                                        <p:tgtEl>
+                                          <p:spTgt spid="3">
+                                            <p:txEl>
+                                              <p:pRg st="1" end="1"/>
+                                            </p:txEl>
+                                          </p:spTgt>
+                                        </p:tgtEl>
+                                        <p:attrNameLst>
+                                          <p:attrName>style.visibility</p:attrName>
+                                        </p:attrNameLst>
+                                      </p:cBhvr>
+                                      <p:to>
+                                        <p:strVal val="visible"/>
+                                      </p:to>
+                                    </p:set>
+                                    <p:animEffect transition="in" filter="fade">
+                                      <p:cBhvr>
+                                        <p:cTn id="12" dur="500"/>
+                                        <p:tgtEl>
+                                          <p:spTgt spid="3">
+                                            <p:txEl>
+                                              <p:pRg st="1" end="1"/>
+                                            </p:txEl>
+                                          </p:spTgt>
+                                        </p:tgtEl>
+                                      </p:cBhvr>
+                                    </p:animEffect>
+                                  </p:childTnLst>
+                                </p:cTn>
+                              </p:par>
+                            </p:childTnLst>
+                          </p:cTn>
+                        </p:par>
+                      </p:childTnLst>
+                    </p:cTn>
+                  </p:par>
+                  <p:par>
+                    <p:cTn id="13" fill="hold">
+                      <p:stCondLst>
+                        <p:cond delay="indefinite"/>
+                      </p:stCondLst>
+                      <p:childTnLst>
+                        <p:par>
+                          <p:cTn id="14" fill="hold">
+                            <p:stCondLst>
+                              <p:cond delay="0"/>
+                            </p:stCondLst>
+                            <p:childTnLst>
+                              <p:par>
+                                <p:cTn id="15" presetID="10" presetClass="entr" presetSubtype="0" fill="hold" grpId="0" nodeType="clickEffect">
+                                  <p:stCondLst>
+                                    <p:cond delay="0"/>
+                                  </p:stCondLst>
+                                  <p:childTnLst>
+                                    <p:set>
+                                      <p:cBhvr>
+                                        <p:cTn id="16" dur="1" fill="hold">
+                                          <p:stCondLst>
+                                            <p:cond delay="0"/>
+                                          </p:stCondLst>
+                                        </p:cTn>
+                                        <p:tgtEl>
+                                          <p:spTgt spid="3">
+                                            <p:txEl>
+                                              <p:pRg st="3" end="3"/>
+                                            </p:txEl>
+                                          </p:spTgt>
+                                        </p:tgtEl>
+                                        <p:attrNameLst>
+                                          <p:attrName>style.visibility</p:attrName>
+                                        </p:attrNameLst>
+                                      </p:cBhvr>
+                                      <p:to>
+                                        <p:strVal val="visible"/>
+                                      </p:to>
+                                    </p:set>
+                                    <p:animEffect transition="in" filter="fade">
+                                      <p:cBhvr>
+                                        <p:cTn id="17" dur="500"/>
+                                        <p:tgtEl>
+                                          <p:spTgt spid="3">
+                                            <p:txEl>
+                                              <p:pRg st="3" end="3"/>
+                                            </p:txEl>
+                                          </p:spTgt>
+                                        </p:tgtEl>
+                                      </p:cBhvr>
+                                    </p:animEffect>
+                                  </p:childTnLst>
+                                </p:cTn>
+                              </p:par>
+                            </p:childTnLst>
+                          </p:cTn>
+                        </p:par>
+                      </p:childTnLst>
+                    </p:cTn>
+                  </p:par>
+                  <p:par>
+                    <p:cTn id="18" fill="hold">
+                      <p:stCondLst>
+                        <p:cond delay="indefinite"/>
+                      </p:stCondLst>
+                      <p:childTnLst>
+                        <p:par>
+                          <p:cTn id="19" fill="hold">
+                            <p:stCondLst>
+                              <p:cond delay="0"/>
+                            </p:stCondLst>
+                            <p:childTnLst>
+                              <p:par>
+                                <p:cTn id="20" presetID="10" presetClass="entr" presetSubtype="0" fill="hold" grpId="0" nodeType="clickEffect">
+                                  <p:stCondLst>
+                                    <p:cond delay="0"/>
+                                  </p:stCondLst>
+                                  <p:childTnLst>
+                                    <p:set>
+                                      <p:cBhvr>
+                                        <p:cTn id="21" dur="1" fill="hold">
+                                          <p:stCondLst>
+                                            <p:cond delay="0"/>
+                                          </p:stCondLst>
+                                        </p:cTn>
+                                        <p:tgtEl>
+                                          <p:spTgt spid="3">
+                                            <p:txEl>
+                                              <p:pRg st="4" end="4"/>
+                                            </p:txEl>
+                                          </p:spTgt>
+                                        </p:tgtEl>
+                                        <p:attrNameLst>
+                                          <p:attrName>style.visibility</p:attrName>
+                                        </p:attrNameLst>
+                                      </p:cBhvr>
+                                      <p:to>
+                                        <p:strVal val="visible"/>
+                                      </p:to>
+                                    </p:set>
+                                    <p:animEffect transition="in" filter="fade">
+                                      <p:cBhvr>
+                                        <p:cTn id="22" dur="500"/>
+                                        <p:tgtEl>
+                                          <p:spTgt spid="3">
+                                            <p:txEl>
+                                              <p:pRg st="4" end="4"/>
+                                            </p:txEl>
+                                          </p:spTgt>
+                                        </p:tgtEl>
+                                      </p:cBhvr>
+                                    </p:animEffect>
+                                  </p:childTnLst>
+                                </p:cTn>
+                              </p:par>
+                            </p:childTnLst>
+                          </p:cTn>
+                        </p:par>
+                      </p:childTnLst>
+                    </p:cTn>
+                  </p:par>
+                </p:childTnLst>
+              </p:cTn>
+              <p:prevCondLst>
+                <p:cond evt="onPrev" delay="0">
+                  <p:tgtEl>
+                    <p:sldTgt/>
+                  </p:tgtEl>
+                </p:cond>
+              </p:prevCondLst>
+              <p:nextCondLst>
+                <p:cond evt="onNext" delay="0">
+                  <p:tgtEl>
+                    <p:sldTgt/>
+                  </p:tgtEl>
+                </p:cond>
+              </p:nextCondLst>
+            </p:seq>
+          </p:childTnLst>
+        </p:cTn>
+      </p:par>
+    </p:tnLst>
+    <p:bldLst>
+      <p:bldP spid="3" grpId="0" uiExpand="1" build="p"/>
+    </p:bldLst>
+  </p:timing>
+</p:sld>
+</file>
+
+<file path=ppt/slides/slide12.xml><?xml version="1.0" encoding="utf-8"?>
+<p:sld xmlns:a="http://schemas.openxmlformats.org/drawingml/2006/main" xmlns:r="http://schemas.openxmlformats.org/officeDocument/2006/relationships" xmlns:p="http://schemas.openxmlformats.org/presentationml/2006/main">
+  <p:cSld>
+    <p:bg>
+      <p:bgPr>
+        <a:blipFill dpi="0" rotWithShape="1">
+          <a:blip r:embed="rId3">
+            <a:lum/>
+          </a:blip>
+          <a:srcRect/>
+          <a:stretch>
+            <a:fillRect/>
+          </a:stretch>
+        </a:blipFill>
+        <a:effectLst/>
+      </p:bgPr>
+    </p:bg>
+    <p:spTree>
+      <p:nvGrpSpPr>
+        <p:cNvPr id="1" name=""/>
+        <p:cNvGrpSpPr/>
+        <p:nvPr/>
+      </p:nvGrpSpPr>
+      <p:grpSpPr>
+        <a:xfrm>
+          <a:off x="0" y="0"/>
+          <a:ext cx="0" cy="0"/>
+          <a:chOff x="0" y="0"/>
+          <a:chExt cx="0" cy="0"/>
+        </a:xfrm>
+      </p:grpSpPr>
+      <p:sp>
+        <p:nvSpPr>
+          <p:cNvPr id="2" name="Title 1">
+            <a:extLst>
+              <a:ext uri="{FF2B5EF4-FFF2-40B4-BE49-F238E27FC236}">
+                <a16:creationId xmlns:a16="http://schemas.microsoft.com/office/drawing/2014/main" id="{7D694F56-C554-ED85-F373-F46D7DF97CFC}"/>
+              </a:ext>
+            </a:extLst>
+          </p:cNvPr>
+          <p:cNvSpPr>
+            <a:spLocks noGrp="1"/>
+          </p:cNvSpPr>
+          <p:nvPr>
+            <p:ph type="title"/>
+          </p:nvPr>
+        </p:nvSpPr>
+        <p:spPr/>
+        <p:txBody>
+          <a:bodyPr/>
+          <a:lstStyle/>
+          <a:p>
+            <a:r>
+              <a:rPr lang="fr-CH" dirty="0"/>
+              <a:t>#java</a:t>
+            </a:r>
+            <a:endParaRPr lang="en-CH" dirty="0"/>
+          </a:p>
+        </p:txBody>
+      </p:sp>
+      <p:sp>
+        <p:nvSpPr>
+          <p:cNvPr id="3" name="Content Placeholder 2">
+            <a:extLst>
+              <a:ext uri="{FF2B5EF4-FFF2-40B4-BE49-F238E27FC236}">
+                <a16:creationId xmlns:a16="http://schemas.microsoft.com/office/drawing/2014/main" id="{ABEE0020-AAEB-A3F1-C14B-C3E9BEEF1B16}"/>
+              </a:ext>
+            </a:extLst>
+          </p:cNvPr>
+          <p:cNvSpPr>
+            <a:spLocks noGrp="1"/>
+          </p:cNvSpPr>
+          <p:nvPr>
+            <p:ph idx="1"/>
+          </p:nvPr>
+        </p:nvSpPr>
+        <p:spPr/>
+        <p:txBody>
+          <a:bodyPr/>
+          <a:lstStyle/>
+          <a:p>
+            <a:r>
+              <a:rPr lang="en-US" dirty="0"/>
               <a:t>runs on 3 billion devices (</a:t>
             </a:r>
             <a:r>
@@ -5012,8 +6296,13 @@
             <a:pPr lvl="1"/>
             <a:r>
               <a:rPr lang="en-US" dirty="0"/>
-              <a:t>oh wait I have to ship a VM too?</a:t>
-            </a:r>
+              <a:t>oh wait I have to ship a </a:t>
+            </a:r>
+            <a:r>
+              <a:rPr lang="en-US"/>
+              <a:t>VM too?</a:t>
+            </a:r>
+            <a:endParaRPr lang="en-US" dirty="0"/>
           </a:p>
           <a:p>
             <a:pPr marL="457200" lvl="1" indent="0">
@@ -5409,10 +6698,405 @@
   <p:clrMapOvr>
     <a:masterClrMapping/>
   </p:clrMapOvr>
+  <p:timing>
+    <p:tnLst>
+      <p:par>
+        <p:cTn id="1" dur="indefinite" restart="never" nodeType="tmRoot">
+          <p:childTnLst>
+            <p:seq concurrent="1" nextAc="seek">
+              <p:cTn id="2" dur="indefinite" nodeType="mainSeq">
+                <p:childTnLst>
+                  <p:par>
+                    <p:cTn id="3" fill="hold">
+                      <p:stCondLst>
+                        <p:cond delay="indefinite"/>
+                        <p:cond evt="onBegin" delay="0">
+                          <p:tn val="2"/>
+                        </p:cond>
+                      </p:stCondLst>
+                      <p:childTnLst>
+                        <p:par>
+                          <p:cTn id="4" fill="hold">
+                            <p:stCondLst>
+                              <p:cond delay="0"/>
+                            </p:stCondLst>
+                            <p:childTnLst>
+                              <p:par>
+                                <p:cTn id="5" presetID="10" presetClass="entr" presetSubtype="0" fill="hold" grpId="0" nodeType="withEffect">
+                                  <p:stCondLst>
+                                    <p:cond delay="0"/>
+                                  </p:stCondLst>
+                                  <p:childTnLst>
+                                    <p:set>
+                                      <p:cBhvr>
+                                        <p:cTn id="6" dur="1" fill="hold">
+                                          <p:stCondLst>
+                                            <p:cond delay="0"/>
+                                          </p:stCondLst>
+                                        </p:cTn>
+                                        <p:tgtEl>
+                                          <p:spTgt spid="2"/>
+                                        </p:tgtEl>
+                                        <p:attrNameLst>
+                                          <p:attrName>style.visibility</p:attrName>
+                                        </p:attrNameLst>
+                                      </p:cBhvr>
+                                      <p:to>
+                                        <p:strVal val="visible"/>
+                                      </p:to>
+                                    </p:set>
+                                    <p:animEffect transition="in" filter="fade">
+                                      <p:cBhvr>
+                                        <p:cTn id="7" dur="500"/>
+                                        <p:tgtEl>
+                                          <p:spTgt spid="2"/>
+                                        </p:tgtEl>
+                                      </p:cBhvr>
+                                    </p:animEffect>
+                                  </p:childTnLst>
+                                </p:cTn>
+                              </p:par>
+                            </p:childTnLst>
+                          </p:cTn>
+                        </p:par>
+                      </p:childTnLst>
+                    </p:cTn>
+                  </p:par>
+                  <p:par>
+                    <p:cTn id="8" fill="hold">
+                      <p:stCondLst>
+                        <p:cond delay="indefinite"/>
+                      </p:stCondLst>
+                      <p:childTnLst>
+                        <p:par>
+                          <p:cTn id="9" fill="hold">
+                            <p:stCondLst>
+                              <p:cond delay="0"/>
+                            </p:stCondLst>
+                            <p:childTnLst>
+                              <p:par>
+                                <p:cTn id="10" presetID="10" presetClass="entr" presetSubtype="0" fill="hold" grpId="0" nodeType="clickEffect">
+                                  <p:stCondLst>
+                                    <p:cond delay="0"/>
+                                  </p:stCondLst>
+                                  <p:childTnLst>
+                                    <p:set>
+                                      <p:cBhvr>
+                                        <p:cTn id="11" dur="1" fill="hold">
+                                          <p:stCondLst>
+                                            <p:cond delay="0"/>
+                                          </p:stCondLst>
+                                        </p:cTn>
+                                        <p:tgtEl>
+                                          <p:spTgt spid="3">
+                                            <p:txEl>
+                                              <p:pRg st="0" end="0"/>
+                                            </p:txEl>
+                                          </p:spTgt>
+                                        </p:tgtEl>
+                                        <p:attrNameLst>
+                                          <p:attrName>style.visibility</p:attrName>
+                                        </p:attrNameLst>
+                                      </p:cBhvr>
+                                      <p:to>
+                                        <p:strVal val="visible"/>
+                                      </p:to>
+                                    </p:set>
+                                    <p:animEffect transition="in" filter="fade">
+                                      <p:cBhvr>
+                                        <p:cTn id="12" dur="500"/>
+                                        <p:tgtEl>
+                                          <p:spTgt spid="3">
+                                            <p:txEl>
+                                              <p:pRg st="0" end="0"/>
+                                            </p:txEl>
+                                          </p:spTgt>
+                                        </p:tgtEl>
+                                      </p:cBhvr>
+                                    </p:animEffect>
+                                  </p:childTnLst>
+                                </p:cTn>
+                              </p:par>
+                            </p:childTnLst>
+                          </p:cTn>
+                        </p:par>
+                      </p:childTnLst>
+                    </p:cTn>
+                  </p:par>
+                  <p:par>
+                    <p:cTn id="13" fill="hold">
+                      <p:stCondLst>
+                        <p:cond delay="indefinite"/>
+                      </p:stCondLst>
+                      <p:childTnLst>
+                        <p:par>
+                          <p:cTn id="14" fill="hold">
+                            <p:stCondLst>
+                              <p:cond delay="0"/>
+                            </p:stCondLst>
+                            <p:childTnLst>
+                              <p:par>
+                                <p:cTn id="15" presetID="10" presetClass="entr" presetSubtype="0" fill="hold" grpId="0" nodeType="clickEffect">
+                                  <p:stCondLst>
+                                    <p:cond delay="0"/>
+                                  </p:stCondLst>
+                                  <p:childTnLst>
+                                    <p:set>
+                                      <p:cBhvr>
+                                        <p:cTn id="16" dur="1" fill="hold">
+                                          <p:stCondLst>
+                                            <p:cond delay="0"/>
+                                          </p:stCondLst>
+                                        </p:cTn>
+                                        <p:tgtEl>
+                                          <p:spTgt spid="3">
+                                            <p:txEl>
+                                              <p:pRg st="2" end="2"/>
+                                            </p:txEl>
+                                          </p:spTgt>
+                                        </p:tgtEl>
+                                        <p:attrNameLst>
+                                          <p:attrName>style.visibility</p:attrName>
+                                        </p:attrNameLst>
+                                      </p:cBhvr>
+                                      <p:to>
+                                        <p:strVal val="visible"/>
+                                      </p:to>
+                                    </p:set>
+                                    <p:animEffect transition="in" filter="fade">
+                                      <p:cBhvr>
+                                        <p:cTn id="17" dur="500"/>
+                                        <p:tgtEl>
+                                          <p:spTgt spid="3">
+                                            <p:txEl>
+                                              <p:pRg st="2" end="2"/>
+                                            </p:txEl>
+                                          </p:spTgt>
+                                        </p:tgtEl>
+                                      </p:cBhvr>
+                                    </p:animEffect>
+                                  </p:childTnLst>
+                                </p:cTn>
+                              </p:par>
+                            </p:childTnLst>
+                          </p:cTn>
+                        </p:par>
+                      </p:childTnLst>
+                    </p:cTn>
+                  </p:par>
+                  <p:par>
+                    <p:cTn id="18" fill="hold">
+                      <p:stCondLst>
+                        <p:cond delay="indefinite"/>
+                      </p:stCondLst>
+                      <p:childTnLst>
+                        <p:par>
+                          <p:cTn id="19" fill="hold">
+                            <p:stCondLst>
+                              <p:cond delay="0"/>
+                            </p:stCondLst>
+                            <p:childTnLst>
+                              <p:par>
+                                <p:cTn id="20" presetID="10" presetClass="entr" presetSubtype="0" fill="hold" grpId="0" nodeType="clickEffect">
+                                  <p:stCondLst>
+                                    <p:cond delay="0"/>
+                                  </p:stCondLst>
+                                  <p:childTnLst>
+                                    <p:set>
+                                      <p:cBhvr>
+                                        <p:cTn id="21" dur="1" fill="hold">
+                                          <p:stCondLst>
+                                            <p:cond delay="0"/>
+                                          </p:stCondLst>
+                                        </p:cTn>
+                                        <p:tgtEl>
+                                          <p:spTgt spid="3">
+                                            <p:txEl>
+                                              <p:pRg st="3" end="3"/>
+                                            </p:txEl>
+                                          </p:spTgt>
+                                        </p:tgtEl>
+                                        <p:attrNameLst>
+                                          <p:attrName>style.visibility</p:attrName>
+                                        </p:attrNameLst>
+                                      </p:cBhvr>
+                                      <p:to>
+                                        <p:strVal val="visible"/>
+                                      </p:to>
+                                    </p:set>
+                                    <p:animEffect transition="in" filter="fade">
+                                      <p:cBhvr>
+                                        <p:cTn id="22" dur="500"/>
+                                        <p:tgtEl>
+                                          <p:spTgt spid="3">
+                                            <p:txEl>
+                                              <p:pRg st="3" end="3"/>
+                                            </p:txEl>
+                                          </p:spTgt>
+                                        </p:tgtEl>
+                                      </p:cBhvr>
+                                    </p:animEffect>
+                                  </p:childTnLst>
+                                </p:cTn>
+                              </p:par>
+                            </p:childTnLst>
+                          </p:cTn>
+                        </p:par>
+                      </p:childTnLst>
+                    </p:cTn>
+                  </p:par>
+                  <p:par>
+                    <p:cTn id="23" fill="hold">
+                      <p:stCondLst>
+                        <p:cond delay="indefinite"/>
+                      </p:stCondLst>
+                      <p:childTnLst>
+                        <p:par>
+                          <p:cTn id="24" fill="hold">
+                            <p:stCondLst>
+                              <p:cond delay="0"/>
+                            </p:stCondLst>
+                            <p:childTnLst>
+                              <p:par>
+                                <p:cTn id="25" presetID="10" presetClass="entr" presetSubtype="0" fill="hold" grpId="0" nodeType="clickEffect">
+                                  <p:stCondLst>
+                                    <p:cond delay="0"/>
+                                  </p:stCondLst>
+                                  <p:childTnLst>
+                                    <p:set>
+                                      <p:cBhvr>
+                                        <p:cTn id="26" dur="1" fill="hold">
+                                          <p:stCondLst>
+                                            <p:cond delay="0"/>
+                                          </p:stCondLst>
+                                        </p:cTn>
+                                        <p:tgtEl>
+                                          <p:spTgt spid="3">
+                                            <p:txEl>
+                                              <p:pRg st="5" end="5"/>
+                                            </p:txEl>
+                                          </p:spTgt>
+                                        </p:tgtEl>
+                                        <p:attrNameLst>
+                                          <p:attrName>style.visibility</p:attrName>
+                                        </p:attrNameLst>
+                                      </p:cBhvr>
+                                      <p:to>
+                                        <p:strVal val="visible"/>
+                                      </p:to>
+                                    </p:set>
+                                    <p:animEffect transition="in" filter="fade">
+                                      <p:cBhvr>
+                                        <p:cTn id="27" dur="500"/>
+                                        <p:tgtEl>
+                                          <p:spTgt spid="3">
+                                            <p:txEl>
+                                              <p:pRg st="5" end="5"/>
+                                            </p:txEl>
+                                          </p:spTgt>
+                                        </p:tgtEl>
+                                      </p:cBhvr>
+                                    </p:animEffect>
+                                  </p:childTnLst>
+                                </p:cTn>
+                              </p:par>
+                            </p:childTnLst>
+                          </p:cTn>
+                        </p:par>
+                      </p:childTnLst>
+                    </p:cTn>
+                  </p:par>
+                  <p:par>
+                    <p:cTn id="28" fill="hold">
+                      <p:stCondLst>
+                        <p:cond delay="indefinite"/>
+                      </p:stCondLst>
+                      <p:childTnLst>
+                        <p:par>
+                          <p:cTn id="29" fill="hold">
+                            <p:stCondLst>
+                              <p:cond delay="0"/>
+                            </p:stCondLst>
+                            <p:childTnLst>
+                              <p:par>
+                                <p:cTn id="30" presetID="10" presetClass="entr" presetSubtype="0" fill="hold" grpId="0" nodeType="clickEffect">
+                                  <p:stCondLst>
+                                    <p:cond delay="0"/>
+                                  </p:stCondLst>
+                                  <p:childTnLst>
+                                    <p:set>
+                                      <p:cBhvr>
+                                        <p:cTn id="31" dur="1" fill="hold">
+                                          <p:stCondLst>
+                                            <p:cond delay="0"/>
+                                          </p:stCondLst>
+                                        </p:cTn>
+                                        <p:tgtEl>
+                                          <p:spTgt spid="3">
+                                            <p:txEl>
+                                              <p:pRg st="7" end="7"/>
+                                            </p:txEl>
+                                          </p:spTgt>
+                                        </p:tgtEl>
+                                        <p:attrNameLst>
+                                          <p:attrName>style.visibility</p:attrName>
+                                        </p:attrNameLst>
+                                      </p:cBhvr>
+                                      <p:to>
+                                        <p:strVal val="visible"/>
+                                      </p:to>
+                                    </p:set>
+                                    <p:animEffect transition="in" filter="fade">
+                                      <p:cBhvr>
+                                        <p:cTn id="32" dur="500"/>
+                                        <p:tgtEl>
+                                          <p:spTgt spid="3">
+                                            <p:txEl>
+                                              <p:pRg st="7" end="7"/>
+                                            </p:txEl>
+                                          </p:spTgt>
+                                        </p:tgtEl>
+                                      </p:cBhvr>
+                                    </p:animEffect>
+                                  </p:childTnLst>
+                                </p:cTn>
+                              </p:par>
+                            </p:childTnLst>
+                          </p:cTn>
+                        </p:par>
+                      </p:childTnLst>
+                    </p:cTn>
+                  </p:par>
+                </p:childTnLst>
+              </p:cTn>
+              <p:prevCondLst>
+                <p:cond evt="onPrev" delay="0">
+                  <p:tgtEl>
+                    <p:sldTgt/>
+                  </p:tgtEl>
+                </p:cond>
+              </p:prevCondLst>
+              <p:nextCondLst>
+                <p:cond evt="onNext" delay="0">
+                  <p:tgtEl>
+                    <p:sldTgt/>
+                  </p:tgtEl>
+                </p:cond>
+              </p:nextCondLst>
+            </p:seq>
+          </p:childTnLst>
+        </p:cTn>
+      </p:par>
+    </p:tnLst>
+    <p:bldLst>
+      <p:bldP spid="2" grpId="0"/>
+      <p:bldP spid="3" grpId="0" uiExpand="1" build="p"/>
+    </p:bldLst>
+  </p:timing>
 </p:sld>
 </file>
 
-<file path=ppt/slides/slide11.xml><?xml version="1.0" encoding="utf-8"?>
+<file path=ppt/slides/slide13.xml><?xml version="1.0" encoding="utf-8"?>
 <p:sld xmlns:a="http://schemas.openxmlformats.org/drawingml/2006/main" xmlns:r="http://schemas.openxmlformats.org/officeDocument/2006/relationships" xmlns:p="http://schemas.openxmlformats.org/presentationml/2006/main">
   <p:cSld>
     <p:bg>
@@ -5553,10 +7237,344 @@
   <p:clrMapOvr>
     <a:masterClrMapping/>
   </p:clrMapOvr>
+  <p:timing>
+    <p:tnLst>
+      <p:par>
+        <p:cTn id="1" dur="indefinite" restart="never" nodeType="tmRoot">
+          <p:childTnLst>
+            <p:seq concurrent="1" nextAc="seek">
+              <p:cTn id="2" dur="indefinite" nodeType="mainSeq">
+                <p:childTnLst>
+                  <p:par>
+                    <p:cTn id="3" fill="hold">
+                      <p:stCondLst>
+                        <p:cond delay="indefinite"/>
+                        <p:cond evt="onBegin" delay="0">
+                          <p:tn val="2"/>
+                        </p:cond>
+                      </p:stCondLst>
+                      <p:childTnLst>
+                        <p:par>
+                          <p:cTn id="4" fill="hold">
+                            <p:stCondLst>
+                              <p:cond delay="0"/>
+                            </p:stCondLst>
+                            <p:childTnLst>
+                              <p:par>
+                                <p:cTn id="5" presetID="10" presetClass="entr" presetSubtype="0" fill="hold" grpId="0" nodeType="withEffect">
+                                  <p:stCondLst>
+                                    <p:cond delay="0"/>
+                                  </p:stCondLst>
+                                  <p:childTnLst>
+                                    <p:set>
+                                      <p:cBhvr>
+                                        <p:cTn id="6" dur="1" fill="hold">
+                                          <p:stCondLst>
+                                            <p:cond delay="0"/>
+                                          </p:stCondLst>
+                                        </p:cTn>
+                                        <p:tgtEl>
+                                          <p:spTgt spid="2"/>
+                                        </p:tgtEl>
+                                        <p:attrNameLst>
+                                          <p:attrName>style.visibility</p:attrName>
+                                        </p:attrNameLst>
+                                      </p:cBhvr>
+                                      <p:to>
+                                        <p:strVal val="visible"/>
+                                      </p:to>
+                                    </p:set>
+                                    <p:animEffect transition="in" filter="fade">
+                                      <p:cBhvr>
+                                        <p:cTn id="7" dur="500"/>
+                                        <p:tgtEl>
+                                          <p:spTgt spid="2"/>
+                                        </p:tgtEl>
+                                      </p:cBhvr>
+                                    </p:animEffect>
+                                  </p:childTnLst>
+                                </p:cTn>
+                              </p:par>
+                            </p:childTnLst>
+                          </p:cTn>
+                        </p:par>
+                      </p:childTnLst>
+                    </p:cTn>
+                  </p:par>
+                  <p:par>
+                    <p:cTn id="8" fill="hold">
+                      <p:stCondLst>
+                        <p:cond delay="indefinite"/>
+                      </p:stCondLst>
+                      <p:childTnLst>
+                        <p:par>
+                          <p:cTn id="9" fill="hold">
+                            <p:stCondLst>
+                              <p:cond delay="0"/>
+                            </p:stCondLst>
+                            <p:childTnLst>
+                              <p:par>
+                                <p:cTn id="10" presetID="10" presetClass="entr" presetSubtype="0" fill="hold" grpId="0" nodeType="clickEffect">
+                                  <p:stCondLst>
+                                    <p:cond delay="0"/>
+                                  </p:stCondLst>
+                                  <p:childTnLst>
+                                    <p:set>
+                                      <p:cBhvr>
+                                        <p:cTn id="11" dur="1" fill="hold">
+                                          <p:stCondLst>
+                                            <p:cond delay="0"/>
+                                          </p:stCondLst>
+                                        </p:cTn>
+                                        <p:tgtEl>
+                                          <p:spTgt spid="3">
+                                            <p:txEl>
+                                              <p:pRg st="0" end="0"/>
+                                            </p:txEl>
+                                          </p:spTgt>
+                                        </p:tgtEl>
+                                        <p:attrNameLst>
+                                          <p:attrName>style.visibility</p:attrName>
+                                        </p:attrNameLst>
+                                      </p:cBhvr>
+                                      <p:to>
+                                        <p:strVal val="visible"/>
+                                      </p:to>
+                                    </p:set>
+                                    <p:animEffect transition="in" filter="fade">
+                                      <p:cBhvr>
+                                        <p:cTn id="12" dur="500"/>
+                                        <p:tgtEl>
+                                          <p:spTgt spid="3">
+                                            <p:txEl>
+                                              <p:pRg st="0" end="0"/>
+                                            </p:txEl>
+                                          </p:spTgt>
+                                        </p:tgtEl>
+                                      </p:cBhvr>
+                                    </p:animEffect>
+                                  </p:childTnLst>
+                                </p:cTn>
+                              </p:par>
+                            </p:childTnLst>
+                          </p:cTn>
+                        </p:par>
+                      </p:childTnLst>
+                    </p:cTn>
+                  </p:par>
+                  <p:par>
+                    <p:cTn id="13" fill="hold">
+                      <p:stCondLst>
+                        <p:cond delay="indefinite"/>
+                      </p:stCondLst>
+                      <p:childTnLst>
+                        <p:par>
+                          <p:cTn id="14" fill="hold">
+                            <p:stCondLst>
+                              <p:cond delay="0"/>
+                            </p:stCondLst>
+                            <p:childTnLst>
+                              <p:par>
+                                <p:cTn id="15" presetID="10" presetClass="entr" presetSubtype="0" fill="hold" grpId="0" nodeType="clickEffect">
+                                  <p:stCondLst>
+                                    <p:cond delay="0"/>
+                                  </p:stCondLst>
+                                  <p:childTnLst>
+                                    <p:set>
+                                      <p:cBhvr>
+                                        <p:cTn id="16" dur="1" fill="hold">
+                                          <p:stCondLst>
+                                            <p:cond delay="0"/>
+                                          </p:stCondLst>
+                                        </p:cTn>
+                                        <p:tgtEl>
+                                          <p:spTgt spid="3">
+                                            <p:txEl>
+                                              <p:pRg st="2" end="2"/>
+                                            </p:txEl>
+                                          </p:spTgt>
+                                        </p:tgtEl>
+                                        <p:attrNameLst>
+                                          <p:attrName>style.visibility</p:attrName>
+                                        </p:attrNameLst>
+                                      </p:cBhvr>
+                                      <p:to>
+                                        <p:strVal val="visible"/>
+                                      </p:to>
+                                    </p:set>
+                                    <p:animEffect transition="in" filter="fade">
+                                      <p:cBhvr>
+                                        <p:cTn id="17" dur="500"/>
+                                        <p:tgtEl>
+                                          <p:spTgt spid="3">
+                                            <p:txEl>
+                                              <p:pRg st="2" end="2"/>
+                                            </p:txEl>
+                                          </p:spTgt>
+                                        </p:tgtEl>
+                                      </p:cBhvr>
+                                    </p:animEffect>
+                                  </p:childTnLst>
+                                </p:cTn>
+                              </p:par>
+                            </p:childTnLst>
+                          </p:cTn>
+                        </p:par>
+                      </p:childTnLst>
+                    </p:cTn>
+                  </p:par>
+                  <p:par>
+                    <p:cTn id="18" fill="hold">
+                      <p:stCondLst>
+                        <p:cond delay="indefinite"/>
+                      </p:stCondLst>
+                      <p:childTnLst>
+                        <p:par>
+                          <p:cTn id="19" fill="hold">
+                            <p:stCondLst>
+                              <p:cond delay="0"/>
+                            </p:stCondLst>
+                            <p:childTnLst>
+                              <p:par>
+                                <p:cTn id="20" presetID="10" presetClass="entr" presetSubtype="0" fill="hold" grpId="0" nodeType="clickEffect">
+                                  <p:stCondLst>
+                                    <p:cond delay="0"/>
+                                  </p:stCondLst>
+                                  <p:childTnLst>
+                                    <p:set>
+                                      <p:cBhvr>
+                                        <p:cTn id="21" dur="1" fill="hold">
+                                          <p:stCondLst>
+                                            <p:cond delay="0"/>
+                                          </p:stCondLst>
+                                        </p:cTn>
+                                        <p:tgtEl>
+                                          <p:spTgt spid="3">
+                                            <p:txEl>
+                                              <p:pRg st="4" end="4"/>
+                                            </p:txEl>
+                                          </p:spTgt>
+                                        </p:tgtEl>
+                                        <p:attrNameLst>
+                                          <p:attrName>style.visibility</p:attrName>
+                                        </p:attrNameLst>
+                                      </p:cBhvr>
+                                      <p:to>
+                                        <p:strVal val="visible"/>
+                                      </p:to>
+                                    </p:set>
+                                    <p:animEffect transition="in" filter="fade">
+                                      <p:cBhvr>
+                                        <p:cTn id="22" dur="500"/>
+                                        <p:tgtEl>
+                                          <p:spTgt spid="3">
+                                            <p:txEl>
+                                              <p:pRg st="4" end="4"/>
+                                            </p:txEl>
+                                          </p:spTgt>
+                                        </p:tgtEl>
+                                      </p:cBhvr>
+                                    </p:animEffect>
+                                  </p:childTnLst>
+                                </p:cTn>
+                              </p:par>
+                            </p:childTnLst>
+                          </p:cTn>
+                        </p:par>
+                      </p:childTnLst>
+                    </p:cTn>
+                  </p:par>
+                  <p:par>
+                    <p:cTn id="23" fill="hold">
+                      <p:stCondLst>
+                        <p:cond delay="indefinite"/>
+                      </p:stCondLst>
+                      <p:childTnLst>
+                        <p:par>
+                          <p:cTn id="24" fill="hold">
+                            <p:stCondLst>
+                              <p:cond delay="0"/>
+                            </p:stCondLst>
+                            <p:childTnLst>
+                              <p:par>
+                                <p:cTn id="25" presetID="10" presetClass="entr" presetSubtype="0" fill="hold" grpId="0" nodeType="clickEffect">
+                                  <p:stCondLst>
+                                    <p:cond delay="0"/>
+                                  </p:stCondLst>
+                                  <p:childTnLst>
+                                    <p:set>
+                                      <p:cBhvr>
+                                        <p:cTn id="26" dur="1" fill="hold">
+                                          <p:stCondLst>
+                                            <p:cond delay="0"/>
+                                          </p:stCondLst>
+                                        </p:cTn>
+                                        <p:tgtEl>
+                                          <p:spTgt spid="3">
+                                            <p:txEl>
+                                              <p:pRg st="6" end="6"/>
+                                            </p:txEl>
+                                          </p:spTgt>
+                                        </p:tgtEl>
+                                        <p:attrNameLst>
+                                          <p:attrName>style.visibility</p:attrName>
+                                        </p:attrNameLst>
+                                      </p:cBhvr>
+                                      <p:to>
+                                        <p:strVal val="visible"/>
+                                      </p:to>
+                                    </p:set>
+                                    <p:animEffect transition="in" filter="fade">
+                                      <p:cBhvr>
+                                        <p:cTn id="27" dur="500"/>
+                                        <p:tgtEl>
+                                          <p:spTgt spid="3">
+                                            <p:txEl>
+                                              <p:pRg st="6" end="6"/>
+                                            </p:txEl>
+                                          </p:spTgt>
+                                        </p:tgtEl>
+                                      </p:cBhvr>
+                                    </p:animEffect>
+                                  </p:childTnLst>
+                                </p:cTn>
+                              </p:par>
+                            </p:childTnLst>
+                          </p:cTn>
+                        </p:par>
+                      </p:childTnLst>
+                    </p:cTn>
+                  </p:par>
+                </p:childTnLst>
+              </p:cTn>
+              <p:prevCondLst>
+                <p:cond evt="onPrev" delay="0">
+                  <p:tgtEl>
+                    <p:sldTgt/>
+                  </p:tgtEl>
+                </p:cond>
+              </p:prevCondLst>
+              <p:nextCondLst>
+                <p:cond evt="onNext" delay="0">
+                  <p:tgtEl>
+                    <p:sldTgt/>
+                  </p:tgtEl>
+                </p:cond>
+              </p:nextCondLst>
+            </p:seq>
+          </p:childTnLst>
+        </p:cTn>
+      </p:par>
+    </p:tnLst>
+    <p:bldLst>
+      <p:bldP spid="2" grpId="0"/>
+      <p:bldP spid="3" grpId="0" build="p"/>
+    </p:bldLst>
+  </p:timing>
 </p:sld>
 </file>
 
-<file path=ppt/slides/slide12.xml><?xml version="1.0" encoding="utf-8"?>
+<file path=ppt/slides/slide14.xml><?xml version="1.0" encoding="utf-8"?>
 <p:sld xmlns:a="http://schemas.openxmlformats.org/drawingml/2006/main" xmlns:r="http://schemas.openxmlformats.org/officeDocument/2006/relationships" xmlns:p="http://schemas.openxmlformats.org/presentationml/2006/main">
   <p:cSld>
     <p:bg>
@@ -5737,10 +7755,401 @@
   <p:clrMapOvr>
     <a:masterClrMapping/>
   </p:clrMapOvr>
+  <p:timing>
+    <p:tnLst>
+      <p:par>
+        <p:cTn id="1" dur="indefinite" restart="never" nodeType="tmRoot">
+          <p:childTnLst>
+            <p:seq concurrent="1" nextAc="seek">
+              <p:cTn id="2" dur="indefinite" nodeType="mainSeq">
+                <p:childTnLst>
+                  <p:par>
+                    <p:cTn id="3" fill="hold">
+                      <p:stCondLst>
+                        <p:cond delay="indefinite"/>
+                      </p:stCondLst>
+                      <p:childTnLst>
+                        <p:par>
+                          <p:cTn id="4" fill="hold">
+                            <p:stCondLst>
+                              <p:cond delay="0"/>
+                            </p:stCondLst>
+                            <p:childTnLst>
+                              <p:par>
+                                <p:cTn id="5" presetID="10" presetClass="entr" presetSubtype="0" fill="hold" grpId="0" nodeType="clickEffect">
+                                  <p:stCondLst>
+                                    <p:cond delay="0"/>
+                                  </p:stCondLst>
+                                  <p:childTnLst>
+                                    <p:set>
+                                      <p:cBhvr>
+                                        <p:cTn id="6" dur="1" fill="hold">
+                                          <p:stCondLst>
+                                            <p:cond delay="0"/>
+                                          </p:stCondLst>
+                                        </p:cTn>
+                                        <p:tgtEl>
+                                          <p:spTgt spid="3">
+                                            <p:txEl>
+                                              <p:pRg st="0" end="0"/>
+                                            </p:txEl>
+                                          </p:spTgt>
+                                        </p:tgtEl>
+                                        <p:attrNameLst>
+                                          <p:attrName>style.visibility</p:attrName>
+                                        </p:attrNameLst>
+                                      </p:cBhvr>
+                                      <p:to>
+                                        <p:strVal val="visible"/>
+                                      </p:to>
+                                    </p:set>
+                                    <p:animEffect transition="in" filter="fade">
+                                      <p:cBhvr>
+                                        <p:cTn id="7" dur="500"/>
+                                        <p:tgtEl>
+                                          <p:spTgt spid="3">
+                                            <p:txEl>
+                                              <p:pRg st="0" end="0"/>
+                                            </p:txEl>
+                                          </p:spTgt>
+                                        </p:tgtEl>
+                                      </p:cBhvr>
+                                    </p:animEffect>
+                                  </p:childTnLst>
+                                </p:cTn>
+                              </p:par>
+                            </p:childTnLst>
+                          </p:cTn>
+                        </p:par>
+                      </p:childTnLst>
+                    </p:cTn>
+                  </p:par>
+                  <p:par>
+                    <p:cTn id="8" fill="hold">
+                      <p:stCondLst>
+                        <p:cond delay="indefinite"/>
+                      </p:stCondLst>
+                      <p:childTnLst>
+                        <p:par>
+                          <p:cTn id="9" fill="hold">
+                            <p:stCondLst>
+                              <p:cond delay="0"/>
+                            </p:stCondLst>
+                            <p:childTnLst>
+                              <p:par>
+                                <p:cTn id="10" presetID="10" presetClass="entr" presetSubtype="0" fill="hold" grpId="0" nodeType="clickEffect">
+                                  <p:stCondLst>
+                                    <p:cond delay="0"/>
+                                  </p:stCondLst>
+                                  <p:childTnLst>
+                                    <p:set>
+                                      <p:cBhvr>
+                                        <p:cTn id="11" dur="1" fill="hold">
+                                          <p:stCondLst>
+                                            <p:cond delay="0"/>
+                                          </p:stCondLst>
+                                        </p:cTn>
+                                        <p:tgtEl>
+                                          <p:spTgt spid="3">
+                                            <p:txEl>
+                                              <p:pRg st="1" end="1"/>
+                                            </p:txEl>
+                                          </p:spTgt>
+                                        </p:tgtEl>
+                                        <p:attrNameLst>
+                                          <p:attrName>style.visibility</p:attrName>
+                                        </p:attrNameLst>
+                                      </p:cBhvr>
+                                      <p:to>
+                                        <p:strVal val="visible"/>
+                                      </p:to>
+                                    </p:set>
+                                    <p:animEffect transition="in" filter="fade">
+                                      <p:cBhvr>
+                                        <p:cTn id="12" dur="500"/>
+                                        <p:tgtEl>
+                                          <p:spTgt spid="3">
+                                            <p:txEl>
+                                              <p:pRg st="1" end="1"/>
+                                            </p:txEl>
+                                          </p:spTgt>
+                                        </p:tgtEl>
+                                      </p:cBhvr>
+                                    </p:animEffect>
+                                  </p:childTnLst>
+                                </p:cTn>
+                              </p:par>
+                            </p:childTnLst>
+                          </p:cTn>
+                        </p:par>
+                      </p:childTnLst>
+                    </p:cTn>
+                  </p:par>
+                  <p:par>
+                    <p:cTn id="13" fill="hold">
+                      <p:stCondLst>
+                        <p:cond delay="indefinite"/>
+                      </p:stCondLst>
+                      <p:childTnLst>
+                        <p:par>
+                          <p:cTn id="14" fill="hold">
+                            <p:stCondLst>
+                              <p:cond delay="0"/>
+                            </p:stCondLst>
+                            <p:childTnLst>
+                              <p:par>
+                                <p:cTn id="15" presetID="10" presetClass="entr" presetSubtype="0" fill="hold" grpId="0" nodeType="clickEffect">
+                                  <p:stCondLst>
+                                    <p:cond delay="0"/>
+                                  </p:stCondLst>
+                                  <p:childTnLst>
+                                    <p:set>
+                                      <p:cBhvr>
+                                        <p:cTn id="16" dur="1" fill="hold">
+                                          <p:stCondLst>
+                                            <p:cond delay="0"/>
+                                          </p:stCondLst>
+                                        </p:cTn>
+                                        <p:tgtEl>
+                                          <p:spTgt spid="3">
+                                            <p:txEl>
+                                              <p:pRg st="2" end="2"/>
+                                            </p:txEl>
+                                          </p:spTgt>
+                                        </p:tgtEl>
+                                        <p:attrNameLst>
+                                          <p:attrName>style.visibility</p:attrName>
+                                        </p:attrNameLst>
+                                      </p:cBhvr>
+                                      <p:to>
+                                        <p:strVal val="visible"/>
+                                      </p:to>
+                                    </p:set>
+                                    <p:animEffect transition="in" filter="fade">
+                                      <p:cBhvr>
+                                        <p:cTn id="17" dur="500"/>
+                                        <p:tgtEl>
+                                          <p:spTgt spid="3">
+                                            <p:txEl>
+                                              <p:pRg st="2" end="2"/>
+                                            </p:txEl>
+                                          </p:spTgt>
+                                        </p:tgtEl>
+                                      </p:cBhvr>
+                                    </p:animEffect>
+                                  </p:childTnLst>
+                                </p:cTn>
+                              </p:par>
+                            </p:childTnLst>
+                          </p:cTn>
+                        </p:par>
+                      </p:childTnLst>
+                    </p:cTn>
+                  </p:par>
+                  <p:par>
+                    <p:cTn id="18" fill="hold">
+                      <p:stCondLst>
+                        <p:cond delay="indefinite"/>
+                      </p:stCondLst>
+                      <p:childTnLst>
+                        <p:par>
+                          <p:cTn id="19" fill="hold">
+                            <p:stCondLst>
+                              <p:cond delay="0"/>
+                            </p:stCondLst>
+                            <p:childTnLst>
+                              <p:par>
+                                <p:cTn id="20" presetID="10" presetClass="entr" presetSubtype="0" fill="hold" grpId="0" nodeType="clickEffect">
+                                  <p:stCondLst>
+                                    <p:cond delay="0"/>
+                                  </p:stCondLst>
+                                  <p:childTnLst>
+                                    <p:set>
+                                      <p:cBhvr>
+                                        <p:cTn id="21" dur="1" fill="hold">
+                                          <p:stCondLst>
+                                            <p:cond delay="0"/>
+                                          </p:stCondLst>
+                                        </p:cTn>
+                                        <p:tgtEl>
+                                          <p:spTgt spid="3">
+                                            <p:txEl>
+                                              <p:pRg st="3" end="3"/>
+                                            </p:txEl>
+                                          </p:spTgt>
+                                        </p:tgtEl>
+                                        <p:attrNameLst>
+                                          <p:attrName>style.visibility</p:attrName>
+                                        </p:attrNameLst>
+                                      </p:cBhvr>
+                                      <p:to>
+                                        <p:strVal val="visible"/>
+                                      </p:to>
+                                    </p:set>
+                                    <p:animEffect transition="in" filter="fade">
+                                      <p:cBhvr>
+                                        <p:cTn id="22" dur="500"/>
+                                        <p:tgtEl>
+                                          <p:spTgt spid="3">
+                                            <p:txEl>
+                                              <p:pRg st="3" end="3"/>
+                                            </p:txEl>
+                                          </p:spTgt>
+                                        </p:tgtEl>
+                                      </p:cBhvr>
+                                    </p:animEffect>
+                                  </p:childTnLst>
+                                </p:cTn>
+                              </p:par>
+                            </p:childTnLst>
+                          </p:cTn>
+                        </p:par>
+                      </p:childTnLst>
+                    </p:cTn>
+                  </p:par>
+                  <p:par>
+                    <p:cTn id="23" fill="hold">
+                      <p:stCondLst>
+                        <p:cond delay="indefinite"/>
+                      </p:stCondLst>
+                      <p:childTnLst>
+                        <p:par>
+                          <p:cTn id="24" fill="hold">
+                            <p:stCondLst>
+                              <p:cond delay="0"/>
+                            </p:stCondLst>
+                            <p:childTnLst>
+                              <p:par>
+                                <p:cTn id="25" presetID="10" presetClass="entr" presetSubtype="0" fill="hold" grpId="0" nodeType="clickEffect">
+                                  <p:stCondLst>
+                                    <p:cond delay="0"/>
+                                  </p:stCondLst>
+                                  <p:childTnLst>
+                                    <p:set>
+                                      <p:cBhvr>
+                                        <p:cTn id="26" dur="1" fill="hold">
+                                          <p:stCondLst>
+                                            <p:cond delay="0"/>
+                                          </p:stCondLst>
+                                        </p:cTn>
+                                        <p:tgtEl>
+                                          <p:spTgt spid="3">
+                                            <p:txEl>
+                                              <p:pRg st="5" end="5"/>
+                                            </p:txEl>
+                                          </p:spTgt>
+                                        </p:tgtEl>
+                                        <p:attrNameLst>
+                                          <p:attrName>style.visibility</p:attrName>
+                                        </p:attrNameLst>
+                                      </p:cBhvr>
+                                      <p:to>
+                                        <p:strVal val="visible"/>
+                                      </p:to>
+                                    </p:set>
+                                    <p:animEffect transition="in" filter="fade">
+                                      <p:cBhvr>
+                                        <p:cTn id="27" dur="500"/>
+                                        <p:tgtEl>
+                                          <p:spTgt spid="3">
+                                            <p:txEl>
+                                              <p:pRg st="5" end="5"/>
+                                            </p:txEl>
+                                          </p:spTgt>
+                                        </p:tgtEl>
+                                      </p:cBhvr>
+                                    </p:animEffect>
+                                  </p:childTnLst>
+                                </p:cTn>
+                              </p:par>
+                            </p:childTnLst>
+                          </p:cTn>
+                        </p:par>
+                      </p:childTnLst>
+                    </p:cTn>
+                  </p:par>
+                  <p:par>
+                    <p:cTn id="28" fill="hold">
+                      <p:stCondLst>
+                        <p:cond delay="indefinite"/>
+                      </p:stCondLst>
+                      <p:childTnLst>
+                        <p:par>
+                          <p:cTn id="29" fill="hold">
+                            <p:stCondLst>
+                              <p:cond delay="0"/>
+                            </p:stCondLst>
+                            <p:childTnLst>
+                              <p:par>
+                                <p:cTn id="30" presetID="10" presetClass="entr" presetSubtype="0" fill="hold" nodeType="clickEffect">
+                                  <p:stCondLst>
+                                    <p:cond delay="0"/>
+                                  </p:stCondLst>
+                                  <p:childTnLst>
+                                    <p:set>
+                                      <p:cBhvr>
+                                        <p:cTn id="31" dur="1" fill="hold">
+                                          <p:stCondLst>
+                                            <p:cond delay="0"/>
+                                          </p:stCondLst>
+                                        </p:cTn>
+                                        <p:tgtEl>
+                                          <p:spTgt spid="5"/>
+                                        </p:tgtEl>
+                                        <p:attrNameLst>
+                                          <p:attrName>style.visibility</p:attrName>
+                                        </p:attrNameLst>
+                                      </p:cBhvr>
+                                      <p:to>
+                                        <p:strVal val="visible"/>
+                                      </p:to>
+                                    </p:set>
+                                    <p:animEffect transition="in" filter="fade">
+                                      <p:cBhvr>
+                                        <p:cTn id="32" dur="500"/>
+                                        <p:tgtEl>
+                                          <p:spTgt spid="5"/>
+                                        </p:tgtEl>
+                                      </p:cBhvr>
+                                    </p:animEffect>
+                                  </p:childTnLst>
+                                </p:cTn>
+                              </p:par>
+                            </p:childTnLst>
+                          </p:cTn>
+                        </p:par>
+                      </p:childTnLst>
+                    </p:cTn>
+                  </p:par>
+                </p:childTnLst>
+              </p:cTn>
+              <p:prevCondLst>
+                <p:cond evt="onPrev" delay="0">
+                  <p:tgtEl>
+                    <p:sldTgt/>
+                  </p:tgtEl>
+                </p:cond>
+              </p:prevCondLst>
+              <p:nextCondLst>
+                <p:cond evt="onNext" delay="0">
+                  <p:tgtEl>
+                    <p:sldTgt/>
+                  </p:tgtEl>
+                </p:cond>
+              </p:nextCondLst>
+            </p:seq>
+          </p:childTnLst>
+        </p:cTn>
+      </p:par>
+    </p:tnLst>
+    <p:bldLst>
+      <p:bldP spid="3" grpId="0" uiExpand="1" build="p"/>
+    </p:bldLst>
+  </p:timing>
 </p:sld>
 </file>
 
-<file path=ppt/slides/slide13.xml><?xml version="1.0" encoding="utf-8"?>
+<file path=ppt/slides/slide15.xml><?xml version="1.0" encoding="utf-8"?>
 <p:sld xmlns:a="http://schemas.openxmlformats.org/drawingml/2006/main" xmlns:r="http://schemas.openxmlformats.org/officeDocument/2006/relationships" xmlns:p="http://schemas.openxmlformats.org/presentationml/2006/main">
   <p:cSld>
     <p:bg>
@@ -5910,10 +8319,527 @@
   <p:clrMapOvr>
     <a:masterClrMapping/>
   </p:clrMapOvr>
+  <p:timing>
+    <p:tnLst>
+      <p:par>
+        <p:cTn id="1" dur="indefinite" restart="never" nodeType="tmRoot">
+          <p:childTnLst>
+            <p:seq concurrent="1" nextAc="seek">
+              <p:cTn id="2" dur="indefinite" nodeType="mainSeq">
+                <p:childTnLst>
+                  <p:par>
+                    <p:cTn id="3" fill="hold">
+                      <p:stCondLst>
+                        <p:cond delay="indefinite"/>
+                        <p:cond evt="onBegin" delay="0">
+                          <p:tn val="2"/>
+                        </p:cond>
+                      </p:stCondLst>
+                      <p:childTnLst>
+                        <p:par>
+                          <p:cTn id="4" fill="hold">
+                            <p:stCondLst>
+                              <p:cond delay="0"/>
+                            </p:stCondLst>
+                            <p:childTnLst>
+                              <p:par>
+                                <p:cTn id="5" presetID="10" presetClass="entr" presetSubtype="0" fill="hold" grpId="0" nodeType="withEffect">
+                                  <p:stCondLst>
+                                    <p:cond delay="0"/>
+                                  </p:stCondLst>
+                                  <p:childTnLst>
+                                    <p:set>
+                                      <p:cBhvr>
+                                        <p:cTn id="6" dur="1" fill="hold">
+                                          <p:stCondLst>
+                                            <p:cond delay="0"/>
+                                          </p:stCondLst>
+                                        </p:cTn>
+                                        <p:tgtEl>
+                                          <p:spTgt spid="2"/>
+                                        </p:tgtEl>
+                                        <p:attrNameLst>
+                                          <p:attrName>style.visibility</p:attrName>
+                                        </p:attrNameLst>
+                                      </p:cBhvr>
+                                      <p:to>
+                                        <p:strVal val="visible"/>
+                                      </p:to>
+                                    </p:set>
+                                    <p:animEffect transition="in" filter="fade">
+                                      <p:cBhvr>
+                                        <p:cTn id="7" dur="500"/>
+                                        <p:tgtEl>
+                                          <p:spTgt spid="2"/>
+                                        </p:tgtEl>
+                                      </p:cBhvr>
+                                    </p:animEffect>
+                                  </p:childTnLst>
+                                </p:cTn>
+                              </p:par>
+                            </p:childTnLst>
+                          </p:cTn>
+                        </p:par>
+                      </p:childTnLst>
+                    </p:cTn>
+                  </p:par>
+                  <p:par>
+                    <p:cTn id="8" fill="hold">
+                      <p:stCondLst>
+                        <p:cond delay="indefinite"/>
+                      </p:stCondLst>
+                      <p:childTnLst>
+                        <p:par>
+                          <p:cTn id="9" fill="hold">
+                            <p:stCondLst>
+                              <p:cond delay="0"/>
+                            </p:stCondLst>
+                            <p:childTnLst>
+                              <p:par>
+                                <p:cTn id="10" presetID="10" presetClass="entr" presetSubtype="0" fill="hold" grpId="0" nodeType="clickEffect">
+                                  <p:stCondLst>
+                                    <p:cond delay="0"/>
+                                  </p:stCondLst>
+                                  <p:childTnLst>
+                                    <p:set>
+                                      <p:cBhvr>
+                                        <p:cTn id="11" dur="1" fill="hold">
+                                          <p:stCondLst>
+                                            <p:cond delay="0"/>
+                                          </p:stCondLst>
+                                        </p:cTn>
+                                        <p:tgtEl>
+                                          <p:spTgt spid="3">
+                                            <p:txEl>
+                                              <p:pRg st="0" end="0"/>
+                                            </p:txEl>
+                                          </p:spTgt>
+                                        </p:tgtEl>
+                                        <p:attrNameLst>
+                                          <p:attrName>style.visibility</p:attrName>
+                                        </p:attrNameLst>
+                                      </p:cBhvr>
+                                      <p:to>
+                                        <p:strVal val="visible"/>
+                                      </p:to>
+                                    </p:set>
+                                    <p:animEffect transition="in" filter="fade">
+                                      <p:cBhvr>
+                                        <p:cTn id="12" dur="500"/>
+                                        <p:tgtEl>
+                                          <p:spTgt spid="3">
+                                            <p:txEl>
+                                              <p:pRg st="0" end="0"/>
+                                            </p:txEl>
+                                          </p:spTgt>
+                                        </p:tgtEl>
+                                      </p:cBhvr>
+                                    </p:animEffect>
+                                  </p:childTnLst>
+                                </p:cTn>
+                              </p:par>
+                            </p:childTnLst>
+                          </p:cTn>
+                        </p:par>
+                      </p:childTnLst>
+                    </p:cTn>
+                  </p:par>
+                  <p:par>
+                    <p:cTn id="13" fill="hold">
+                      <p:stCondLst>
+                        <p:cond delay="indefinite"/>
+                      </p:stCondLst>
+                      <p:childTnLst>
+                        <p:par>
+                          <p:cTn id="14" fill="hold">
+                            <p:stCondLst>
+                              <p:cond delay="0"/>
+                            </p:stCondLst>
+                            <p:childTnLst>
+                              <p:par>
+                                <p:cTn id="15" presetID="10" presetClass="entr" presetSubtype="0" fill="hold" grpId="0" nodeType="clickEffect">
+                                  <p:stCondLst>
+                                    <p:cond delay="0"/>
+                                  </p:stCondLst>
+                                  <p:childTnLst>
+                                    <p:set>
+                                      <p:cBhvr>
+                                        <p:cTn id="16" dur="1" fill="hold">
+                                          <p:stCondLst>
+                                            <p:cond delay="0"/>
+                                          </p:stCondLst>
+                                        </p:cTn>
+                                        <p:tgtEl>
+                                          <p:spTgt spid="3">
+                                            <p:txEl>
+                                              <p:pRg st="2" end="2"/>
+                                            </p:txEl>
+                                          </p:spTgt>
+                                        </p:tgtEl>
+                                        <p:attrNameLst>
+                                          <p:attrName>style.visibility</p:attrName>
+                                        </p:attrNameLst>
+                                      </p:cBhvr>
+                                      <p:to>
+                                        <p:strVal val="visible"/>
+                                      </p:to>
+                                    </p:set>
+                                    <p:animEffect transition="in" filter="fade">
+                                      <p:cBhvr>
+                                        <p:cTn id="17" dur="500"/>
+                                        <p:tgtEl>
+                                          <p:spTgt spid="3">
+                                            <p:txEl>
+                                              <p:pRg st="2" end="2"/>
+                                            </p:txEl>
+                                          </p:spTgt>
+                                        </p:tgtEl>
+                                      </p:cBhvr>
+                                    </p:animEffect>
+                                  </p:childTnLst>
+                                </p:cTn>
+                              </p:par>
+                            </p:childTnLst>
+                          </p:cTn>
+                        </p:par>
+                      </p:childTnLst>
+                    </p:cTn>
+                  </p:par>
+                  <p:par>
+                    <p:cTn id="18" fill="hold">
+                      <p:stCondLst>
+                        <p:cond delay="indefinite"/>
+                      </p:stCondLst>
+                      <p:childTnLst>
+                        <p:par>
+                          <p:cTn id="19" fill="hold">
+                            <p:stCondLst>
+                              <p:cond delay="0"/>
+                            </p:stCondLst>
+                            <p:childTnLst>
+                              <p:par>
+                                <p:cTn id="20" presetID="10" presetClass="entr" presetSubtype="0" fill="hold" grpId="0" nodeType="clickEffect">
+                                  <p:stCondLst>
+                                    <p:cond delay="0"/>
+                                  </p:stCondLst>
+                                  <p:childTnLst>
+                                    <p:set>
+                                      <p:cBhvr>
+                                        <p:cTn id="21" dur="1" fill="hold">
+                                          <p:stCondLst>
+                                            <p:cond delay="0"/>
+                                          </p:stCondLst>
+                                        </p:cTn>
+                                        <p:tgtEl>
+                                          <p:spTgt spid="3">
+                                            <p:txEl>
+                                              <p:pRg st="3" end="3"/>
+                                            </p:txEl>
+                                          </p:spTgt>
+                                        </p:tgtEl>
+                                        <p:attrNameLst>
+                                          <p:attrName>style.visibility</p:attrName>
+                                        </p:attrNameLst>
+                                      </p:cBhvr>
+                                      <p:to>
+                                        <p:strVal val="visible"/>
+                                      </p:to>
+                                    </p:set>
+                                    <p:animEffect transition="in" filter="fade">
+                                      <p:cBhvr>
+                                        <p:cTn id="22" dur="500"/>
+                                        <p:tgtEl>
+                                          <p:spTgt spid="3">
+                                            <p:txEl>
+                                              <p:pRg st="3" end="3"/>
+                                            </p:txEl>
+                                          </p:spTgt>
+                                        </p:tgtEl>
+                                      </p:cBhvr>
+                                    </p:animEffect>
+                                  </p:childTnLst>
+                                </p:cTn>
+                              </p:par>
+                            </p:childTnLst>
+                          </p:cTn>
+                        </p:par>
+                      </p:childTnLst>
+                    </p:cTn>
+                  </p:par>
+                  <p:par>
+                    <p:cTn id="23" fill="hold">
+                      <p:stCondLst>
+                        <p:cond delay="indefinite"/>
+                      </p:stCondLst>
+                      <p:childTnLst>
+                        <p:par>
+                          <p:cTn id="24" fill="hold">
+                            <p:stCondLst>
+                              <p:cond delay="0"/>
+                            </p:stCondLst>
+                            <p:childTnLst>
+                              <p:par>
+                                <p:cTn id="25" presetID="10" presetClass="entr" presetSubtype="0" fill="hold" grpId="0" nodeType="clickEffect">
+                                  <p:stCondLst>
+                                    <p:cond delay="0"/>
+                                  </p:stCondLst>
+                                  <p:childTnLst>
+                                    <p:set>
+                                      <p:cBhvr>
+                                        <p:cTn id="26" dur="1" fill="hold">
+                                          <p:stCondLst>
+                                            <p:cond delay="0"/>
+                                          </p:stCondLst>
+                                        </p:cTn>
+                                        <p:tgtEl>
+                                          <p:spTgt spid="3">
+                                            <p:txEl>
+                                              <p:pRg st="5" end="5"/>
+                                            </p:txEl>
+                                          </p:spTgt>
+                                        </p:tgtEl>
+                                        <p:attrNameLst>
+                                          <p:attrName>style.visibility</p:attrName>
+                                        </p:attrNameLst>
+                                      </p:cBhvr>
+                                      <p:to>
+                                        <p:strVal val="visible"/>
+                                      </p:to>
+                                    </p:set>
+                                    <p:animEffect transition="in" filter="fade">
+                                      <p:cBhvr>
+                                        <p:cTn id="27" dur="500"/>
+                                        <p:tgtEl>
+                                          <p:spTgt spid="3">
+                                            <p:txEl>
+                                              <p:pRg st="5" end="5"/>
+                                            </p:txEl>
+                                          </p:spTgt>
+                                        </p:tgtEl>
+                                      </p:cBhvr>
+                                    </p:animEffect>
+                                  </p:childTnLst>
+                                </p:cTn>
+                              </p:par>
+                            </p:childTnLst>
+                          </p:cTn>
+                        </p:par>
+                      </p:childTnLst>
+                    </p:cTn>
+                  </p:par>
+                  <p:par>
+                    <p:cTn id="28" fill="hold">
+                      <p:stCondLst>
+                        <p:cond delay="indefinite"/>
+                      </p:stCondLst>
+                      <p:childTnLst>
+                        <p:par>
+                          <p:cTn id="29" fill="hold">
+                            <p:stCondLst>
+                              <p:cond delay="0"/>
+                            </p:stCondLst>
+                            <p:childTnLst>
+                              <p:par>
+                                <p:cTn id="30" presetID="10" presetClass="entr" presetSubtype="0" fill="hold" grpId="0" nodeType="clickEffect">
+                                  <p:stCondLst>
+                                    <p:cond delay="0"/>
+                                  </p:stCondLst>
+                                  <p:childTnLst>
+                                    <p:set>
+                                      <p:cBhvr>
+                                        <p:cTn id="31" dur="1" fill="hold">
+                                          <p:stCondLst>
+                                            <p:cond delay="0"/>
+                                          </p:stCondLst>
+                                        </p:cTn>
+                                        <p:tgtEl>
+                                          <p:spTgt spid="3">
+                                            <p:txEl>
+                                              <p:pRg st="7" end="7"/>
+                                            </p:txEl>
+                                          </p:spTgt>
+                                        </p:tgtEl>
+                                        <p:attrNameLst>
+                                          <p:attrName>style.visibility</p:attrName>
+                                        </p:attrNameLst>
+                                      </p:cBhvr>
+                                      <p:to>
+                                        <p:strVal val="visible"/>
+                                      </p:to>
+                                    </p:set>
+                                    <p:animEffect transition="in" filter="fade">
+                                      <p:cBhvr>
+                                        <p:cTn id="32" dur="500"/>
+                                        <p:tgtEl>
+                                          <p:spTgt spid="3">
+                                            <p:txEl>
+                                              <p:pRg st="7" end="7"/>
+                                            </p:txEl>
+                                          </p:spTgt>
+                                        </p:tgtEl>
+                                      </p:cBhvr>
+                                    </p:animEffect>
+                                  </p:childTnLst>
+                                </p:cTn>
+                              </p:par>
+                            </p:childTnLst>
+                          </p:cTn>
+                        </p:par>
+                      </p:childTnLst>
+                    </p:cTn>
+                  </p:par>
+                  <p:par>
+                    <p:cTn id="33" fill="hold">
+                      <p:stCondLst>
+                        <p:cond delay="indefinite"/>
+                      </p:stCondLst>
+                      <p:childTnLst>
+                        <p:par>
+                          <p:cTn id="34" fill="hold">
+                            <p:stCondLst>
+                              <p:cond delay="0"/>
+                            </p:stCondLst>
+                            <p:childTnLst>
+                              <p:par>
+                                <p:cTn id="35" presetID="10" presetClass="entr" presetSubtype="0" fill="hold" grpId="0" nodeType="clickEffect">
+                                  <p:stCondLst>
+                                    <p:cond delay="0"/>
+                                  </p:stCondLst>
+                                  <p:childTnLst>
+                                    <p:set>
+                                      <p:cBhvr>
+                                        <p:cTn id="36" dur="1" fill="hold">
+                                          <p:stCondLst>
+                                            <p:cond delay="0"/>
+                                          </p:stCondLst>
+                                        </p:cTn>
+                                        <p:tgtEl>
+                                          <p:spTgt spid="3">
+                                            <p:txEl>
+                                              <p:pRg st="8" end="8"/>
+                                            </p:txEl>
+                                          </p:spTgt>
+                                        </p:tgtEl>
+                                        <p:attrNameLst>
+                                          <p:attrName>style.visibility</p:attrName>
+                                        </p:attrNameLst>
+                                      </p:cBhvr>
+                                      <p:to>
+                                        <p:strVal val="visible"/>
+                                      </p:to>
+                                    </p:set>
+                                    <p:animEffect transition="in" filter="fade">
+                                      <p:cBhvr>
+                                        <p:cTn id="37" dur="500"/>
+                                        <p:tgtEl>
+                                          <p:spTgt spid="3">
+                                            <p:txEl>
+                                              <p:pRg st="8" end="8"/>
+                                            </p:txEl>
+                                          </p:spTgt>
+                                        </p:tgtEl>
+                                      </p:cBhvr>
+                                    </p:animEffect>
+                                  </p:childTnLst>
+                                </p:cTn>
+                              </p:par>
+                            </p:childTnLst>
+                          </p:cTn>
+                        </p:par>
+                      </p:childTnLst>
+                    </p:cTn>
+                  </p:par>
+                  <p:par>
+                    <p:cTn id="38" fill="hold">
+                      <p:stCondLst>
+                        <p:cond delay="indefinite"/>
+                      </p:stCondLst>
+                      <p:childTnLst>
+                        <p:par>
+                          <p:cTn id="39" fill="hold">
+                            <p:stCondLst>
+                              <p:cond delay="0"/>
+                            </p:stCondLst>
+                            <p:childTnLst>
+                              <p:par>
+                                <p:cTn id="40" presetID="10" presetClass="entr" presetSubtype="0" fill="hold" grpId="0" nodeType="clickEffect">
+                                  <p:stCondLst>
+                                    <p:cond delay="0"/>
+                                  </p:stCondLst>
+                                  <p:childTnLst>
+                                    <p:set>
+                                      <p:cBhvr>
+                                        <p:cTn id="41" dur="1" fill="hold">
+                                          <p:stCondLst>
+                                            <p:cond delay="0"/>
+                                          </p:stCondLst>
+                                        </p:cTn>
+                                        <p:tgtEl>
+                                          <p:spTgt spid="3">
+                                            <p:txEl>
+                                              <p:pRg st="9" end="9"/>
+                                            </p:txEl>
+                                          </p:spTgt>
+                                        </p:tgtEl>
+                                        <p:attrNameLst>
+                                          <p:attrName>style.visibility</p:attrName>
+                                        </p:attrNameLst>
+                                      </p:cBhvr>
+                                      <p:to>
+                                        <p:strVal val="visible"/>
+                                      </p:to>
+                                    </p:set>
+                                    <p:animEffect transition="in" filter="fade">
+                                      <p:cBhvr>
+                                        <p:cTn id="42" dur="500"/>
+                                        <p:tgtEl>
+                                          <p:spTgt spid="3">
+                                            <p:txEl>
+                                              <p:pRg st="9" end="9"/>
+                                            </p:txEl>
+                                          </p:spTgt>
+                                        </p:tgtEl>
+                                      </p:cBhvr>
+                                    </p:animEffect>
+                                  </p:childTnLst>
+                                </p:cTn>
+                              </p:par>
+                            </p:childTnLst>
+                          </p:cTn>
+                        </p:par>
+                      </p:childTnLst>
+                    </p:cTn>
+                  </p:par>
+                </p:childTnLst>
+              </p:cTn>
+              <p:prevCondLst>
+                <p:cond evt="onPrev" delay="0">
+                  <p:tgtEl>
+                    <p:sldTgt/>
+                  </p:tgtEl>
+                </p:cond>
+              </p:prevCondLst>
+              <p:nextCondLst>
+                <p:cond evt="onNext" delay="0">
+                  <p:tgtEl>
+                    <p:sldTgt/>
+                  </p:tgtEl>
+                </p:cond>
+              </p:nextCondLst>
+            </p:seq>
+          </p:childTnLst>
+        </p:cTn>
+      </p:par>
+    </p:tnLst>
+    <p:bldLst>
+      <p:bldP spid="2" grpId="0"/>
+      <p:bldP spid="3" grpId="0" uiExpand="1" build="p"/>
+    </p:bldLst>
+  </p:timing>
 </p:sld>
 </file>
 
-<file path=ppt/slides/slide14.xml><?xml version="1.0" encoding="utf-8"?>
+<file path=ppt/slides/slide16.xml><?xml version="1.0" encoding="utf-8"?>
 <p:sld xmlns:a="http://schemas.openxmlformats.org/drawingml/2006/main" xmlns:r="http://schemas.openxmlformats.org/officeDocument/2006/relationships" xmlns:p="http://schemas.openxmlformats.org/presentationml/2006/main">
   <p:cSld>
     <p:bg>
@@ -6043,212 +8969,142 @@
   <p:clrMapOvr>
     <a:masterClrMapping/>
   </p:clrMapOvr>
-</p:sld>
-</file>
-
-<file path=ppt/slides/slide15.xml><?xml version="1.0" encoding="utf-8"?>
-<p:sld xmlns:a="http://schemas.openxmlformats.org/drawingml/2006/main" xmlns:r="http://schemas.openxmlformats.org/officeDocument/2006/relationships" xmlns:p="http://schemas.openxmlformats.org/presentationml/2006/main">
-  <p:cSld>
-    <p:bg>
-      <p:bgPr>
-        <a:blipFill dpi="0" rotWithShape="1">
-          <a:blip r:embed="rId2">
-            <a:lum/>
-          </a:blip>
-          <a:srcRect/>
-          <a:stretch>
-            <a:fillRect/>
-          </a:stretch>
-        </a:blipFill>
-        <a:effectLst/>
-      </p:bgPr>
-    </p:bg>
-    <p:spTree>
-      <p:nvGrpSpPr>
-        <p:cNvPr id="1" name=""/>
-        <p:cNvGrpSpPr/>
-        <p:nvPr/>
-      </p:nvGrpSpPr>
-      <p:grpSpPr>
-        <a:xfrm>
-          <a:off x="0" y="0"/>
-          <a:ext cx="0" cy="0"/>
-          <a:chOff x="0" y="0"/>
-          <a:chExt cx="0" cy="0"/>
-        </a:xfrm>
-      </p:grpSpPr>
-      <p:sp>
-        <p:nvSpPr>
-          <p:cNvPr id="2" name="Title 1">
-            <a:extLst>
-              <a:ext uri="{FF2B5EF4-FFF2-40B4-BE49-F238E27FC236}">
-                <a16:creationId xmlns:a16="http://schemas.microsoft.com/office/drawing/2014/main" id="{54A9CB48-5868-C068-92D2-E5AFFBF25B06}"/>
-              </a:ext>
-            </a:extLst>
-          </p:cNvPr>
-          <p:cNvSpPr>
-            <a:spLocks noGrp="1"/>
-          </p:cNvSpPr>
-          <p:nvPr>
-            <p:ph type="title"/>
-          </p:nvPr>
-        </p:nvSpPr>
-        <p:spPr/>
-        <p:txBody>
-          <a:bodyPr/>
-          <a:lstStyle/>
-          <a:p>
-            <a:r>
-              <a:rPr lang="en-US" dirty="0"/>
-              <a:t>#javascript</a:t>
-            </a:r>
-            <a:endParaRPr lang="en-CH" dirty="0"/>
-          </a:p>
-        </p:txBody>
-      </p:sp>
-      <p:pic>
-        <p:nvPicPr>
-          <p:cNvPr id="4" name="Picture 3">
-            <a:extLst>
-              <a:ext uri="{FF2B5EF4-FFF2-40B4-BE49-F238E27FC236}">
-                <a16:creationId xmlns:a16="http://schemas.microsoft.com/office/drawing/2014/main" id="{D5BE0C6F-372A-12CB-083E-3CF30F9CCB01}"/>
-              </a:ext>
-            </a:extLst>
-          </p:cNvPr>
-          <p:cNvPicPr>
-            <a:picLocks noChangeAspect="1"/>
-          </p:cNvPicPr>
-          <p:nvPr/>
-        </p:nvPicPr>
-        <p:blipFill>
-          <a:blip r:embed="rId3"/>
-          <a:stretch>
-            <a:fillRect/>
-          </a:stretch>
-        </p:blipFill>
-        <p:spPr>
-          <a:xfrm>
-            <a:off x="766149" y="2612400"/>
-            <a:ext cx="10659702" cy="1633199"/>
-          </a:xfrm>
-          <a:prstGeom prst="rect">
-            <a:avLst/>
-          </a:prstGeom>
-        </p:spPr>
-      </p:pic>
-    </p:spTree>
-    <p:extLst>
-      <p:ext uri="{BB962C8B-B14F-4D97-AF65-F5344CB8AC3E}">
-        <p14:creationId xmlns:p14="http://schemas.microsoft.com/office/powerpoint/2010/main" val="2273454087"/>
-      </p:ext>
-    </p:extLst>
-  </p:cSld>
-  <p:clrMapOvr>
-    <a:masterClrMapping/>
-  </p:clrMapOvr>
-</p:sld>
-</file>
-
-<file path=ppt/slides/slide16.xml><?xml version="1.0" encoding="utf-8"?>
-<p:sld xmlns:a="http://schemas.openxmlformats.org/drawingml/2006/main" xmlns:r="http://schemas.openxmlformats.org/officeDocument/2006/relationships" xmlns:p="http://schemas.openxmlformats.org/presentationml/2006/main">
-  <p:cSld>
-    <p:bg>
-      <p:bgPr>
-        <a:blipFill dpi="0" rotWithShape="1">
-          <a:blip r:embed="rId2">
-            <a:lum/>
-          </a:blip>
-          <a:srcRect/>
-          <a:stretch>
-            <a:fillRect/>
-          </a:stretch>
-        </a:blipFill>
-        <a:effectLst/>
-      </p:bgPr>
-    </p:bg>
-    <p:spTree>
-      <p:nvGrpSpPr>
-        <p:cNvPr id="1" name=""/>
-        <p:cNvGrpSpPr/>
-        <p:nvPr/>
-      </p:nvGrpSpPr>
-      <p:grpSpPr>
-        <a:xfrm>
-          <a:off x="0" y="0"/>
-          <a:ext cx="0" cy="0"/>
-          <a:chOff x="0" y="0"/>
-          <a:chExt cx="0" cy="0"/>
-        </a:xfrm>
-      </p:grpSpPr>
-      <p:sp>
-        <p:nvSpPr>
-          <p:cNvPr id="2" name="Title 1">
-            <a:extLst>
-              <a:ext uri="{FF2B5EF4-FFF2-40B4-BE49-F238E27FC236}">
-                <a16:creationId xmlns:a16="http://schemas.microsoft.com/office/drawing/2014/main" id="{54A9CB48-5868-C068-92D2-E5AFFBF25B06}"/>
-              </a:ext>
-            </a:extLst>
-          </p:cNvPr>
-          <p:cNvSpPr>
-            <a:spLocks noGrp="1"/>
-          </p:cNvSpPr>
-          <p:nvPr>
-            <p:ph type="title"/>
-          </p:nvPr>
-        </p:nvSpPr>
-        <p:spPr/>
-        <p:txBody>
-          <a:bodyPr/>
-          <a:lstStyle/>
-          <a:p>
-            <a:r>
-              <a:rPr lang="en-US" dirty="0"/>
-              <a:t>#javascript (or rather JSFUCK)</a:t>
-            </a:r>
-            <a:endParaRPr lang="en-CH" dirty="0"/>
-          </a:p>
-        </p:txBody>
-      </p:sp>
-      <p:pic>
-        <p:nvPicPr>
-          <p:cNvPr id="5" name="Picture 4">
-            <a:extLst>
-              <a:ext uri="{FF2B5EF4-FFF2-40B4-BE49-F238E27FC236}">
-                <a16:creationId xmlns:a16="http://schemas.microsoft.com/office/drawing/2014/main" id="{30F84046-27BC-F71C-587E-FB1D0D98B0CF}"/>
-              </a:ext>
-            </a:extLst>
-          </p:cNvPr>
-          <p:cNvPicPr>
-            <a:picLocks noChangeAspect="1"/>
-          </p:cNvPicPr>
-          <p:nvPr/>
-        </p:nvPicPr>
-        <p:blipFill>
-          <a:blip r:embed="rId3"/>
-          <a:stretch>
-            <a:fillRect/>
-          </a:stretch>
-        </p:blipFill>
-        <p:spPr>
-          <a:xfrm>
-            <a:off x="3140158" y="1690688"/>
-            <a:ext cx="5911683" cy="5021883"/>
-          </a:xfrm>
-          <a:prstGeom prst="rect">
-            <a:avLst/>
-          </a:prstGeom>
-        </p:spPr>
-      </p:pic>
-    </p:spTree>
-    <p:extLst>
-      <p:ext uri="{BB962C8B-B14F-4D97-AF65-F5344CB8AC3E}">
-        <p14:creationId xmlns:p14="http://schemas.microsoft.com/office/powerpoint/2010/main" val="2104637513"/>
-      </p:ext>
-    </p:extLst>
-  </p:cSld>
-  <p:clrMapOvr>
-    <a:masterClrMapping/>
-  </p:clrMapOvr>
+  <p:timing>
+    <p:tnLst>
+      <p:par>
+        <p:cTn id="1" dur="indefinite" restart="never" nodeType="tmRoot">
+          <p:childTnLst>
+            <p:seq concurrent="1" nextAc="seek">
+              <p:cTn id="2" dur="indefinite" nodeType="mainSeq">
+                <p:childTnLst>
+                  <p:par>
+                    <p:cTn id="3" fill="hold">
+                      <p:stCondLst>
+                        <p:cond delay="indefinite"/>
+                      </p:stCondLst>
+                      <p:childTnLst>
+                        <p:par>
+                          <p:cTn id="4" fill="hold">
+                            <p:stCondLst>
+                              <p:cond delay="0"/>
+                            </p:stCondLst>
+                            <p:childTnLst>
+                              <p:par>
+                                <p:cTn id="5" presetID="10" presetClass="entr" presetSubtype="0" fill="hold" nodeType="clickEffect">
+                                  <p:stCondLst>
+                                    <p:cond delay="0"/>
+                                  </p:stCondLst>
+                                  <p:childTnLst>
+                                    <p:set>
+                                      <p:cBhvr>
+                                        <p:cTn id="6" dur="1" fill="hold">
+                                          <p:stCondLst>
+                                            <p:cond delay="0"/>
+                                          </p:stCondLst>
+                                        </p:cTn>
+                                        <p:tgtEl>
+                                          <p:spTgt spid="9"/>
+                                        </p:tgtEl>
+                                        <p:attrNameLst>
+                                          <p:attrName>style.visibility</p:attrName>
+                                        </p:attrNameLst>
+                                      </p:cBhvr>
+                                      <p:to>
+                                        <p:strVal val="visible"/>
+                                      </p:to>
+                                    </p:set>
+                                    <p:animEffect transition="in" filter="fade">
+                                      <p:cBhvr>
+                                        <p:cTn id="7" dur="500"/>
+                                        <p:tgtEl>
+                                          <p:spTgt spid="9"/>
+                                        </p:tgtEl>
+                                      </p:cBhvr>
+                                    </p:animEffect>
+                                  </p:childTnLst>
+                                </p:cTn>
+                              </p:par>
+                            </p:childTnLst>
+                          </p:cTn>
+                        </p:par>
+                      </p:childTnLst>
+                    </p:cTn>
+                  </p:par>
+                  <p:par>
+                    <p:cTn id="8" fill="hold">
+                      <p:stCondLst>
+                        <p:cond delay="indefinite"/>
+                      </p:stCondLst>
+                      <p:childTnLst>
+                        <p:par>
+                          <p:cTn id="9" fill="hold">
+                            <p:stCondLst>
+                              <p:cond delay="0"/>
+                            </p:stCondLst>
+                            <p:childTnLst>
+                              <p:par>
+                                <p:cTn id="10" presetID="10" presetClass="entr" presetSubtype="0" fill="hold" nodeType="clickEffect">
+                                  <p:stCondLst>
+                                    <p:cond delay="0"/>
+                                  </p:stCondLst>
+                                  <p:childTnLst>
+                                    <p:set>
+                                      <p:cBhvr>
+                                        <p:cTn id="11" dur="1" fill="hold">
+                                          <p:stCondLst>
+                                            <p:cond delay="0"/>
+                                          </p:stCondLst>
+                                        </p:cTn>
+                                        <p:tgtEl>
+                                          <p:spTgt spid="7"/>
+                                        </p:tgtEl>
+                                        <p:attrNameLst>
+                                          <p:attrName>style.visibility</p:attrName>
+                                        </p:attrNameLst>
+                                      </p:cBhvr>
+                                      <p:to>
+                                        <p:strVal val="visible"/>
+                                      </p:to>
+                                    </p:set>
+                                    <p:animEffect transition="in" filter="fade">
+                                      <p:cBhvr>
+                                        <p:cTn id="12" dur="500"/>
+                                        <p:tgtEl>
+                                          <p:spTgt spid="7"/>
+                                        </p:tgtEl>
+                                      </p:cBhvr>
+                                    </p:animEffect>
+                                  </p:childTnLst>
+                                </p:cTn>
+                              </p:par>
+                            </p:childTnLst>
+                          </p:cTn>
+                        </p:par>
+                      </p:childTnLst>
+                    </p:cTn>
+                  </p:par>
+                </p:childTnLst>
+              </p:cTn>
+              <p:prevCondLst>
+                <p:cond evt="onPrev" delay="0">
+                  <p:tgtEl>
+                    <p:sldTgt/>
+                  </p:tgtEl>
+                </p:cond>
+              </p:prevCondLst>
+              <p:nextCondLst>
+                <p:cond evt="onNext" delay="0">
+                  <p:tgtEl>
+                    <p:sldTgt/>
+                  </p:tgtEl>
+                </p:cond>
+              </p:nextCondLst>
+            </p:seq>
+          </p:childTnLst>
+        </p:cTn>
+      </p:par>
+    </p:tnLst>
+  </p:timing>
 </p:sld>
 </file>
 
@@ -6306,7 +9162,7 @@
           <a:p>
             <a:r>
               <a:rPr lang="en-US" dirty="0"/>
-              <a:t>#javascript (or rather JSFUCK)</a:t>
+              <a:t>#javascript</a:t>
             </a:r>
             <a:endParaRPr lang="en-CH" dirty="0"/>
           </a:p>
@@ -6317,7 +9173,7 @@
           <p:cNvPr id="4" name="Picture 3">
             <a:extLst>
               <a:ext uri="{FF2B5EF4-FFF2-40B4-BE49-F238E27FC236}">
-                <a16:creationId xmlns:a16="http://schemas.microsoft.com/office/drawing/2014/main" id="{B885DF82-79AB-3462-61E3-5FC868A4EAE4}"/>
+                <a16:creationId xmlns:a16="http://schemas.microsoft.com/office/drawing/2014/main" id="{D5BE0C6F-372A-12CB-083E-3CF30F9CCB01}"/>
               </a:ext>
             </a:extLst>
           </p:cNvPr>
@@ -6326,15 +9182,16 @@
           </p:cNvPicPr>
           <p:nvPr/>
         </p:nvPicPr>
-        <p:blipFill rotWithShape="1">
+        <p:blipFill>
           <a:blip r:embed="rId3"/>
-          <a:srcRect t="42625"/>
-          <a:stretch/>
+          <a:stretch>
+            <a:fillRect/>
+          </a:stretch>
         </p:blipFill>
         <p:spPr>
           <a:xfrm>
-            <a:off x="384148" y="2254254"/>
-            <a:ext cx="11423703" cy="3052639"/>
+            <a:off x="766149" y="2612400"/>
+            <a:ext cx="10659702" cy="1633199"/>
           </a:xfrm>
           <a:prstGeom prst="rect">
             <a:avLst/>
@@ -6344,13 +9201,99 @@
     </p:spTree>
     <p:extLst>
       <p:ext uri="{BB962C8B-B14F-4D97-AF65-F5344CB8AC3E}">
-        <p14:creationId xmlns:p14="http://schemas.microsoft.com/office/powerpoint/2010/main" val="1868612897"/>
+        <p14:creationId xmlns:p14="http://schemas.microsoft.com/office/powerpoint/2010/main" val="2273454087"/>
       </p:ext>
     </p:extLst>
   </p:cSld>
   <p:clrMapOvr>
     <a:masterClrMapping/>
   </p:clrMapOvr>
+  <p:timing>
+    <p:tnLst>
+      <p:par>
+        <p:cTn id="1" dur="indefinite" restart="never" nodeType="tmRoot">
+          <p:childTnLst>
+            <p:seq concurrent="1" nextAc="seek">
+              <p:cTn id="2" dur="indefinite" nodeType="mainSeq">
+                <p:childTnLst>
+                  <p:par>
+                    <p:cTn id="3" fill="hold">
+                      <p:stCondLst>
+                        <p:cond delay="indefinite"/>
+                        <p:cond evt="onBegin" delay="0">
+                          <p:tn val="2"/>
+                        </p:cond>
+                      </p:stCondLst>
+                      <p:childTnLst>
+                        <p:par>
+                          <p:cTn id="4" fill="hold">
+                            <p:stCondLst>
+                              <p:cond delay="0"/>
+                            </p:stCondLst>
+                            <p:childTnLst>
+                              <p:par>
+                                <p:cTn id="5" presetID="10" presetClass="entr" presetSubtype="0" fill="hold" nodeType="withEffect">
+                                  <p:stCondLst>
+                                    <p:cond delay="0"/>
+                                  </p:stCondLst>
+                                  <p:childTnLst>
+                                    <p:set>
+                                      <p:cBhvr>
+                                        <p:cTn id="6" dur="1" fill="hold">
+                                          <p:stCondLst>
+                                            <p:cond delay="0"/>
+                                          </p:stCondLst>
+                                        </p:cTn>
+                                        <p:tgtEl>
+                                          <p:spTgt spid="4"/>
+                                        </p:tgtEl>
+                                        <p:attrNameLst>
+                                          <p:attrName>style.visibility</p:attrName>
+                                        </p:attrNameLst>
+                                      </p:cBhvr>
+                                      <p:to>
+                                        <p:strVal val="visible"/>
+                                      </p:to>
+                                    </p:set>
+                                    <p:animEffect transition="in" filter="fade">
+                                      <p:cBhvr>
+                                        <p:cTn id="7" dur="500"/>
+                                        <p:tgtEl>
+                                          <p:spTgt spid="4"/>
+                                        </p:tgtEl>
+                                      </p:cBhvr>
+                                    </p:animEffect>
+                                  </p:childTnLst>
+                                </p:cTn>
+                              </p:par>
+                            </p:childTnLst>
+                          </p:cTn>
+                        </p:par>
+                      </p:childTnLst>
+                    </p:cTn>
+                  </p:par>
+                </p:childTnLst>
+              </p:cTn>
+              <p:prevCondLst>
+                <p:cond evt="onPrev" delay="0">
+                  <p:tgtEl>
+                    <p:sldTgt/>
+                  </p:tgtEl>
+                </p:cond>
+              </p:prevCondLst>
+              <p:nextCondLst>
+                <p:cond evt="onNext" delay="0">
+                  <p:tgtEl>
+                    <p:sldTgt/>
+                  </p:tgtEl>
+                </p:cond>
+              </p:nextCondLst>
+            </p:seq>
+          </p:childTnLst>
+        </p:cTn>
+      </p:par>
+    </p:tnLst>
+  </p:timing>
 </p:sld>
 </file>
 
@@ -6419,7 +9362,7 @@
           <p:cNvPr id="5" name="Picture 4">
             <a:extLst>
               <a:ext uri="{FF2B5EF4-FFF2-40B4-BE49-F238E27FC236}">
-                <a16:creationId xmlns:a16="http://schemas.microsoft.com/office/drawing/2014/main" id="{607E4006-0C44-A7BE-A922-55B6BB4361E7}"/>
+                <a16:creationId xmlns:a16="http://schemas.microsoft.com/office/drawing/2014/main" id="{30F84046-27BC-F71C-587E-FB1D0D98B0CF}"/>
               </a:ext>
             </a:extLst>
           </p:cNvPr>
@@ -6436,8 +9379,8 @@
         </p:blipFill>
         <p:spPr>
           <a:xfrm>
-            <a:off x="1767465" y="1690688"/>
-            <a:ext cx="8657070" cy="4488569"/>
+            <a:off x="3140158" y="1690688"/>
+            <a:ext cx="5911683" cy="5021883"/>
           </a:xfrm>
           <a:prstGeom prst="rect">
             <a:avLst/>
@@ -6447,13 +9390,155 @@
     </p:spTree>
     <p:extLst>
       <p:ext uri="{BB962C8B-B14F-4D97-AF65-F5344CB8AC3E}">
-        <p14:creationId xmlns:p14="http://schemas.microsoft.com/office/powerpoint/2010/main" val="830476999"/>
+        <p14:creationId xmlns:p14="http://schemas.microsoft.com/office/powerpoint/2010/main" val="2104637513"/>
       </p:ext>
     </p:extLst>
   </p:cSld>
   <p:clrMapOvr>
     <a:masterClrMapping/>
   </p:clrMapOvr>
+  <p:timing>
+    <p:tnLst>
+      <p:par>
+        <p:cTn id="1" dur="indefinite" restart="never" nodeType="tmRoot">
+          <p:childTnLst>
+            <p:seq concurrent="1" nextAc="seek">
+              <p:cTn id="2" dur="indefinite" nodeType="mainSeq">
+                <p:childTnLst>
+                  <p:par>
+                    <p:cTn id="3" fill="hold">
+                      <p:stCondLst>
+                        <p:cond delay="indefinite"/>
+                        <p:cond evt="onBegin" delay="0">
+                          <p:tn val="2"/>
+                        </p:cond>
+                      </p:stCondLst>
+                      <p:childTnLst>
+                        <p:par>
+                          <p:cTn id="4" fill="hold">
+                            <p:stCondLst>
+                              <p:cond delay="0"/>
+                            </p:stCondLst>
+                            <p:childTnLst>
+                              <p:par>
+                                <p:cTn id="5" presetID="10" presetClass="entr" presetSubtype="0" fill="hold" grpId="0" nodeType="withEffect">
+                                  <p:stCondLst>
+                                    <p:cond delay="0"/>
+                                  </p:stCondLst>
+                                  <p:childTnLst>
+                                    <p:set>
+                                      <p:cBhvr>
+                                        <p:cTn id="6" dur="1" fill="hold">
+                                          <p:stCondLst>
+                                            <p:cond delay="0"/>
+                                          </p:stCondLst>
+                                        </p:cTn>
+                                        <p:tgtEl>
+                                          <p:spTgt spid="2"/>
+                                        </p:tgtEl>
+                                        <p:attrNameLst>
+                                          <p:attrName>style.visibility</p:attrName>
+                                        </p:attrNameLst>
+                                      </p:cBhvr>
+                                      <p:to>
+                                        <p:strVal val="visible"/>
+                                      </p:to>
+                                    </p:set>
+                                    <p:animEffect transition="in" filter="fade">
+                                      <p:cBhvr>
+                                        <p:cTn id="7" dur="500"/>
+                                        <p:tgtEl>
+                                          <p:spTgt spid="2"/>
+                                        </p:tgtEl>
+                                      </p:cBhvr>
+                                    </p:animEffect>
+                                  </p:childTnLst>
+                                </p:cTn>
+                              </p:par>
+                            </p:childTnLst>
+                          </p:cTn>
+                        </p:par>
+                      </p:childTnLst>
+                    </p:cTn>
+                  </p:par>
+                  <p:par>
+                    <p:cTn id="8" fill="hold">
+                      <p:stCondLst>
+                        <p:cond delay="indefinite"/>
+                      </p:stCondLst>
+                      <p:childTnLst>
+                        <p:par>
+                          <p:cTn id="9" fill="hold">
+                            <p:stCondLst>
+                              <p:cond delay="0"/>
+                            </p:stCondLst>
+                            <p:childTnLst>
+                              <p:par>
+                                <p:cTn id="10" presetID="10" presetClass="entr" presetSubtype="0" fill="hold" nodeType="clickEffect">
+                                  <p:stCondLst>
+                                    <p:cond delay="0"/>
+                                  </p:stCondLst>
+                                  <p:childTnLst>
+                                    <p:set>
+                                      <p:cBhvr>
+                                        <p:cTn id="11" dur="1" fill="hold">
+                                          <p:stCondLst>
+                                            <p:cond delay="0"/>
+                                          </p:stCondLst>
+                                        </p:cTn>
+                                        <p:tgtEl>
+                                          <p:spTgt spid="5"/>
+                                        </p:tgtEl>
+                                        <p:attrNameLst>
+                                          <p:attrName>style.visibility</p:attrName>
+                                        </p:attrNameLst>
+                                      </p:cBhvr>
+                                      <p:to>
+                                        <p:strVal val="visible"/>
+                                      </p:to>
+                                    </p:set>
+                                    <p:animEffect transition="in" filter="fade">
+                                      <p:cBhvr>
+                                        <p:cTn id="12" dur="500"/>
+                                        <p:tgtEl>
+                                          <p:spTgt spid="5"/>
+                                        </p:tgtEl>
+                                      </p:cBhvr>
+                                    </p:animEffect>
+                                  </p:childTnLst>
+                                </p:cTn>
+                              </p:par>
+                            </p:childTnLst>
+                          </p:cTn>
+                        </p:par>
+                      </p:childTnLst>
+                    </p:cTn>
+                  </p:par>
+                </p:childTnLst>
+              </p:cTn>
+              <p:prevCondLst>
+                <p:cond evt="onPrev" delay="0">
+                  <p:tgtEl>
+                    <p:sldTgt/>
+                  </p:tgtEl>
+                </p:cond>
+              </p:prevCondLst>
+              <p:nextCondLst>
+                <p:cond evt="onNext" delay="0">
+                  <p:tgtEl>
+                    <p:sldTgt/>
+                  </p:tgtEl>
+                </p:cond>
+              </p:nextCondLst>
+            </p:seq>
+          </p:childTnLst>
+        </p:cTn>
+      </p:par>
+    </p:tnLst>
+    <p:bldLst>
+      <p:bldP spid="2" grpId="0"/>
+    </p:bldLst>
+  </p:timing>
 </p:sld>
 </file>
 
@@ -6493,7 +9578,7 @@
           <p:cNvPr id="2" name="Title 1">
             <a:extLst>
               <a:ext uri="{FF2B5EF4-FFF2-40B4-BE49-F238E27FC236}">
-                <a16:creationId xmlns:a16="http://schemas.microsoft.com/office/drawing/2014/main" id="{59963B2E-09BF-6B84-5163-DA94E9E056A7}"/>
+                <a16:creationId xmlns:a16="http://schemas.microsoft.com/office/drawing/2014/main" id="{54A9CB48-5868-C068-92D2-E5AFFBF25B06}"/>
               </a:ext>
             </a:extLst>
           </p:cNvPr>
@@ -6511,69 +9596,134 @@
           <a:p>
             <a:r>
               <a:rPr lang="en-US" dirty="0"/>
-              <a:t>I could also talk about Golang</a:t>
+              <a:t>#javascript (or rather JSFUCK)</a:t>
             </a:r>
             <a:endParaRPr lang="en-CH" dirty="0"/>
           </a:p>
         </p:txBody>
       </p:sp>
-      <p:sp>
-        <p:nvSpPr>
-          <p:cNvPr id="3" name="Content Placeholder 2">
+      <p:pic>
+        <p:nvPicPr>
+          <p:cNvPr id="4" name="Picture 3">
             <a:extLst>
               <a:ext uri="{FF2B5EF4-FFF2-40B4-BE49-F238E27FC236}">
-                <a16:creationId xmlns:a16="http://schemas.microsoft.com/office/drawing/2014/main" id="{5C0600CB-86C3-7417-524C-D840FD724648}"/>
+                <a16:creationId xmlns:a16="http://schemas.microsoft.com/office/drawing/2014/main" id="{B885DF82-79AB-3462-61E3-5FC868A4EAE4}"/>
               </a:ext>
             </a:extLst>
           </p:cNvPr>
-          <p:cNvSpPr>
-            <a:spLocks noGrp="1"/>
-          </p:cNvSpPr>
-          <p:nvPr>
-            <p:ph idx="1"/>
-          </p:nvPr>
-        </p:nvSpPr>
-        <p:spPr/>
-        <p:txBody>
-          <a:bodyPr/>
-          <a:lstStyle/>
-          <a:p>
-            <a:r>
-              <a:rPr lang="en-US" dirty="0"/>
-              <a:t>but it’s really cool though</a:t>
-            </a:r>
-          </a:p>
-          <a:p>
-            <a:endParaRPr lang="en-US" dirty="0"/>
-          </a:p>
-          <a:p>
-            <a:r>
-              <a:rPr lang="en-US" dirty="0"/>
-              <a:t>it is garbage-collected but it can be wonky</a:t>
-            </a:r>
-          </a:p>
-          <a:p>
-            <a:endParaRPr lang="en-US" dirty="0"/>
-          </a:p>
-          <a:p>
-            <a:r>
-              <a:rPr lang="en-US" dirty="0"/>
-              <a:t>dealing with panic’s is a really wild approach</a:t>
-            </a:r>
-            <a:endParaRPr lang="en-CH" dirty="0"/>
-          </a:p>
-        </p:txBody>
-      </p:sp>
+          <p:cNvPicPr>
+            <a:picLocks noChangeAspect="1"/>
+          </p:cNvPicPr>
+          <p:nvPr/>
+        </p:nvPicPr>
+        <p:blipFill rotWithShape="1">
+          <a:blip r:embed="rId3"/>
+          <a:srcRect t="42625"/>
+          <a:stretch/>
+        </p:blipFill>
+        <p:spPr>
+          <a:xfrm>
+            <a:off x="384148" y="2254254"/>
+            <a:ext cx="11423703" cy="3052639"/>
+          </a:xfrm>
+          <a:prstGeom prst="rect">
+            <a:avLst/>
+          </a:prstGeom>
+        </p:spPr>
+      </p:pic>
     </p:spTree>
     <p:extLst>
       <p:ext uri="{BB962C8B-B14F-4D97-AF65-F5344CB8AC3E}">
-        <p14:creationId xmlns:p14="http://schemas.microsoft.com/office/powerpoint/2010/main" val="554696757"/>
+        <p14:creationId xmlns:p14="http://schemas.microsoft.com/office/powerpoint/2010/main" val="1868612897"/>
       </p:ext>
     </p:extLst>
   </p:cSld>
   <p:clrMapOvr>
     <a:masterClrMapping/>
   </p:clrMapOvr>
+  <p:timing>
+    <p:tnLst>
+      <p:par>
+        <p:cTn id="1" dur="indefinite" restart="never" nodeType="tmRoot">
+          <p:childTnLst>
+            <p:seq concurrent="1" nextAc="seek">
+              <p:cTn id="2" dur="indefinite" nodeType="mainSeq">
+                <p:childTnLst>
+                  <p:par>
+                    <p:cTn id="3" fill="hold">
+                      <p:stCondLst>
+                        <p:cond delay="indefinite"/>
+                      </p:stCondLst>
+                      <p:childTnLst>
+                        <p:par>
+                          <p:cTn id="4" fill="hold">
+                            <p:stCondLst>
+                              <p:cond delay="0"/>
+                            </p:stCondLst>
+                            <p:childTnLst>
+                              <p:par>
+                                <p:cTn id="5" presetID="10" presetClass="entr" presetSubtype="0" fill="hold" nodeType="clickEffect">
+                                  <p:stCondLst>
+                                    <p:cond delay="0"/>
+                                  </p:stCondLst>
+                                  <p:childTnLst>
+                                    <p:set>
+                                      <p:cBhvr>
+                                        <p:cTn id="6" dur="1" fill="hold">
+                                          <p:stCondLst>
+                                            <p:cond delay="0"/>
+                                          </p:stCondLst>
+                                        </p:cTn>
+                                        <p:tgtEl>
+                                          <p:spTgt spid="4"/>
+                                        </p:tgtEl>
+                                        <p:attrNameLst>
+                                          <p:attrName>style.visibility</p:attrName>
+                                        </p:attrNameLst>
+                                      </p:cBhvr>
+                                      <p:to>
+                                        <p:strVal val="visible"/>
+                                      </p:to>
+                                    </p:set>
+                                    <p:animEffect transition="in" filter="fade">
+                                      <p:cBhvr>
+                                        <p:cTn id="7" dur="500"/>
+                                        <p:tgtEl>
+                                          <p:spTgt spid="4"/>
+                                        </p:tgtEl>
+                                      </p:cBhvr>
+                                    </p:animEffect>
+                                  </p:childTnLst>
+                                </p:cTn>
+                              </p:par>
+                            </p:childTnLst>
+                          </p:cTn>
+                        </p:par>
+                      </p:childTnLst>
+                    </p:cTn>
+                  </p:par>
+                </p:childTnLst>
+              </p:cTn>
+              <p:prevCondLst>
+                <p:cond evt="onPrev" delay="0">
+                  <p:tgtEl>
+                    <p:sldTgt/>
+                  </p:tgtEl>
+                </p:cond>
+              </p:prevCondLst>
+              <p:nextCondLst>
+                <p:cond evt="onNext" delay="0">
+                  <p:tgtEl>
+                    <p:sldTgt/>
+                  </p:tgtEl>
+                </p:cond>
+              </p:nextCondLst>
+            </p:seq>
+          </p:childTnLst>
+        </p:cTn>
+      </p:par>
+    </p:tnLst>
+  </p:timing>
 </p:sld>
 </file>
 
@@ -7026,7 +10176,7 @@
                             </p:stCondLst>
                             <p:childTnLst>
                               <p:par>
-                                <p:cTn id="10" presetID="10" presetClass="entr" presetSubtype="0" fill="hold" grpId="0" nodeType="clickEffect">
+                                <p:cTn id="10" presetID="10" presetClass="entr" presetSubtype="0" fill="hold" nodeType="clickEffect">
                                   <p:stCondLst>
                                     <p:cond delay="0"/>
                                   </p:stCondLst>
@@ -7039,11 +10189,7 @@
                                           </p:stCondLst>
                                         </p:cTn>
                                         <p:tgtEl>
-                                          <p:spTgt spid="3">
-                                            <p:txEl>
-                                              <p:pRg st="0" end="0"/>
-                                            </p:txEl>
-                                          </p:spTgt>
+                                          <p:spTgt spid="1028"/>
                                         </p:tgtEl>
                                         <p:attrNameLst>
                                           <p:attrName>style.visibility</p:attrName>
@@ -7057,11 +10203,7 @@
                                       <p:cBhvr>
                                         <p:cTn id="12" dur="500"/>
                                         <p:tgtEl>
-                                          <p:spTgt spid="3">
-                                            <p:txEl>
-                                              <p:pRg st="0" end="0"/>
-                                            </p:txEl>
-                                          </p:spTgt>
+                                          <p:spTgt spid="1028"/>
                                         </p:tgtEl>
                                       </p:cBhvr>
                                     </p:animEffect>
@@ -7102,7 +10244,7 @@
                                         <p:tgtEl>
                                           <p:spTgt spid="3">
                                             <p:txEl>
-                                              <p:pRg st="1" end="1"/>
+                                              <p:pRg st="0" end="0"/>
                                             </p:txEl>
                                           </p:spTgt>
                                         </p:tgtEl>
@@ -7120,7 +10262,7 @@
                                         <p:tgtEl>
                                           <p:spTgt spid="3">
                                             <p:txEl>
-                                              <p:pRg st="1" end="1"/>
+                                              <p:pRg st="0" end="0"/>
                                             </p:txEl>
                                           </p:spTgt>
                                         </p:tgtEl>
@@ -7163,7 +10305,7 @@
                                         <p:tgtEl>
                                           <p:spTgt spid="3">
                                             <p:txEl>
-                                              <p:pRg st="3" end="3"/>
+                                              <p:pRg st="1" end="1"/>
                                             </p:txEl>
                                           </p:spTgt>
                                         </p:tgtEl>
@@ -7181,50 +10323,7 @@
                                         <p:tgtEl>
                                           <p:spTgt spid="3">
                                             <p:txEl>
-                                              <p:pRg st="3" end="3"/>
-                                            </p:txEl>
-                                          </p:spTgt>
-                                        </p:tgtEl>
-                                      </p:cBhvr>
-                                    </p:animEffect>
-                                  </p:childTnLst>
-                                </p:cTn>
-                              </p:par>
-                              <p:par>
-                                <p:cTn id="23" presetID="10" presetClass="entr" presetSubtype="0" fill="hold" grpId="0" nodeType="withEffect">
-                                  <p:stCondLst>
-                                    <p:cond delay="0"/>
-                                  </p:stCondLst>
-                                  <p:childTnLst>
-                                    <p:set>
-                                      <p:cBhvr>
-                                        <p:cTn id="24" dur="1" fill="hold">
-                                          <p:stCondLst>
-                                            <p:cond delay="0"/>
-                                          </p:stCondLst>
-                                        </p:cTn>
-                                        <p:tgtEl>
-                                          <p:spTgt spid="3">
-                                            <p:txEl>
-                                              <p:pRg st="4" end="4"/>
-                                            </p:txEl>
-                                          </p:spTgt>
-                                        </p:tgtEl>
-                                        <p:attrNameLst>
-                                          <p:attrName>style.visibility</p:attrName>
-                                        </p:attrNameLst>
-                                      </p:cBhvr>
-                                      <p:to>
-                                        <p:strVal val="visible"/>
-                                      </p:to>
-                                    </p:set>
-                                    <p:animEffect transition="in" filter="fade">
-                                      <p:cBhvr>
-                                        <p:cTn id="25" dur="500"/>
-                                        <p:tgtEl>
-                                          <p:spTgt spid="3">
-                                            <p:txEl>
-                                              <p:pRg st="4" end="4"/>
+                                              <p:pRg st="1" end="1"/>
                                             </p:txEl>
                                           </p:spTgt>
                                         </p:tgtEl>
@@ -7240,25 +10339,68 @@
                     </p:cTn>
                   </p:par>
                   <p:par>
-                    <p:cTn id="26" fill="hold">
+                    <p:cTn id="23" fill="hold">
                       <p:stCondLst>
                         <p:cond delay="indefinite"/>
                       </p:stCondLst>
                       <p:childTnLst>
                         <p:par>
-                          <p:cTn id="27" fill="hold">
+                          <p:cTn id="24" fill="hold">
                             <p:stCondLst>
                               <p:cond delay="0"/>
                             </p:stCondLst>
                             <p:childTnLst>
                               <p:par>
-                                <p:cTn id="28" presetID="10" presetClass="entr" presetSubtype="0" fill="hold" grpId="0" nodeType="clickEffect">
+                                <p:cTn id="25" presetID="10" presetClass="entr" presetSubtype="0" fill="hold" grpId="0" nodeType="clickEffect">
                                   <p:stCondLst>
                                     <p:cond delay="0"/>
                                   </p:stCondLst>
                                   <p:childTnLst>
                                     <p:set>
                                       <p:cBhvr>
+                                        <p:cTn id="26" dur="1" fill="hold">
+                                          <p:stCondLst>
+                                            <p:cond delay="0"/>
+                                          </p:stCondLst>
+                                        </p:cTn>
+                                        <p:tgtEl>
+                                          <p:spTgt spid="3">
+                                            <p:txEl>
+                                              <p:pRg st="3" end="3"/>
+                                            </p:txEl>
+                                          </p:spTgt>
+                                        </p:tgtEl>
+                                        <p:attrNameLst>
+                                          <p:attrName>style.visibility</p:attrName>
+                                        </p:attrNameLst>
+                                      </p:cBhvr>
+                                      <p:to>
+                                        <p:strVal val="visible"/>
+                                      </p:to>
+                                    </p:set>
+                                    <p:animEffect transition="in" filter="fade">
+                                      <p:cBhvr>
+                                        <p:cTn id="27" dur="500"/>
+                                        <p:tgtEl>
+                                          <p:spTgt spid="3">
+                                            <p:txEl>
+                                              <p:pRg st="3" end="3"/>
+                                            </p:txEl>
+                                          </p:spTgt>
+                                        </p:tgtEl>
+                                      </p:cBhvr>
+                                    </p:animEffect>
+                                  </p:childTnLst>
+                                </p:cTn>
+                              </p:par>
+                              <p:par>
+                                <p:cTn id="28" presetID="10" presetClass="entr" presetSubtype="0" fill="hold" grpId="0" nodeType="withEffect">
+                                  <p:stCondLst>
+                                    <p:cond delay="0"/>
+                                  </p:stCondLst>
+                                  <p:childTnLst>
+                                    <p:set>
+                                      <p:cBhvr>
                                         <p:cTn id="29" dur="1" fill="hold">
                                           <p:stCondLst>
                                             <p:cond delay="0"/>
@@ -7267,7 +10409,7 @@
                                         <p:tgtEl>
                                           <p:spTgt spid="3">
                                             <p:txEl>
-                                              <p:pRg st="6" end="6"/>
+                                              <p:pRg st="4" end="4"/>
                                             </p:txEl>
                                           </p:spTgt>
                                         </p:tgtEl>
@@ -7285,7 +10427,7 @@
                                         <p:tgtEl>
                                           <p:spTgt spid="3">
                                             <p:txEl>
-                                              <p:pRg st="6" end="6"/>
+                                              <p:pRg st="4" end="4"/>
                                             </p:txEl>
                                           </p:spTgt>
                                         </p:tgtEl>
@@ -7328,7 +10470,7 @@
                                         <p:tgtEl>
                                           <p:spTgt spid="3">
                                             <p:txEl>
-                                              <p:pRg st="8" end="8"/>
+                                              <p:pRg st="6" end="6"/>
                                             </p:txEl>
                                           </p:spTgt>
                                         </p:tgtEl>
@@ -7346,9 +10488,123 @@
                                         <p:tgtEl>
                                           <p:spTgt spid="3">
                                             <p:txEl>
+                                              <p:pRg st="6" end="6"/>
+                                            </p:txEl>
+                                          </p:spTgt>
+                                        </p:tgtEl>
+                                      </p:cBhvr>
+                                    </p:animEffect>
+                                  </p:childTnLst>
+                                </p:cTn>
+                              </p:par>
+                            </p:childTnLst>
+                          </p:cTn>
+                        </p:par>
+                      </p:childTnLst>
+                    </p:cTn>
+                  </p:par>
+                  <p:par>
+                    <p:cTn id="36" fill="hold">
+                      <p:stCondLst>
+                        <p:cond delay="indefinite"/>
+                      </p:stCondLst>
+                      <p:childTnLst>
+                        <p:par>
+                          <p:cTn id="37" fill="hold">
+                            <p:stCondLst>
+                              <p:cond delay="0"/>
+                            </p:stCondLst>
+                            <p:childTnLst>
+                              <p:par>
+                                <p:cTn id="38" presetID="10" presetClass="entr" presetSubtype="0" fill="hold" grpId="0" nodeType="clickEffect">
+                                  <p:stCondLst>
+                                    <p:cond delay="0"/>
+                                  </p:stCondLst>
+                                  <p:childTnLst>
+                                    <p:set>
+                                      <p:cBhvr>
+                                        <p:cTn id="39" dur="1" fill="hold">
+                                          <p:stCondLst>
+                                            <p:cond delay="0"/>
+                                          </p:stCondLst>
+                                        </p:cTn>
+                                        <p:tgtEl>
+                                          <p:spTgt spid="3">
+                                            <p:txEl>
                                               <p:pRg st="8" end="8"/>
                                             </p:txEl>
                                           </p:spTgt>
+                                        </p:tgtEl>
+                                        <p:attrNameLst>
+                                          <p:attrName>style.visibility</p:attrName>
+                                        </p:attrNameLst>
+                                      </p:cBhvr>
+                                      <p:to>
+                                        <p:strVal val="visible"/>
+                                      </p:to>
+                                    </p:set>
+                                    <p:animEffect transition="in" filter="fade">
+                                      <p:cBhvr>
+                                        <p:cTn id="40" dur="500"/>
+                                        <p:tgtEl>
+                                          <p:spTgt spid="3">
+                                            <p:txEl>
+                                              <p:pRg st="8" end="8"/>
+                                            </p:txEl>
+                                          </p:spTgt>
+                                        </p:tgtEl>
+                                      </p:cBhvr>
+                                    </p:animEffect>
+                                  </p:childTnLst>
+                                </p:cTn>
+                              </p:par>
+                            </p:childTnLst>
+                          </p:cTn>
+                        </p:par>
+                      </p:childTnLst>
+                    </p:cTn>
+                  </p:par>
+                  <p:par>
+                    <p:cTn id="41" fill="hold">
+                      <p:stCondLst>
+                        <p:cond delay="indefinite"/>
+                      </p:stCondLst>
+                      <p:childTnLst>
+                        <p:par>
+                          <p:cTn id="42" fill="hold">
+                            <p:stCondLst>
+                              <p:cond delay="0"/>
+                            </p:stCondLst>
+                            <p:childTnLst>
+                              <p:par>
+                                <p:cTn id="43" presetID="10" presetClass="entr" presetSubtype="0" fill="hold" nodeType="clickEffect">
+                                  <p:stCondLst>
+                                    <p:cond delay="0"/>
+                                  </p:stCondLst>
+                                  <p:childTnLst>
+                                    <p:set>
+                                      <p:cBhvr>
+                                        <p:cTn id="44" dur="1" fill="hold">
+                                          <p:stCondLst>
+                                            <p:cond delay="0"/>
+                                          </p:stCondLst>
+                                        </p:cTn>
+                                        <p:tgtEl>
+                                          <p:spTgt spid="15"/>
+                                        </p:tgtEl>
+                                        <p:attrNameLst>
+                                          <p:attrName>style.visibility</p:attrName>
+                                        </p:attrNameLst>
+                                      </p:cBhvr>
+                                      <p:to>
+                                        <p:strVal val="visible"/>
+                                      </p:to>
+                                    </p:set>
+                                    <p:animEffect transition="in" filter="fade">
+                                      <p:cBhvr>
+                                        <p:cTn id="45" dur="500"/>
+                                        <p:tgtEl>
+                                          <p:spTgt spid="15"/>
                                         </p:tgtEl>
                                       </p:cBhvr>
                                     </p:animEffect>
@@ -7391,6 +10647,585 @@
 </file>
 
 <file path=ppt/slides/slide20.xml><?xml version="1.0" encoding="utf-8"?>
+<p:sld xmlns:a="http://schemas.openxmlformats.org/drawingml/2006/main" xmlns:r="http://schemas.openxmlformats.org/officeDocument/2006/relationships" xmlns:p="http://schemas.openxmlformats.org/presentationml/2006/main">
+  <p:cSld>
+    <p:bg>
+      <p:bgPr>
+        <a:blipFill dpi="0" rotWithShape="1">
+          <a:blip r:embed="rId2">
+            <a:lum/>
+          </a:blip>
+          <a:srcRect/>
+          <a:stretch>
+            <a:fillRect/>
+          </a:stretch>
+        </a:blipFill>
+        <a:effectLst/>
+      </p:bgPr>
+    </p:bg>
+    <p:spTree>
+      <p:nvGrpSpPr>
+        <p:cNvPr id="1" name=""/>
+        <p:cNvGrpSpPr/>
+        <p:nvPr/>
+      </p:nvGrpSpPr>
+      <p:grpSpPr>
+        <a:xfrm>
+          <a:off x="0" y="0"/>
+          <a:ext cx="0" cy="0"/>
+          <a:chOff x="0" y="0"/>
+          <a:chExt cx="0" cy="0"/>
+        </a:xfrm>
+      </p:grpSpPr>
+      <p:sp>
+        <p:nvSpPr>
+          <p:cNvPr id="2" name="Title 1">
+            <a:extLst>
+              <a:ext uri="{FF2B5EF4-FFF2-40B4-BE49-F238E27FC236}">
+                <a16:creationId xmlns:a16="http://schemas.microsoft.com/office/drawing/2014/main" id="{54A9CB48-5868-C068-92D2-E5AFFBF25B06}"/>
+              </a:ext>
+            </a:extLst>
+          </p:cNvPr>
+          <p:cNvSpPr>
+            <a:spLocks noGrp="1"/>
+          </p:cNvSpPr>
+          <p:nvPr>
+            <p:ph type="title"/>
+          </p:nvPr>
+        </p:nvSpPr>
+        <p:spPr/>
+        <p:txBody>
+          <a:bodyPr/>
+          <a:lstStyle/>
+          <a:p>
+            <a:r>
+              <a:rPr lang="en-US" dirty="0"/>
+              <a:t>#javascript (or rather JSFUCK)</a:t>
+            </a:r>
+            <a:endParaRPr lang="en-CH" dirty="0"/>
+          </a:p>
+        </p:txBody>
+      </p:sp>
+      <p:pic>
+        <p:nvPicPr>
+          <p:cNvPr id="5" name="Picture 4">
+            <a:extLst>
+              <a:ext uri="{FF2B5EF4-FFF2-40B4-BE49-F238E27FC236}">
+                <a16:creationId xmlns:a16="http://schemas.microsoft.com/office/drawing/2014/main" id="{607E4006-0C44-A7BE-A922-55B6BB4361E7}"/>
+              </a:ext>
+            </a:extLst>
+          </p:cNvPr>
+          <p:cNvPicPr>
+            <a:picLocks noChangeAspect="1"/>
+          </p:cNvPicPr>
+          <p:nvPr/>
+        </p:nvPicPr>
+        <p:blipFill>
+          <a:blip r:embed="rId3"/>
+          <a:stretch>
+            <a:fillRect/>
+          </a:stretch>
+        </p:blipFill>
+        <p:spPr>
+          <a:xfrm>
+            <a:off x="1767465" y="1690688"/>
+            <a:ext cx="8657070" cy="4488569"/>
+          </a:xfrm>
+          <a:prstGeom prst="rect">
+            <a:avLst/>
+          </a:prstGeom>
+        </p:spPr>
+      </p:pic>
+    </p:spTree>
+    <p:extLst>
+      <p:ext uri="{BB962C8B-B14F-4D97-AF65-F5344CB8AC3E}">
+        <p14:creationId xmlns:p14="http://schemas.microsoft.com/office/powerpoint/2010/main" val="830476999"/>
+      </p:ext>
+    </p:extLst>
+  </p:cSld>
+  <p:clrMapOvr>
+    <a:masterClrMapping/>
+  </p:clrMapOvr>
+  <p:timing>
+    <p:tnLst>
+      <p:par>
+        <p:cTn id="1" dur="indefinite" restart="never" nodeType="tmRoot">
+          <p:childTnLst>
+            <p:seq concurrent="1" nextAc="seek">
+              <p:cTn id="2" dur="indefinite" nodeType="mainSeq">
+                <p:childTnLst>
+                  <p:par>
+                    <p:cTn id="3" fill="hold">
+                      <p:stCondLst>
+                        <p:cond delay="indefinite"/>
+                      </p:stCondLst>
+                      <p:childTnLst>
+                        <p:par>
+                          <p:cTn id="4" fill="hold">
+                            <p:stCondLst>
+                              <p:cond delay="0"/>
+                            </p:stCondLst>
+                            <p:childTnLst>
+                              <p:par>
+                                <p:cTn id="5" presetID="10" presetClass="entr" presetSubtype="0" fill="hold" nodeType="clickEffect">
+                                  <p:stCondLst>
+                                    <p:cond delay="0"/>
+                                  </p:stCondLst>
+                                  <p:childTnLst>
+                                    <p:set>
+                                      <p:cBhvr>
+                                        <p:cTn id="6" dur="1" fill="hold">
+                                          <p:stCondLst>
+                                            <p:cond delay="0"/>
+                                          </p:stCondLst>
+                                        </p:cTn>
+                                        <p:tgtEl>
+                                          <p:spTgt spid="5"/>
+                                        </p:tgtEl>
+                                        <p:attrNameLst>
+                                          <p:attrName>style.visibility</p:attrName>
+                                        </p:attrNameLst>
+                                      </p:cBhvr>
+                                      <p:to>
+                                        <p:strVal val="visible"/>
+                                      </p:to>
+                                    </p:set>
+                                    <p:animEffect transition="in" filter="fade">
+                                      <p:cBhvr>
+                                        <p:cTn id="7" dur="500"/>
+                                        <p:tgtEl>
+                                          <p:spTgt spid="5"/>
+                                        </p:tgtEl>
+                                      </p:cBhvr>
+                                    </p:animEffect>
+                                  </p:childTnLst>
+                                </p:cTn>
+                              </p:par>
+                            </p:childTnLst>
+                          </p:cTn>
+                        </p:par>
+                      </p:childTnLst>
+                    </p:cTn>
+                  </p:par>
+                </p:childTnLst>
+              </p:cTn>
+              <p:prevCondLst>
+                <p:cond evt="onPrev" delay="0">
+                  <p:tgtEl>
+                    <p:sldTgt/>
+                  </p:tgtEl>
+                </p:cond>
+              </p:prevCondLst>
+              <p:nextCondLst>
+                <p:cond evt="onNext" delay="0">
+                  <p:tgtEl>
+                    <p:sldTgt/>
+                  </p:tgtEl>
+                </p:cond>
+              </p:nextCondLst>
+            </p:seq>
+          </p:childTnLst>
+        </p:cTn>
+      </p:par>
+    </p:tnLst>
+  </p:timing>
+</p:sld>
+</file>
+
+<file path=ppt/slides/slide21.xml><?xml version="1.0" encoding="utf-8"?>
+<p:sld xmlns:a="http://schemas.openxmlformats.org/drawingml/2006/main" xmlns:r="http://schemas.openxmlformats.org/officeDocument/2006/relationships" xmlns:p="http://schemas.openxmlformats.org/presentationml/2006/main">
+  <p:cSld>
+    <p:bg>
+      <p:bgPr>
+        <a:blipFill dpi="0" rotWithShape="1">
+          <a:blip r:embed="rId2">
+            <a:lum/>
+          </a:blip>
+          <a:srcRect/>
+          <a:stretch>
+            <a:fillRect/>
+          </a:stretch>
+        </a:blipFill>
+        <a:effectLst/>
+      </p:bgPr>
+    </p:bg>
+    <p:spTree>
+      <p:nvGrpSpPr>
+        <p:cNvPr id="1" name=""/>
+        <p:cNvGrpSpPr/>
+        <p:nvPr/>
+      </p:nvGrpSpPr>
+      <p:grpSpPr>
+        <a:xfrm>
+          <a:off x="0" y="0"/>
+          <a:ext cx="0" cy="0"/>
+          <a:chOff x="0" y="0"/>
+          <a:chExt cx="0" cy="0"/>
+        </a:xfrm>
+      </p:grpSpPr>
+      <p:sp>
+        <p:nvSpPr>
+          <p:cNvPr id="2" name="Title 1">
+            <a:extLst>
+              <a:ext uri="{FF2B5EF4-FFF2-40B4-BE49-F238E27FC236}">
+                <a16:creationId xmlns:a16="http://schemas.microsoft.com/office/drawing/2014/main" id="{59963B2E-09BF-6B84-5163-DA94E9E056A7}"/>
+              </a:ext>
+            </a:extLst>
+          </p:cNvPr>
+          <p:cNvSpPr>
+            <a:spLocks noGrp="1"/>
+          </p:cNvSpPr>
+          <p:nvPr>
+            <p:ph type="title"/>
+          </p:nvPr>
+        </p:nvSpPr>
+        <p:spPr/>
+        <p:txBody>
+          <a:bodyPr/>
+          <a:lstStyle/>
+          <a:p>
+            <a:r>
+              <a:rPr lang="en-US" dirty="0"/>
+              <a:t>I could also talk about Golang</a:t>
+            </a:r>
+            <a:endParaRPr lang="en-CH" dirty="0"/>
+          </a:p>
+        </p:txBody>
+      </p:sp>
+      <p:sp>
+        <p:nvSpPr>
+          <p:cNvPr id="3" name="Content Placeholder 2">
+            <a:extLst>
+              <a:ext uri="{FF2B5EF4-FFF2-40B4-BE49-F238E27FC236}">
+                <a16:creationId xmlns:a16="http://schemas.microsoft.com/office/drawing/2014/main" id="{5C0600CB-86C3-7417-524C-D840FD724648}"/>
+              </a:ext>
+            </a:extLst>
+          </p:cNvPr>
+          <p:cNvSpPr>
+            <a:spLocks noGrp="1"/>
+          </p:cNvSpPr>
+          <p:nvPr>
+            <p:ph idx="1"/>
+          </p:nvPr>
+        </p:nvSpPr>
+        <p:spPr/>
+        <p:txBody>
+          <a:bodyPr/>
+          <a:lstStyle/>
+          <a:p>
+            <a:r>
+              <a:rPr lang="en-US" dirty="0"/>
+              <a:t>but it’s really cool though</a:t>
+            </a:r>
+          </a:p>
+          <a:p>
+            <a:endParaRPr lang="en-US" dirty="0"/>
+          </a:p>
+          <a:p>
+            <a:r>
+              <a:rPr lang="en-US" dirty="0"/>
+              <a:t>it is garbage-collected but it can be wonky</a:t>
+            </a:r>
+          </a:p>
+          <a:p>
+            <a:endParaRPr lang="en-US" dirty="0"/>
+          </a:p>
+          <a:p>
+            <a:r>
+              <a:rPr lang="en-US" dirty="0"/>
+              <a:t>dealing with panic’s is a really wild approach</a:t>
+            </a:r>
+            <a:endParaRPr lang="en-CH" dirty="0"/>
+          </a:p>
+        </p:txBody>
+      </p:sp>
+    </p:spTree>
+    <p:extLst>
+      <p:ext uri="{BB962C8B-B14F-4D97-AF65-F5344CB8AC3E}">
+        <p14:creationId xmlns:p14="http://schemas.microsoft.com/office/powerpoint/2010/main" val="554696757"/>
+      </p:ext>
+    </p:extLst>
+  </p:cSld>
+  <p:clrMapOvr>
+    <a:masterClrMapping/>
+  </p:clrMapOvr>
+  <p:timing>
+    <p:tnLst>
+      <p:par>
+        <p:cTn id="1" dur="indefinite" restart="never" nodeType="tmRoot">
+          <p:childTnLst>
+            <p:seq concurrent="1" nextAc="seek">
+              <p:cTn id="2" dur="indefinite" nodeType="mainSeq">
+                <p:childTnLst>
+                  <p:par>
+                    <p:cTn id="3" fill="hold">
+                      <p:stCondLst>
+                        <p:cond delay="indefinite"/>
+                        <p:cond evt="onBegin" delay="0">
+                          <p:tn val="2"/>
+                        </p:cond>
+                      </p:stCondLst>
+                      <p:childTnLst>
+                        <p:par>
+                          <p:cTn id="4" fill="hold">
+                            <p:stCondLst>
+                              <p:cond delay="0"/>
+                            </p:stCondLst>
+                            <p:childTnLst>
+                              <p:par>
+                                <p:cTn id="5" presetID="10" presetClass="entr" presetSubtype="0" fill="hold" grpId="0" nodeType="withEffect">
+                                  <p:stCondLst>
+                                    <p:cond delay="0"/>
+                                  </p:stCondLst>
+                                  <p:childTnLst>
+                                    <p:set>
+                                      <p:cBhvr>
+                                        <p:cTn id="6" dur="1" fill="hold">
+                                          <p:stCondLst>
+                                            <p:cond delay="0"/>
+                                          </p:stCondLst>
+                                        </p:cTn>
+                                        <p:tgtEl>
+                                          <p:spTgt spid="2"/>
+                                        </p:tgtEl>
+                                        <p:attrNameLst>
+                                          <p:attrName>style.visibility</p:attrName>
+                                        </p:attrNameLst>
+                                      </p:cBhvr>
+                                      <p:to>
+                                        <p:strVal val="visible"/>
+                                      </p:to>
+                                    </p:set>
+                                    <p:animEffect transition="in" filter="fade">
+                                      <p:cBhvr>
+                                        <p:cTn id="7" dur="500"/>
+                                        <p:tgtEl>
+                                          <p:spTgt spid="2"/>
+                                        </p:tgtEl>
+                                      </p:cBhvr>
+                                    </p:animEffect>
+                                  </p:childTnLst>
+                                </p:cTn>
+                              </p:par>
+                            </p:childTnLst>
+                          </p:cTn>
+                        </p:par>
+                      </p:childTnLst>
+                    </p:cTn>
+                  </p:par>
+                  <p:par>
+                    <p:cTn id="8" fill="hold">
+                      <p:stCondLst>
+                        <p:cond delay="indefinite"/>
+                      </p:stCondLst>
+                      <p:childTnLst>
+                        <p:par>
+                          <p:cTn id="9" fill="hold">
+                            <p:stCondLst>
+                              <p:cond delay="0"/>
+                            </p:stCondLst>
+                            <p:childTnLst>
+                              <p:par>
+                                <p:cTn id="10" presetID="10" presetClass="entr" presetSubtype="0" fill="hold" grpId="0" nodeType="clickEffect">
+                                  <p:stCondLst>
+                                    <p:cond delay="0"/>
+                                  </p:stCondLst>
+                                  <p:childTnLst>
+                                    <p:set>
+                                      <p:cBhvr>
+                                        <p:cTn id="11" dur="1" fill="hold">
+                                          <p:stCondLst>
+                                            <p:cond delay="0"/>
+                                          </p:stCondLst>
+                                        </p:cTn>
+                                        <p:tgtEl>
+                                          <p:spTgt spid="3">
+                                            <p:txEl>
+                                              <p:pRg st="0" end="0"/>
+                                            </p:txEl>
+                                          </p:spTgt>
+                                        </p:tgtEl>
+                                        <p:attrNameLst>
+                                          <p:attrName>style.visibility</p:attrName>
+                                        </p:attrNameLst>
+                                      </p:cBhvr>
+                                      <p:to>
+                                        <p:strVal val="visible"/>
+                                      </p:to>
+                                    </p:set>
+                                    <p:animEffect transition="in" filter="fade">
+                                      <p:cBhvr>
+                                        <p:cTn id="12" dur="500"/>
+                                        <p:tgtEl>
+                                          <p:spTgt spid="3">
+                                            <p:txEl>
+                                              <p:pRg st="0" end="0"/>
+                                            </p:txEl>
+                                          </p:spTgt>
+                                        </p:tgtEl>
+                                      </p:cBhvr>
+                                    </p:animEffect>
+                                  </p:childTnLst>
+                                </p:cTn>
+                              </p:par>
+                            </p:childTnLst>
+                          </p:cTn>
+                        </p:par>
+                      </p:childTnLst>
+                    </p:cTn>
+                  </p:par>
+                  <p:par>
+                    <p:cTn id="13" fill="hold">
+                      <p:stCondLst>
+                        <p:cond delay="indefinite"/>
+                      </p:stCondLst>
+                      <p:childTnLst>
+                        <p:par>
+                          <p:cTn id="14" fill="hold">
+                            <p:stCondLst>
+                              <p:cond delay="0"/>
+                            </p:stCondLst>
+                            <p:childTnLst>
+                              <p:par>
+                                <p:cTn id="15" presetID="10" presetClass="entr" presetSubtype="0" fill="hold" grpId="0" nodeType="clickEffect">
+                                  <p:stCondLst>
+                                    <p:cond delay="0"/>
+                                  </p:stCondLst>
+                                  <p:childTnLst>
+                                    <p:set>
+                                      <p:cBhvr>
+                                        <p:cTn id="16" dur="1" fill="hold">
+                                          <p:stCondLst>
+                                            <p:cond delay="0"/>
+                                          </p:stCondLst>
+                                        </p:cTn>
+                                        <p:tgtEl>
+                                          <p:spTgt spid="3">
+                                            <p:txEl>
+                                              <p:pRg st="2" end="2"/>
+                                            </p:txEl>
+                                          </p:spTgt>
+                                        </p:tgtEl>
+                                        <p:attrNameLst>
+                                          <p:attrName>style.visibility</p:attrName>
+                                        </p:attrNameLst>
+                                      </p:cBhvr>
+                                      <p:to>
+                                        <p:strVal val="visible"/>
+                                      </p:to>
+                                    </p:set>
+                                    <p:animEffect transition="in" filter="fade">
+                                      <p:cBhvr>
+                                        <p:cTn id="17" dur="500"/>
+                                        <p:tgtEl>
+                                          <p:spTgt spid="3">
+                                            <p:txEl>
+                                              <p:pRg st="2" end="2"/>
+                                            </p:txEl>
+                                          </p:spTgt>
+                                        </p:tgtEl>
+                                      </p:cBhvr>
+                                    </p:animEffect>
+                                  </p:childTnLst>
+                                </p:cTn>
+                              </p:par>
+                            </p:childTnLst>
+                          </p:cTn>
+                        </p:par>
+                      </p:childTnLst>
+                    </p:cTn>
+                  </p:par>
+                  <p:par>
+                    <p:cTn id="18" fill="hold">
+                      <p:stCondLst>
+                        <p:cond delay="indefinite"/>
+                      </p:stCondLst>
+                      <p:childTnLst>
+                        <p:par>
+                          <p:cTn id="19" fill="hold">
+                            <p:stCondLst>
+                              <p:cond delay="0"/>
+                            </p:stCondLst>
+                            <p:childTnLst>
+                              <p:par>
+                                <p:cTn id="20" presetID="10" presetClass="entr" presetSubtype="0" fill="hold" grpId="0" nodeType="clickEffect">
+                                  <p:stCondLst>
+                                    <p:cond delay="0"/>
+                                  </p:stCondLst>
+                                  <p:childTnLst>
+                                    <p:set>
+                                      <p:cBhvr>
+                                        <p:cTn id="21" dur="1" fill="hold">
+                                          <p:stCondLst>
+                                            <p:cond delay="0"/>
+                                          </p:stCondLst>
+                                        </p:cTn>
+                                        <p:tgtEl>
+                                          <p:spTgt spid="3">
+                                            <p:txEl>
+                                              <p:pRg st="4" end="4"/>
+                                            </p:txEl>
+                                          </p:spTgt>
+                                        </p:tgtEl>
+                                        <p:attrNameLst>
+                                          <p:attrName>style.visibility</p:attrName>
+                                        </p:attrNameLst>
+                                      </p:cBhvr>
+                                      <p:to>
+                                        <p:strVal val="visible"/>
+                                      </p:to>
+                                    </p:set>
+                                    <p:animEffect transition="in" filter="fade">
+                                      <p:cBhvr>
+                                        <p:cTn id="22" dur="500"/>
+                                        <p:tgtEl>
+                                          <p:spTgt spid="3">
+                                            <p:txEl>
+                                              <p:pRg st="4" end="4"/>
+                                            </p:txEl>
+                                          </p:spTgt>
+                                        </p:tgtEl>
+                                      </p:cBhvr>
+                                    </p:animEffect>
+                                  </p:childTnLst>
+                                </p:cTn>
+                              </p:par>
+                            </p:childTnLst>
+                          </p:cTn>
+                        </p:par>
+                      </p:childTnLst>
+                    </p:cTn>
+                  </p:par>
+                </p:childTnLst>
+              </p:cTn>
+              <p:prevCondLst>
+                <p:cond evt="onPrev" delay="0">
+                  <p:tgtEl>
+                    <p:sldTgt/>
+                  </p:tgtEl>
+                </p:cond>
+              </p:prevCondLst>
+              <p:nextCondLst>
+                <p:cond evt="onNext" delay="0">
+                  <p:tgtEl>
+                    <p:sldTgt/>
+                  </p:tgtEl>
+                </p:cond>
+              </p:nextCondLst>
+            </p:seq>
+          </p:childTnLst>
+        </p:cTn>
+      </p:par>
+    </p:tnLst>
+    <p:bldLst>
+      <p:bldP spid="2" grpId="0"/>
+      <p:bldP spid="3" grpId="0" build="p"/>
+    </p:bldLst>
+  </p:timing>
+</p:sld>
+</file>
+
+<file path=ppt/slides/slide22.xml><?xml version="1.0" encoding="utf-8"?>
 <p:sld xmlns:a="http://schemas.openxmlformats.org/drawingml/2006/main" xmlns:r="http://schemas.openxmlformats.org/officeDocument/2006/relationships" xmlns:p="http://schemas.openxmlformats.org/presentationml/2006/main">
   <p:cSld>
     <p:bg>
@@ -7532,6 +11367,322 @@
   <p:clrMapOvr>
     <a:masterClrMapping/>
   </p:clrMapOvr>
+  <p:timing>
+    <p:tnLst>
+      <p:par>
+        <p:cTn id="1" dur="indefinite" restart="never" nodeType="tmRoot">
+          <p:childTnLst>
+            <p:seq concurrent="1" nextAc="seek">
+              <p:cTn id="2" dur="indefinite" nodeType="mainSeq">
+                <p:childTnLst>
+                  <p:par>
+                    <p:cTn id="3" fill="hold">
+                      <p:stCondLst>
+                        <p:cond delay="indefinite"/>
+                        <p:cond evt="onBegin" delay="0">
+                          <p:tn val="2"/>
+                        </p:cond>
+                      </p:stCondLst>
+                      <p:childTnLst>
+                        <p:par>
+                          <p:cTn id="4" fill="hold">
+                            <p:stCondLst>
+                              <p:cond delay="0"/>
+                            </p:stCondLst>
+                            <p:childTnLst>
+                              <p:par>
+                                <p:cTn id="5" presetID="10" presetClass="entr" presetSubtype="0" fill="hold" grpId="0" nodeType="withEffect">
+                                  <p:stCondLst>
+                                    <p:cond delay="0"/>
+                                  </p:stCondLst>
+                                  <p:childTnLst>
+                                    <p:set>
+                                      <p:cBhvr>
+                                        <p:cTn id="6" dur="1" fill="hold">
+                                          <p:stCondLst>
+                                            <p:cond delay="0"/>
+                                          </p:stCondLst>
+                                        </p:cTn>
+                                        <p:tgtEl>
+                                          <p:spTgt spid="2"/>
+                                        </p:tgtEl>
+                                        <p:attrNameLst>
+                                          <p:attrName>style.visibility</p:attrName>
+                                        </p:attrNameLst>
+                                      </p:cBhvr>
+                                      <p:to>
+                                        <p:strVal val="visible"/>
+                                      </p:to>
+                                    </p:set>
+                                    <p:animEffect transition="in" filter="fade">
+                                      <p:cBhvr>
+                                        <p:cTn id="7" dur="500"/>
+                                        <p:tgtEl>
+                                          <p:spTgt spid="2"/>
+                                        </p:tgtEl>
+                                      </p:cBhvr>
+                                    </p:animEffect>
+                                  </p:childTnLst>
+                                </p:cTn>
+                              </p:par>
+                            </p:childTnLst>
+                          </p:cTn>
+                        </p:par>
+                      </p:childTnLst>
+                    </p:cTn>
+                  </p:par>
+                  <p:par>
+                    <p:cTn id="8" fill="hold">
+                      <p:stCondLst>
+                        <p:cond delay="indefinite"/>
+                      </p:stCondLst>
+                      <p:childTnLst>
+                        <p:par>
+                          <p:cTn id="9" fill="hold">
+                            <p:stCondLst>
+                              <p:cond delay="0"/>
+                            </p:stCondLst>
+                            <p:childTnLst>
+                              <p:par>
+                                <p:cTn id="10" presetID="10" presetClass="entr" presetSubtype="0" fill="hold" grpId="0" nodeType="clickEffect">
+                                  <p:stCondLst>
+                                    <p:cond delay="0"/>
+                                  </p:stCondLst>
+                                  <p:childTnLst>
+                                    <p:set>
+                                      <p:cBhvr>
+                                        <p:cTn id="11" dur="1" fill="hold">
+                                          <p:stCondLst>
+                                            <p:cond delay="0"/>
+                                          </p:stCondLst>
+                                        </p:cTn>
+                                        <p:tgtEl>
+                                          <p:spTgt spid="3">
+                                            <p:txEl>
+                                              <p:pRg st="0" end="0"/>
+                                            </p:txEl>
+                                          </p:spTgt>
+                                        </p:tgtEl>
+                                        <p:attrNameLst>
+                                          <p:attrName>style.visibility</p:attrName>
+                                        </p:attrNameLst>
+                                      </p:cBhvr>
+                                      <p:to>
+                                        <p:strVal val="visible"/>
+                                      </p:to>
+                                    </p:set>
+                                    <p:animEffect transition="in" filter="fade">
+                                      <p:cBhvr>
+                                        <p:cTn id="12" dur="500"/>
+                                        <p:tgtEl>
+                                          <p:spTgt spid="3">
+                                            <p:txEl>
+                                              <p:pRg st="0" end="0"/>
+                                            </p:txEl>
+                                          </p:spTgt>
+                                        </p:tgtEl>
+                                      </p:cBhvr>
+                                    </p:animEffect>
+                                  </p:childTnLst>
+                                </p:cTn>
+                              </p:par>
+                            </p:childTnLst>
+                          </p:cTn>
+                        </p:par>
+                      </p:childTnLst>
+                    </p:cTn>
+                  </p:par>
+                  <p:par>
+                    <p:cTn id="13" fill="hold">
+                      <p:stCondLst>
+                        <p:cond delay="indefinite"/>
+                      </p:stCondLst>
+                      <p:childTnLst>
+                        <p:par>
+                          <p:cTn id="14" fill="hold">
+                            <p:stCondLst>
+                              <p:cond delay="0"/>
+                            </p:stCondLst>
+                            <p:childTnLst>
+                              <p:par>
+                                <p:cTn id="15" presetID="10" presetClass="entr" presetSubtype="0" fill="hold" grpId="0" nodeType="clickEffect">
+                                  <p:stCondLst>
+                                    <p:cond delay="0"/>
+                                  </p:stCondLst>
+                                  <p:childTnLst>
+                                    <p:set>
+                                      <p:cBhvr>
+                                        <p:cTn id="16" dur="1" fill="hold">
+                                          <p:stCondLst>
+                                            <p:cond delay="0"/>
+                                          </p:stCondLst>
+                                        </p:cTn>
+                                        <p:tgtEl>
+                                          <p:spTgt spid="3">
+                                            <p:txEl>
+                                              <p:pRg st="2" end="2"/>
+                                            </p:txEl>
+                                          </p:spTgt>
+                                        </p:tgtEl>
+                                        <p:attrNameLst>
+                                          <p:attrName>style.visibility</p:attrName>
+                                        </p:attrNameLst>
+                                      </p:cBhvr>
+                                      <p:to>
+                                        <p:strVal val="visible"/>
+                                      </p:to>
+                                    </p:set>
+                                    <p:animEffect transition="in" filter="fade">
+                                      <p:cBhvr>
+                                        <p:cTn id="17" dur="500"/>
+                                        <p:tgtEl>
+                                          <p:spTgt spid="3">
+                                            <p:txEl>
+                                              <p:pRg st="2" end="2"/>
+                                            </p:txEl>
+                                          </p:spTgt>
+                                        </p:tgtEl>
+                                      </p:cBhvr>
+                                    </p:animEffect>
+                                  </p:childTnLst>
+                                </p:cTn>
+                              </p:par>
+                              <p:par>
+                                <p:cTn id="18" presetID="10" presetClass="entr" presetSubtype="0" fill="hold" grpId="0" nodeType="withEffect">
+                                  <p:stCondLst>
+                                    <p:cond delay="0"/>
+                                  </p:stCondLst>
+                                  <p:childTnLst>
+                                    <p:set>
+                                      <p:cBhvr>
+                                        <p:cTn id="19" dur="1" fill="hold">
+                                          <p:stCondLst>
+                                            <p:cond delay="0"/>
+                                          </p:stCondLst>
+                                        </p:cTn>
+                                        <p:tgtEl>
+                                          <p:spTgt spid="3">
+                                            <p:txEl>
+                                              <p:pRg st="3" end="3"/>
+                                            </p:txEl>
+                                          </p:spTgt>
+                                        </p:tgtEl>
+                                        <p:attrNameLst>
+                                          <p:attrName>style.visibility</p:attrName>
+                                        </p:attrNameLst>
+                                      </p:cBhvr>
+                                      <p:to>
+                                        <p:strVal val="visible"/>
+                                      </p:to>
+                                    </p:set>
+                                    <p:animEffect transition="in" filter="fade">
+                                      <p:cBhvr>
+                                        <p:cTn id="20" dur="500"/>
+                                        <p:tgtEl>
+                                          <p:spTgt spid="3">
+                                            <p:txEl>
+                                              <p:pRg st="3" end="3"/>
+                                            </p:txEl>
+                                          </p:spTgt>
+                                        </p:tgtEl>
+                                      </p:cBhvr>
+                                    </p:animEffect>
+                                  </p:childTnLst>
+                                </p:cTn>
+                              </p:par>
+                            </p:childTnLst>
+                          </p:cTn>
+                        </p:par>
+                      </p:childTnLst>
+                    </p:cTn>
+                  </p:par>
+                  <p:par>
+                    <p:cTn id="21" fill="hold">
+                      <p:stCondLst>
+                        <p:cond delay="indefinite"/>
+                      </p:stCondLst>
+                      <p:childTnLst>
+                        <p:par>
+                          <p:cTn id="22" fill="hold">
+                            <p:stCondLst>
+                              <p:cond delay="0"/>
+                            </p:stCondLst>
+                            <p:childTnLst>
+                              <p:par>
+                                <p:cTn id="23" presetID="10" presetClass="entr" presetSubtype="0" fill="hold" grpId="0" nodeType="clickEffect">
+                                  <p:stCondLst>
+                                    <p:cond delay="0"/>
+                                  </p:stCondLst>
+                                  <p:childTnLst>
+                                    <p:set>
+                                      <p:cBhvr>
+                                        <p:cTn id="24" dur="1" fill="hold">
+                                          <p:stCondLst>
+                                            <p:cond delay="0"/>
+                                          </p:stCondLst>
+                                        </p:cTn>
+                                        <p:tgtEl>
+                                          <p:spTgt spid="3">
+                                            <p:txEl>
+                                              <p:pRg st="5" end="5"/>
+                                            </p:txEl>
+                                          </p:spTgt>
+                                        </p:tgtEl>
+                                        <p:attrNameLst>
+                                          <p:attrName>style.visibility</p:attrName>
+                                        </p:attrNameLst>
+                                      </p:cBhvr>
+                                      <p:to>
+                                        <p:strVal val="visible"/>
+                                      </p:to>
+                                    </p:set>
+                                    <p:animEffect transition="in" filter="fade">
+                                      <p:cBhvr>
+                                        <p:cTn id="25" dur="500"/>
+                                        <p:tgtEl>
+                                          <p:spTgt spid="3">
+                                            <p:txEl>
+                                              <p:pRg st="5" end="5"/>
+                                            </p:txEl>
+                                          </p:spTgt>
+                                        </p:tgtEl>
+                                      </p:cBhvr>
+                                    </p:animEffect>
+                                  </p:childTnLst>
+                                </p:cTn>
+                              </p:par>
+                            </p:childTnLst>
+                          </p:cTn>
+                        </p:par>
+                      </p:childTnLst>
+                    </p:cTn>
+                  </p:par>
+                </p:childTnLst>
+              </p:cTn>
+              <p:prevCondLst>
+                <p:cond evt="onPrev" delay="0">
+                  <p:tgtEl>
+                    <p:sldTgt/>
+                  </p:tgtEl>
+                </p:cond>
+              </p:prevCondLst>
+              <p:nextCondLst>
+                <p:cond evt="onNext" delay="0">
+                  <p:tgtEl>
+                    <p:sldTgt/>
+                  </p:tgtEl>
+                </p:cond>
+              </p:nextCondLst>
+            </p:seq>
+          </p:childTnLst>
+        </p:cTn>
+      </p:par>
+    </p:tnLst>
+    <p:bldLst>
+      <p:bldP spid="2" grpId="0"/>
+      <p:bldP spid="3" grpId="0" build="p"/>
+    </p:bldLst>
+  </p:timing>
 </p:sld>
 </file>
 
@@ -7654,6 +11805,148 @@
   <p:clrMapOvr>
     <a:masterClrMapping/>
   </p:clrMapOvr>
+  <p:timing>
+    <p:tnLst>
+      <p:par>
+        <p:cTn id="1" dur="indefinite" restart="never" nodeType="tmRoot">
+          <p:childTnLst>
+            <p:seq concurrent="1" nextAc="seek">
+              <p:cTn id="2" dur="indefinite" nodeType="mainSeq">
+                <p:childTnLst>
+                  <p:par>
+                    <p:cTn id="3" fill="hold">
+                      <p:stCondLst>
+                        <p:cond delay="indefinite"/>
+                        <p:cond evt="onBegin" delay="0">
+                          <p:tn val="2"/>
+                        </p:cond>
+                      </p:stCondLst>
+                      <p:childTnLst>
+                        <p:par>
+                          <p:cTn id="4" fill="hold">
+                            <p:stCondLst>
+                              <p:cond delay="0"/>
+                            </p:stCondLst>
+                            <p:childTnLst>
+                              <p:par>
+                                <p:cTn id="5" presetID="10" presetClass="entr" presetSubtype="0" fill="hold" grpId="0" nodeType="withEffect">
+                                  <p:stCondLst>
+                                    <p:cond delay="0"/>
+                                  </p:stCondLst>
+                                  <p:childTnLst>
+                                    <p:set>
+                                      <p:cBhvr>
+                                        <p:cTn id="6" dur="1" fill="hold">
+                                          <p:stCondLst>
+                                            <p:cond delay="0"/>
+                                          </p:stCondLst>
+                                        </p:cTn>
+                                        <p:tgtEl>
+                                          <p:spTgt spid="2"/>
+                                        </p:tgtEl>
+                                        <p:attrNameLst>
+                                          <p:attrName>style.visibility</p:attrName>
+                                        </p:attrNameLst>
+                                      </p:cBhvr>
+                                      <p:to>
+                                        <p:strVal val="visible"/>
+                                      </p:to>
+                                    </p:set>
+                                    <p:animEffect transition="in" filter="fade">
+                                      <p:cBhvr>
+                                        <p:cTn id="7" dur="500"/>
+                                        <p:tgtEl>
+                                          <p:spTgt spid="2"/>
+                                        </p:tgtEl>
+                                      </p:cBhvr>
+                                    </p:animEffect>
+                                  </p:childTnLst>
+                                </p:cTn>
+                              </p:par>
+                            </p:childTnLst>
+                          </p:cTn>
+                        </p:par>
+                      </p:childTnLst>
+                    </p:cTn>
+                  </p:par>
+                  <p:par>
+                    <p:cTn id="8" fill="hold">
+                      <p:stCondLst>
+                        <p:cond delay="indefinite"/>
+                      </p:stCondLst>
+                      <p:childTnLst>
+                        <p:par>
+                          <p:cTn id="9" fill="hold">
+                            <p:stCondLst>
+                              <p:cond delay="0"/>
+                            </p:stCondLst>
+                            <p:childTnLst>
+                              <p:par>
+                                <p:cTn id="10" presetID="10" presetClass="entr" presetSubtype="0" fill="hold" nodeType="clickEffect">
+                                  <p:stCondLst>
+                                    <p:cond delay="0"/>
+                                  </p:stCondLst>
+                                  <p:childTnLst>
+                                    <p:set>
+                                      <p:cBhvr>
+                                        <p:cTn id="11" dur="1" fill="hold">
+                                          <p:stCondLst>
+                                            <p:cond delay="0"/>
+                                          </p:stCondLst>
+                                        </p:cTn>
+                                        <p:tgtEl>
+                                          <p:spTgt spid="5"/>
+                                        </p:tgtEl>
+                                        <p:attrNameLst>
+                                          <p:attrName>style.visibility</p:attrName>
+                                        </p:attrNameLst>
+                                      </p:cBhvr>
+                                      <p:to>
+                                        <p:strVal val="visible"/>
+                                      </p:to>
+                                    </p:set>
+                                    <p:animEffect transition="in" filter="fade">
+                                      <p:cBhvr>
+                                        <p:cTn id="12" dur="500"/>
+                                        <p:tgtEl>
+                                          <p:spTgt spid="5"/>
+                                        </p:tgtEl>
+                                      </p:cBhvr>
+                                    </p:animEffect>
+                                  </p:childTnLst>
+                                </p:cTn>
+                              </p:par>
+                            </p:childTnLst>
+                          </p:cTn>
+                        </p:par>
+                      </p:childTnLst>
+                    </p:cTn>
+                  </p:par>
+                </p:childTnLst>
+              </p:cTn>
+              <p:prevCondLst>
+                <p:cond evt="onPrev" delay="0">
+                  <p:tgtEl>
+                    <p:sldTgt/>
+                  </p:tgtEl>
+                </p:cond>
+              </p:prevCondLst>
+              <p:nextCondLst>
+                <p:cond evt="onNext" delay="0">
+                  <p:tgtEl>
+                    <p:sldTgt/>
+                  </p:tgtEl>
+                </p:cond>
+              </p:nextCondLst>
+            </p:seq>
+          </p:childTnLst>
+        </p:cTn>
+      </p:par>
+    </p:tnLst>
+    <p:bldLst>
+      <p:bldP spid="2" grpId="0"/>
+    </p:bldLst>
+  </p:timing>
 </p:sld>
 </file>
 
@@ -7784,6 +12077,161 @@
   <p:clrMapOvr>
     <a:masterClrMapping/>
   </p:clrMapOvr>
+  <p:timing>
+    <p:tnLst>
+      <p:par>
+        <p:cTn id="1" dur="indefinite" restart="never" nodeType="tmRoot">
+          <p:childTnLst>
+            <p:seq concurrent="1" nextAc="seek">
+              <p:cTn id="2" dur="indefinite" nodeType="mainSeq">
+                <p:childTnLst>
+                  <p:par>
+                    <p:cTn id="3" fill="hold">
+                      <p:stCondLst>
+                        <p:cond delay="indefinite"/>
+                      </p:stCondLst>
+                      <p:childTnLst>
+                        <p:par>
+                          <p:cTn id="4" fill="hold">
+                            <p:stCondLst>
+                              <p:cond delay="0"/>
+                            </p:stCondLst>
+                            <p:childTnLst>
+                              <p:par>
+                                <p:cTn id="5" presetID="10" presetClass="entr" presetSubtype="0" fill="hold" grpId="0" nodeType="clickEffect">
+                                  <p:stCondLst>
+                                    <p:cond delay="0"/>
+                                  </p:stCondLst>
+                                  <p:childTnLst>
+                                    <p:set>
+                                      <p:cBhvr>
+                                        <p:cTn id="6" dur="1" fill="hold">
+                                          <p:stCondLst>
+                                            <p:cond delay="0"/>
+                                          </p:stCondLst>
+                                        </p:cTn>
+                                        <p:tgtEl>
+                                          <p:spTgt spid="4">
+                                            <p:txEl>
+                                              <p:pRg st="0" end="0"/>
+                                            </p:txEl>
+                                          </p:spTgt>
+                                        </p:tgtEl>
+                                        <p:attrNameLst>
+                                          <p:attrName>style.visibility</p:attrName>
+                                        </p:attrNameLst>
+                                      </p:cBhvr>
+                                      <p:to>
+                                        <p:strVal val="visible"/>
+                                      </p:to>
+                                    </p:set>
+                                    <p:animEffect transition="in" filter="fade">
+                                      <p:cBhvr>
+                                        <p:cTn id="7" dur="500"/>
+                                        <p:tgtEl>
+                                          <p:spTgt spid="4">
+                                            <p:txEl>
+                                              <p:pRg st="0" end="0"/>
+                                            </p:txEl>
+                                          </p:spTgt>
+                                        </p:tgtEl>
+                                      </p:cBhvr>
+                                    </p:animEffect>
+                                  </p:childTnLst>
+                                </p:cTn>
+                              </p:par>
+                            </p:childTnLst>
+                          </p:cTn>
+                        </p:par>
+                      </p:childTnLst>
+                    </p:cTn>
+                  </p:par>
+                  <p:par>
+                    <p:cTn id="8" fill="hold">
+                      <p:stCondLst>
+                        <p:cond delay="indefinite"/>
+                      </p:stCondLst>
+                      <p:childTnLst>
+                        <p:par>
+                          <p:cTn id="9" fill="hold">
+                            <p:stCondLst>
+                              <p:cond delay="0"/>
+                            </p:stCondLst>
+                            <p:childTnLst>
+                              <p:par>
+                                <p:cTn id="10" presetID="10" presetClass="entr" presetSubtype="0" fill="hold" grpId="0" nodeType="clickEffect">
+                                  <p:stCondLst>
+                                    <p:cond delay="0"/>
+                                  </p:stCondLst>
+                                  <p:childTnLst>
+                                    <p:set>
+                                      <p:cBhvr>
+                                        <p:cTn id="11" dur="1" fill="hold">
+                                          <p:stCondLst>
+                                            <p:cond delay="0"/>
+                                          </p:stCondLst>
+                                        </p:cTn>
+                                        <p:tgtEl>
+                                          <p:spTgt spid="4">
+                                            <p:txEl>
+                                              <p:pRg st="2" end="2"/>
+                                            </p:txEl>
+                                          </p:spTgt>
+                                        </p:tgtEl>
+                                        <p:attrNameLst>
+                                          <p:attrName>style.visibility</p:attrName>
+                                        </p:attrNameLst>
+                                      </p:cBhvr>
+                                      <p:to>
+                                        <p:strVal val="visible"/>
+                                      </p:to>
+                                    </p:set>
+                                    <p:animEffect transition="in" filter="fade">
+                                      <p:cBhvr>
+                                        <p:cTn id="12" dur="500"/>
+                                        <p:tgtEl>
+                                          <p:spTgt spid="4">
+                                            <p:txEl>
+                                              <p:pRg st="2" end="2"/>
+                                            </p:txEl>
+                                          </p:spTgt>
+                                        </p:tgtEl>
+                                      </p:cBhvr>
+                                    </p:animEffect>
+                                  </p:childTnLst>
+                                </p:cTn>
+                              </p:par>
+                            </p:childTnLst>
+                          </p:cTn>
+                        </p:par>
+                      </p:childTnLst>
+                    </p:cTn>
+                  </p:par>
+                </p:childTnLst>
+              </p:cTn>
+              <p:prevCondLst>
+                <p:cond evt="onPrev" delay="0">
+                  <p:tgtEl>
+                    <p:sldTgt/>
+                  </p:tgtEl>
+                </p:cond>
+              </p:prevCondLst>
+              <p:nextCondLst>
+                <p:cond evt="onNext" delay="0">
+                  <p:tgtEl>
+                    <p:sldTgt/>
+                  </p:tgtEl>
+                </p:cond>
+              </p:nextCondLst>
+            </p:seq>
+          </p:childTnLst>
+        </p:cTn>
+      </p:par>
+    </p:tnLst>
+    <p:bldLst>
+      <p:bldP spid="4" grpId="0" build="p"/>
+    </p:bldLst>
+  </p:timing>
 </p:sld>
 </file>
 
@@ -8099,6 +12547,401 @@
   <p:clrMapOvr>
     <a:masterClrMapping/>
   </p:clrMapOvr>
+  <p:timing>
+    <p:tnLst>
+      <p:par>
+        <p:cTn id="1" dur="indefinite" restart="never" nodeType="tmRoot">
+          <p:childTnLst>
+            <p:seq concurrent="1" nextAc="seek">
+              <p:cTn id="2" dur="indefinite" nodeType="mainSeq">
+                <p:childTnLst>
+                  <p:par>
+                    <p:cTn id="3" fill="hold">
+                      <p:stCondLst>
+                        <p:cond delay="indefinite"/>
+                        <p:cond evt="onBegin" delay="0">
+                          <p:tn val="2"/>
+                        </p:cond>
+                      </p:stCondLst>
+                      <p:childTnLst>
+                        <p:par>
+                          <p:cTn id="4" fill="hold">
+                            <p:stCondLst>
+                              <p:cond delay="0"/>
+                            </p:stCondLst>
+                            <p:childTnLst>
+                              <p:par>
+                                <p:cTn id="5" presetID="10" presetClass="entr" presetSubtype="0" fill="hold" grpId="0" nodeType="withEffect">
+                                  <p:stCondLst>
+                                    <p:cond delay="0"/>
+                                  </p:stCondLst>
+                                  <p:childTnLst>
+                                    <p:set>
+                                      <p:cBhvr>
+                                        <p:cTn id="6" dur="1" fill="hold">
+                                          <p:stCondLst>
+                                            <p:cond delay="0"/>
+                                          </p:stCondLst>
+                                        </p:cTn>
+                                        <p:tgtEl>
+                                          <p:spTgt spid="2"/>
+                                        </p:tgtEl>
+                                        <p:attrNameLst>
+                                          <p:attrName>style.visibility</p:attrName>
+                                        </p:attrNameLst>
+                                      </p:cBhvr>
+                                      <p:to>
+                                        <p:strVal val="visible"/>
+                                      </p:to>
+                                    </p:set>
+                                    <p:animEffect transition="in" filter="fade">
+                                      <p:cBhvr>
+                                        <p:cTn id="7" dur="500"/>
+                                        <p:tgtEl>
+                                          <p:spTgt spid="2"/>
+                                        </p:tgtEl>
+                                      </p:cBhvr>
+                                    </p:animEffect>
+                                  </p:childTnLst>
+                                </p:cTn>
+                              </p:par>
+                            </p:childTnLst>
+                          </p:cTn>
+                        </p:par>
+                      </p:childTnLst>
+                    </p:cTn>
+                  </p:par>
+                  <p:par>
+                    <p:cTn id="8" fill="hold">
+                      <p:stCondLst>
+                        <p:cond delay="indefinite"/>
+                      </p:stCondLst>
+                      <p:childTnLst>
+                        <p:par>
+                          <p:cTn id="9" fill="hold">
+                            <p:stCondLst>
+                              <p:cond delay="0"/>
+                            </p:stCondLst>
+                            <p:childTnLst>
+                              <p:par>
+                                <p:cTn id="10" presetID="10" presetClass="entr" presetSubtype="0" fill="hold" grpId="0" nodeType="clickEffect">
+                                  <p:stCondLst>
+                                    <p:cond delay="0"/>
+                                  </p:stCondLst>
+                                  <p:childTnLst>
+                                    <p:set>
+                                      <p:cBhvr>
+                                        <p:cTn id="11" dur="1" fill="hold">
+                                          <p:stCondLst>
+                                            <p:cond delay="0"/>
+                                          </p:stCondLst>
+                                        </p:cTn>
+                                        <p:tgtEl>
+                                          <p:spTgt spid="3">
+                                            <p:txEl>
+                                              <p:pRg st="0" end="0"/>
+                                            </p:txEl>
+                                          </p:spTgt>
+                                        </p:tgtEl>
+                                        <p:attrNameLst>
+                                          <p:attrName>style.visibility</p:attrName>
+                                        </p:attrNameLst>
+                                      </p:cBhvr>
+                                      <p:to>
+                                        <p:strVal val="visible"/>
+                                      </p:to>
+                                    </p:set>
+                                    <p:animEffect transition="in" filter="fade">
+                                      <p:cBhvr>
+                                        <p:cTn id="12" dur="500"/>
+                                        <p:tgtEl>
+                                          <p:spTgt spid="3">
+                                            <p:txEl>
+                                              <p:pRg st="0" end="0"/>
+                                            </p:txEl>
+                                          </p:spTgt>
+                                        </p:tgtEl>
+                                      </p:cBhvr>
+                                    </p:animEffect>
+                                  </p:childTnLst>
+                                </p:cTn>
+                              </p:par>
+                            </p:childTnLst>
+                          </p:cTn>
+                        </p:par>
+                      </p:childTnLst>
+                    </p:cTn>
+                  </p:par>
+                  <p:par>
+                    <p:cTn id="13" fill="hold">
+                      <p:stCondLst>
+                        <p:cond delay="indefinite"/>
+                      </p:stCondLst>
+                      <p:childTnLst>
+                        <p:par>
+                          <p:cTn id="14" fill="hold">
+                            <p:stCondLst>
+                              <p:cond delay="0"/>
+                            </p:stCondLst>
+                            <p:childTnLst>
+                              <p:par>
+                                <p:cTn id="15" presetID="10" presetClass="entr" presetSubtype="0" fill="hold" grpId="0" nodeType="clickEffect">
+                                  <p:stCondLst>
+                                    <p:cond delay="0"/>
+                                  </p:stCondLst>
+                                  <p:childTnLst>
+                                    <p:set>
+                                      <p:cBhvr>
+                                        <p:cTn id="16" dur="1" fill="hold">
+                                          <p:stCondLst>
+                                            <p:cond delay="0"/>
+                                          </p:stCondLst>
+                                        </p:cTn>
+                                        <p:tgtEl>
+                                          <p:spTgt spid="3">
+                                            <p:txEl>
+                                              <p:pRg st="1" end="1"/>
+                                            </p:txEl>
+                                          </p:spTgt>
+                                        </p:tgtEl>
+                                        <p:attrNameLst>
+                                          <p:attrName>style.visibility</p:attrName>
+                                        </p:attrNameLst>
+                                      </p:cBhvr>
+                                      <p:to>
+                                        <p:strVal val="visible"/>
+                                      </p:to>
+                                    </p:set>
+                                    <p:animEffect transition="in" filter="fade">
+                                      <p:cBhvr>
+                                        <p:cTn id="17" dur="500"/>
+                                        <p:tgtEl>
+                                          <p:spTgt spid="3">
+                                            <p:txEl>
+                                              <p:pRg st="1" end="1"/>
+                                            </p:txEl>
+                                          </p:spTgt>
+                                        </p:tgtEl>
+                                      </p:cBhvr>
+                                    </p:animEffect>
+                                  </p:childTnLst>
+                                </p:cTn>
+                              </p:par>
+                            </p:childTnLst>
+                          </p:cTn>
+                        </p:par>
+                      </p:childTnLst>
+                    </p:cTn>
+                  </p:par>
+                  <p:par>
+                    <p:cTn id="18" fill="hold">
+                      <p:stCondLst>
+                        <p:cond delay="indefinite"/>
+                      </p:stCondLst>
+                      <p:childTnLst>
+                        <p:par>
+                          <p:cTn id="19" fill="hold">
+                            <p:stCondLst>
+                              <p:cond delay="0"/>
+                            </p:stCondLst>
+                            <p:childTnLst>
+                              <p:par>
+                                <p:cTn id="20" presetID="10" presetClass="entr" presetSubtype="0" fill="hold" grpId="0" nodeType="clickEffect">
+                                  <p:stCondLst>
+                                    <p:cond delay="0"/>
+                                  </p:stCondLst>
+                                  <p:childTnLst>
+                                    <p:set>
+                                      <p:cBhvr>
+                                        <p:cTn id="21" dur="1" fill="hold">
+                                          <p:stCondLst>
+                                            <p:cond delay="0"/>
+                                          </p:stCondLst>
+                                        </p:cTn>
+                                        <p:tgtEl>
+                                          <p:spTgt spid="3">
+                                            <p:txEl>
+                                              <p:pRg st="3" end="3"/>
+                                            </p:txEl>
+                                          </p:spTgt>
+                                        </p:tgtEl>
+                                        <p:attrNameLst>
+                                          <p:attrName>style.visibility</p:attrName>
+                                        </p:attrNameLst>
+                                      </p:cBhvr>
+                                      <p:to>
+                                        <p:strVal val="visible"/>
+                                      </p:to>
+                                    </p:set>
+                                    <p:animEffect transition="in" filter="fade">
+                                      <p:cBhvr>
+                                        <p:cTn id="22" dur="500"/>
+                                        <p:tgtEl>
+                                          <p:spTgt spid="3">
+                                            <p:txEl>
+                                              <p:pRg st="3" end="3"/>
+                                            </p:txEl>
+                                          </p:spTgt>
+                                        </p:tgtEl>
+                                      </p:cBhvr>
+                                    </p:animEffect>
+                                  </p:childTnLst>
+                                </p:cTn>
+                              </p:par>
+                            </p:childTnLst>
+                          </p:cTn>
+                        </p:par>
+                      </p:childTnLst>
+                    </p:cTn>
+                  </p:par>
+                  <p:par>
+                    <p:cTn id="23" fill="hold">
+                      <p:stCondLst>
+                        <p:cond delay="indefinite"/>
+                      </p:stCondLst>
+                      <p:childTnLst>
+                        <p:par>
+                          <p:cTn id="24" fill="hold">
+                            <p:stCondLst>
+                              <p:cond delay="0"/>
+                            </p:stCondLst>
+                            <p:childTnLst>
+                              <p:par>
+                                <p:cTn id="25" presetID="10" presetClass="entr" presetSubtype="0" fill="hold" grpId="0" nodeType="clickEffect">
+                                  <p:stCondLst>
+                                    <p:cond delay="0"/>
+                                  </p:stCondLst>
+                                  <p:childTnLst>
+                                    <p:set>
+                                      <p:cBhvr>
+                                        <p:cTn id="26" dur="1" fill="hold">
+                                          <p:stCondLst>
+                                            <p:cond delay="0"/>
+                                          </p:stCondLst>
+                                        </p:cTn>
+                                        <p:tgtEl>
+                                          <p:spTgt spid="3">
+                                            <p:txEl>
+                                              <p:pRg st="5" end="5"/>
+                                            </p:txEl>
+                                          </p:spTgt>
+                                        </p:tgtEl>
+                                        <p:attrNameLst>
+                                          <p:attrName>style.visibility</p:attrName>
+                                        </p:attrNameLst>
+                                      </p:cBhvr>
+                                      <p:to>
+                                        <p:strVal val="visible"/>
+                                      </p:to>
+                                    </p:set>
+                                    <p:animEffect transition="in" filter="fade">
+                                      <p:cBhvr>
+                                        <p:cTn id="27" dur="500"/>
+                                        <p:tgtEl>
+                                          <p:spTgt spid="3">
+                                            <p:txEl>
+                                              <p:pRg st="5" end="5"/>
+                                            </p:txEl>
+                                          </p:spTgt>
+                                        </p:tgtEl>
+                                      </p:cBhvr>
+                                    </p:animEffect>
+                                  </p:childTnLst>
+                                </p:cTn>
+                              </p:par>
+                            </p:childTnLst>
+                          </p:cTn>
+                        </p:par>
+                      </p:childTnLst>
+                    </p:cTn>
+                  </p:par>
+                  <p:par>
+                    <p:cTn id="28" fill="hold">
+                      <p:stCondLst>
+                        <p:cond delay="indefinite"/>
+                      </p:stCondLst>
+                      <p:childTnLst>
+                        <p:par>
+                          <p:cTn id="29" fill="hold">
+                            <p:stCondLst>
+                              <p:cond delay="0"/>
+                            </p:stCondLst>
+                            <p:childTnLst>
+                              <p:par>
+                                <p:cTn id="30" presetID="10" presetClass="entr" presetSubtype="0" fill="hold" grpId="0" nodeType="clickEffect">
+                                  <p:stCondLst>
+                                    <p:cond delay="0"/>
+                                  </p:stCondLst>
+                                  <p:childTnLst>
+                                    <p:set>
+                                      <p:cBhvr>
+                                        <p:cTn id="31" dur="1" fill="hold">
+                                          <p:stCondLst>
+                                            <p:cond delay="0"/>
+                                          </p:stCondLst>
+                                        </p:cTn>
+                                        <p:tgtEl>
+                                          <p:spTgt spid="3">
+                                            <p:txEl>
+                                              <p:pRg st="7" end="7"/>
+                                            </p:txEl>
+                                          </p:spTgt>
+                                        </p:tgtEl>
+                                        <p:attrNameLst>
+                                          <p:attrName>style.visibility</p:attrName>
+                                        </p:attrNameLst>
+                                      </p:cBhvr>
+                                      <p:to>
+                                        <p:strVal val="visible"/>
+                                      </p:to>
+                                    </p:set>
+                                    <p:animEffect transition="in" filter="fade">
+                                      <p:cBhvr>
+                                        <p:cTn id="32" dur="500"/>
+                                        <p:tgtEl>
+                                          <p:spTgt spid="3">
+                                            <p:txEl>
+                                              <p:pRg st="7" end="7"/>
+                                            </p:txEl>
+                                          </p:spTgt>
+                                        </p:tgtEl>
+                                      </p:cBhvr>
+                                    </p:animEffect>
+                                  </p:childTnLst>
+                                </p:cTn>
+                              </p:par>
+                            </p:childTnLst>
+                          </p:cTn>
+                        </p:par>
+                      </p:childTnLst>
+                    </p:cTn>
+                  </p:par>
+                </p:childTnLst>
+              </p:cTn>
+              <p:prevCondLst>
+                <p:cond evt="onPrev" delay="0">
+                  <p:tgtEl>
+                    <p:sldTgt/>
+                  </p:tgtEl>
+                </p:cond>
+              </p:prevCondLst>
+              <p:nextCondLst>
+                <p:cond evt="onNext" delay="0">
+                  <p:tgtEl>
+                    <p:sldTgt/>
+                  </p:tgtEl>
+                </p:cond>
+              </p:nextCondLst>
+            </p:seq>
+          </p:childTnLst>
+        </p:cTn>
+      </p:par>
+    </p:tnLst>
+    <p:bldLst>
+      <p:bldP spid="2" grpId="0"/>
+      <p:bldP spid="3" grpId="0" uiExpand="1" build="p"/>
+    </p:bldLst>
+  </p:timing>
 </p:sld>
 </file>
 
@@ -8379,6 +13222,401 @@
   <p:clrMapOvr>
     <a:masterClrMapping/>
   </p:clrMapOvr>
+  <p:timing>
+    <p:tnLst>
+      <p:par>
+        <p:cTn id="1" dur="indefinite" restart="never" nodeType="tmRoot">
+          <p:childTnLst>
+            <p:seq concurrent="1" nextAc="seek">
+              <p:cTn id="2" dur="indefinite" nodeType="mainSeq">
+                <p:childTnLst>
+                  <p:par>
+                    <p:cTn id="3" fill="hold">
+                      <p:stCondLst>
+                        <p:cond delay="indefinite"/>
+                        <p:cond evt="onBegin" delay="0">
+                          <p:tn val="2"/>
+                        </p:cond>
+                      </p:stCondLst>
+                      <p:childTnLst>
+                        <p:par>
+                          <p:cTn id="4" fill="hold">
+                            <p:stCondLst>
+                              <p:cond delay="0"/>
+                            </p:stCondLst>
+                            <p:childTnLst>
+                              <p:par>
+                                <p:cTn id="5" presetID="10" presetClass="entr" presetSubtype="0" fill="hold" grpId="0" nodeType="withEffect">
+                                  <p:stCondLst>
+                                    <p:cond delay="0"/>
+                                  </p:stCondLst>
+                                  <p:childTnLst>
+                                    <p:set>
+                                      <p:cBhvr>
+                                        <p:cTn id="6" dur="1" fill="hold">
+                                          <p:stCondLst>
+                                            <p:cond delay="0"/>
+                                          </p:stCondLst>
+                                        </p:cTn>
+                                        <p:tgtEl>
+                                          <p:spTgt spid="2"/>
+                                        </p:tgtEl>
+                                        <p:attrNameLst>
+                                          <p:attrName>style.visibility</p:attrName>
+                                        </p:attrNameLst>
+                                      </p:cBhvr>
+                                      <p:to>
+                                        <p:strVal val="visible"/>
+                                      </p:to>
+                                    </p:set>
+                                    <p:animEffect transition="in" filter="fade">
+                                      <p:cBhvr>
+                                        <p:cTn id="7" dur="500"/>
+                                        <p:tgtEl>
+                                          <p:spTgt spid="2"/>
+                                        </p:tgtEl>
+                                      </p:cBhvr>
+                                    </p:animEffect>
+                                  </p:childTnLst>
+                                </p:cTn>
+                              </p:par>
+                            </p:childTnLst>
+                          </p:cTn>
+                        </p:par>
+                      </p:childTnLst>
+                    </p:cTn>
+                  </p:par>
+                  <p:par>
+                    <p:cTn id="8" fill="hold">
+                      <p:stCondLst>
+                        <p:cond delay="indefinite"/>
+                      </p:stCondLst>
+                      <p:childTnLst>
+                        <p:par>
+                          <p:cTn id="9" fill="hold">
+                            <p:stCondLst>
+                              <p:cond delay="0"/>
+                            </p:stCondLst>
+                            <p:childTnLst>
+                              <p:par>
+                                <p:cTn id="10" presetID="10" presetClass="entr" presetSubtype="0" fill="hold" grpId="0" nodeType="clickEffect">
+                                  <p:stCondLst>
+                                    <p:cond delay="0"/>
+                                  </p:stCondLst>
+                                  <p:childTnLst>
+                                    <p:set>
+                                      <p:cBhvr>
+                                        <p:cTn id="11" dur="1" fill="hold">
+                                          <p:stCondLst>
+                                            <p:cond delay="0"/>
+                                          </p:stCondLst>
+                                        </p:cTn>
+                                        <p:tgtEl>
+                                          <p:spTgt spid="3">
+                                            <p:txEl>
+                                              <p:pRg st="0" end="0"/>
+                                            </p:txEl>
+                                          </p:spTgt>
+                                        </p:tgtEl>
+                                        <p:attrNameLst>
+                                          <p:attrName>style.visibility</p:attrName>
+                                        </p:attrNameLst>
+                                      </p:cBhvr>
+                                      <p:to>
+                                        <p:strVal val="visible"/>
+                                      </p:to>
+                                    </p:set>
+                                    <p:animEffect transition="in" filter="fade">
+                                      <p:cBhvr>
+                                        <p:cTn id="12" dur="500"/>
+                                        <p:tgtEl>
+                                          <p:spTgt spid="3">
+                                            <p:txEl>
+                                              <p:pRg st="0" end="0"/>
+                                            </p:txEl>
+                                          </p:spTgt>
+                                        </p:tgtEl>
+                                      </p:cBhvr>
+                                    </p:animEffect>
+                                  </p:childTnLst>
+                                </p:cTn>
+                              </p:par>
+                            </p:childTnLst>
+                          </p:cTn>
+                        </p:par>
+                      </p:childTnLst>
+                    </p:cTn>
+                  </p:par>
+                  <p:par>
+                    <p:cTn id="13" fill="hold">
+                      <p:stCondLst>
+                        <p:cond delay="indefinite"/>
+                      </p:stCondLst>
+                      <p:childTnLst>
+                        <p:par>
+                          <p:cTn id="14" fill="hold">
+                            <p:stCondLst>
+                              <p:cond delay="0"/>
+                            </p:stCondLst>
+                            <p:childTnLst>
+                              <p:par>
+                                <p:cTn id="15" presetID="10" presetClass="entr" presetSubtype="0" fill="hold" grpId="0" nodeType="clickEffect">
+                                  <p:stCondLst>
+                                    <p:cond delay="0"/>
+                                  </p:stCondLst>
+                                  <p:childTnLst>
+                                    <p:set>
+                                      <p:cBhvr>
+                                        <p:cTn id="16" dur="1" fill="hold">
+                                          <p:stCondLst>
+                                            <p:cond delay="0"/>
+                                          </p:stCondLst>
+                                        </p:cTn>
+                                        <p:tgtEl>
+                                          <p:spTgt spid="3">
+                                            <p:txEl>
+                                              <p:pRg st="2" end="2"/>
+                                            </p:txEl>
+                                          </p:spTgt>
+                                        </p:tgtEl>
+                                        <p:attrNameLst>
+                                          <p:attrName>style.visibility</p:attrName>
+                                        </p:attrNameLst>
+                                      </p:cBhvr>
+                                      <p:to>
+                                        <p:strVal val="visible"/>
+                                      </p:to>
+                                    </p:set>
+                                    <p:animEffect transition="in" filter="fade">
+                                      <p:cBhvr>
+                                        <p:cTn id="17" dur="500"/>
+                                        <p:tgtEl>
+                                          <p:spTgt spid="3">
+                                            <p:txEl>
+                                              <p:pRg st="2" end="2"/>
+                                            </p:txEl>
+                                          </p:spTgt>
+                                        </p:tgtEl>
+                                      </p:cBhvr>
+                                    </p:animEffect>
+                                  </p:childTnLst>
+                                </p:cTn>
+                              </p:par>
+                            </p:childTnLst>
+                          </p:cTn>
+                        </p:par>
+                      </p:childTnLst>
+                    </p:cTn>
+                  </p:par>
+                  <p:par>
+                    <p:cTn id="18" fill="hold">
+                      <p:stCondLst>
+                        <p:cond delay="indefinite"/>
+                      </p:stCondLst>
+                      <p:childTnLst>
+                        <p:par>
+                          <p:cTn id="19" fill="hold">
+                            <p:stCondLst>
+                              <p:cond delay="0"/>
+                            </p:stCondLst>
+                            <p:childTnLst>
+                              <p:par>
+                                <p:cTn id="20" presetID="10" presetClass="entr" presetSubtype="0" fill="hold" grpId="0" nodeType="clickEffect">
+                                  <p:stCondLst>
+                                    <p:cond delay="0"/>
+                                  </p:stCondLst>
+                                  <p:childTnLst>
+                                    <p:set>
+                                      <p:cBhvr>
+                                        <p:cTn id="21" dur="1" fill="hold">
+                                          <p:stCondLst>
+                                            <p:cond delay="0"/>
+                                          </p:stCondLst>
+                                        </p:cTn>
+                                        <p:tgtEl>
+                                          <p:spTgt spid="3">
+                                            <p:txEl>
+                                              <p:pRg st="4" end="4"/>
+                                            </p:txEl>
+                                          </p:spTgt>
+                                        </p:tgtEl>
+                                        <p:attrNameLst>
+                                          <p:attrName>style.visibility</p:attrName>
+                                        </p:attrNameLst>
+                                      </p:cBhvr>
+                                      <p:to>
+                                        <p:strVal val="visible"/>
+                                      </p:to>
+                                    </p:set>
+                                    <p:animEffect transition="in" filter="fade">
+                                      <p:cBhvr>
+                                        <p:cTn id="22" dur="500"/>
+                                        <p:tgtEl>
+                                          <p:spTgt spid="3">
+                                            <p:txEl>
+                                              <p:pRg st="4" end="4"/>
+                                            </p:txEl>
+                                          </p:spTgt>
+                                        </p:tgtEl>
+                                      </p:cBhvr>
+                                    </p:animEffect>
+                                  </p:childTnLst>
+                                </p:cTn>
+                              </p:par>
+                            </p:childTnLst>
+                          </p:cTn>
+                        </p:par>
+                      </p:childTnLst>
+                    </p:cTn>
+                  </p:par>
+                  <p:par>
+                    <p:cTn id="23" fill="hold">
+                      <p:stCondLst>
+                        <p:cond delay="indefinite"/>
+                      </p:stCondLst>
+                      <p:childTnLst>
+                        <p:par>
+                          <p:cTn id="24" fill="hold">
+                            <p:stCondLst>
+                              <p:cond delay="0"/>
+                            </p:stCondLst>
+                            <p:childTnLst>
+                              <p:par>
+                                <p:cTn id="25" presetID="10" presetClass="entr" presetSubtype="0" fill="hold" grpId="0" nodeType="clickEffect">
+                                  <p:stCondLst>
+                                    <p:cond delay="0"/>
+                                  </p:stCondLst>
+                                  <p:childTnLst>
+                                    <p:set>
+                                      <p:cBhvr>
+                                        <p:cTn id="26" dur="1" fill="hold">
+                                          <p:stCondLst>
+                                            <p:cond delay="0"/>
+                                          </p:stCondLst>
+                                        </p:cTn>
+                                        <p:tgtEl>
+                                          <p:spTgt spid="3">
+                                            <p:txEl>
+                                              <p:pRg st="6" end="6"/>
+                                            </p:txEl>
+                                          </p:spTgt>
+                                        </p:tgtEl>
+                                        <p:attrNameLst>
+                                          <p:attrName>style.visibility</p:attrName>
+                                        </p:attrNameLst>
+                                      </p:cBhvr>
+                                      <p:to>
+                                        <p:strVal val="visible"/>
+                                      </p:to>
+                                    </p:set>
+                                    <p:animEffect transition="in" filter="fade">
+                                      <p:cBhvr>
+                                        <p:cTn id="27" dur="500"/>
+                                        <p:tgtEl>
+                                          <p:spTgt spid="3">
+                                            <p:txEl>
+                                              <p:pRg st="6" end="6"/>
+                                            </p:txEl>
+                                          </p:spTgt>
+                                        </p:tgtEl>
+                                      </p:cBhvr>
+                                    </p:animEffect>
+                                  </p:childTnLst>
+                                </p:cTn>
+                              </p:par>
+                            </p:childTnLst>
+                          </p:cTn>
+                        </p:par>
+                      </p:childTnLst>
+                    </p:cTn>
+                  </p:par>
+                  <p:par>
+                    <p:cTn id="28" fill="hold">
+                      <p:stCondLst>
+                        <p:cond delay="indefinite"/>
+                      </p:stCondLst>
+                      <p:childTnLst>
+                        <p:par>
+                          <p:cTn id="29" fill="hold">
+                            <p:stCondLst>
+                              <p:cond delay="0"/>
+                            </p:stCondLst>
+                            <p:childTnLst>
+                              <p:par>
+                                <p:cTn id="30" presetID="10" presetClass="entr" presetSubtype="0" fill="hold" grpId="0" nodeType="clickEffect">
+                                  <p:stCondLst>
+                                    <p:cond delay="0"/>
+                                  </p:stCondLst>
+                                  <p:childTnLst>
+                                    <p:set>
+                                      <p:cBhvr>
+                                        <p:cTn id="31" dur="1" fill="hold">
+                                          <p:stCondLst>
+                                            <p:cond delay="0"/>
+                                          </p:stCondLst>
+                                        </p:cTn>
+                                        <p:tgtEl>
+                                          <p:spTgt spid="3">
+                                            <p:txEl>
+                                              <p:pRg st="8" end="8"/>
+                                            </p:txEl>
+                                          </p:spTgt>
+                                        </p:tgtEl>
+                                        <p:attrNameLst>
+                                          <p:attrName>style.visibility</p:attrName>
+                                        </p:attrNameLst>
+                                      </p:cBhvr>
+                                      <p:to>
+                                        <p:strVal val="visible"/>
+                                      </p:to>
+                                    </p:set>
+                                    <p:animEffect transition="in" filter="fade">
+                                      <p:cBhvr>
+                                        <p:cTn id="32" dur="500"/>
+                                        <p:tgtEl>
+                                          <p:spTgt spid="3">
+                                            <p:txEl>
+                                              <p:pRg st="8" end="8"/>
+                                            </p:txEl>
+                                          </p:spTgt>
+                                        </p:tgtEl>
+                                      </p:cBhvr>
+                                    </p:animEffect>
+                                  </p:childTnLst>
+                                </p:cTn>
+                              </p:par>
+                            </p:childTnLst>
+                          </p:cTn>
+                        </p:par>
+                      </p:childTnLst>
+                    </p:cTn>
+                  </p:par>
+                </p:childTnLst>
+              </p:cTn>
+              <p:prevCondLst>
+                <p:cond evt="onPrev" delay="0">
+                  <p:tgtEl>
+                    <p:sldTgt/>
+                  </p:tgtEl>
+                </p:cond>
+              </p:prevCondLst>
+              <p:nextCondLst>
+                <p:cond evt="onNext" delay="0">
+                  <p:tgtEl>
+                    <p:sldTgt/>
+                  </p:tgtEl>
+                </p:cond>
+              </p:nextCondLst>
+            </p:seq>
+          </p:childTnLst>
+        </p:cTn>
+      </p:par>
+    </p:tnLst>
+    <p:bldLst>
+      <p:bldP spid="2" grpId="0"/>
+      <p:bldP spid="3" grpId="0" build="p"/>
+    </p:bldLst>
+  </p:timing>
 </p:sld>
 </file>
 
@@ -8589,78 +13827,7 @@
               <a:rPr lang="fr-CH" dirty="0" err="1"/>
               <a:t>with</a:t>
             </a:r>
-            <a:endParaRPr lang="en-US" dirty="0"/>
-          </a:p>
-          <a:p>
             <a:endParaRPr lang="fr-CH" dirty="0"/>
-          </a:p>
-          <a:p>
-            <a:r>
-              <a:rPr lang="fr-CH" dirty="0" err="1"/>
-              <a:t>testing</a:t>
-            </a:r>
-            <a:r>
-              <a:rPr lang="fr-CH" dirty="0"/>
-              <a:t>! </a:t>
-            </a:r>
-            <a:r>
-              <a:rPr lang="fr-CH" dirty="0" err="1"/>
-              <a:t>it</a:t>
-            </a:r>
-            <a:r>
-              <a:rPr lang="fr-CH" dirty="0"/>
-              <a:t> </a:t>
-            </a:r>
-            <a:r>
-              <a:rPr lang="fr-CH" dirty="0" err="1"/>
-              <a:t>exists</a:t>
-            </a:r>
-            <a:endParaRPr lang="fr-CH" dirty="0"/>
-          </a:p>
-          <a:p>
-            <a:endParaRPr lang="fr-CH" dirty="0"/>
-          </a:p>
-          <a:p>
-            <a:r>
-              <a:rPr lang="fr-CH" dirty="0" err="1"/>
-              <a:t>rated</a:t>
-            </a:r>
-            <a:r>
-              <a:rPr lang="fr-CH" dirty="0"/>
-              <a:t> top </a:t>
-            </a:r>
-            <a:r>
-              <a:rPr lang="fr-CH" dirty="0" err="1"/>
-              <a:t>language</a:t>
-            </a:r>
-            <a:r>
-              <a:rPr lang="fr-CH" dirty="0"/>
-              <a:t> to </a:t>
-            </a:r>
-            <a:r>
-              <a:rPr lang="fr-CH" dirty="0" err="1"/>
-              <a:t>build</a:t>
-            </a:r>
-            <a:r>
-              <a:rPr lang="fr-CH" dirty="0"/>
-              <a:t> an API </a:t>
-            </a:r>
-            <a:r>
-              <a:rPr lang="fr-CH" dirty="0" err="1"/>
-              <a:t>with</a:t>
-            </a:r>
-            <a:r>
-              <a:rPr lang="fr-CH" dirty="0"/>
-              <a:t> (not </a:t>
-            </a:r>
-            <a:r>
-              <a:rPr lang="fr-CH" dirty="0" err="1"/>
-              <a:t>really</a:t>
-            </a:r>
-            <a:r>
-              <a:rPr lang="fr-CH" dirty="0"/>
-              <a:t>)</a:t>
-            </a:r>
           </a:p>
         </p:txBody>
       </p:sp>
@@ -8674,6 +13841,222 @@
   <p:clrMapOvr>
     <a:masterClrMapping/>
   </p:clrMapOvr>
+  <p:timing>
+    <p:tnLst>
+      <p:par>
+        <p:cTn id="1" dur="indefinite" restart="never" nodeType="tmRoot">
+          <p:childTnLst>
+            <p:seq concurrent="1" nextAc="seek">
+              <p:cTn id="2" dur="indefinite" nodeType="mainSeq">
+                <p:childTnLst>
+                  <p:par>
+                    <p:cTn id="3" fill="hold">
+                      <p:stCondLst>
+                        <p:cond delay="indefinite"/>
+                      </p:stCondLst>
+                      <p:childTnLst>
+                        <p:par>
+                          <p:cTn id="4" fill="hold">
+                            <p:stCondLst>
+                              <p:cond delay="0"/>
+                            </p:stCondLst>
+                            <p:childTnLst>
+                              <p:par>
+                                <p:cTn id="5" presetID="10" presetClass="entr" presetSubtype="0" fill="hold" grpId="0" nodeType="clickEffect">
+                                  <p:stCondLst>
+                                    <p:cond delay="0"/>
+                                  </p:stCondLst>
+                                  <p:childTnLst>
+                                    <p:set>
+                                      <p:cBhvr>
+                                        <p:cTn id="6" dur="1" fill="hold">
+                                          <p:stCondLst>
+                                            <p:cond delay="0"/>
+                                          </p:stCondLst>
+                                        </p:cTn>
+                                        <p:tgtEl>
+                                          <p:spTgt spid="3">
+                                            <p:txEl>
+                                              <p:pRg st="0" end="0"/>
+                                            </p:txEl>
+                                          </p:spTgt>
+                                        </p:tgtEl>
+                                        <p:attrNameLst>
+                                          <p:attrName>style.visibility</p:attrName>
+                                        </p:attrNameLst>
+                                      </p:cBhvr>
+                                      <p:to>
+                                        <p:strVal val="visible"/>
+                                      </p:to>
+                                    </p:set>
+                                    <p:animEffect transition="in" filter="fade">
+                                      <p:cBhvr>
+                                        <p:cTn id="7" dur="500"/>
+                                        <p:tgtEl>
+                                          <p:spTgt spid="3">
+                                            <p:txEl>
+                                              <p:pRg st="0" end="0"/>
+                                            </p:txEl>
+                                          </p:spTgt>
+                                        </p:tgtEl>
+                                      </p:cBhvr>
+                                    </p:animEffect>
+                                  </p:childTnLst>
+                                </p:cTn>
+                              </p:par>
+                            </p:childTnLst>
+                          </p:cTn>
+                        </p:par>
+                      </p:childTnLst>
+                    </p:cTn>
+                  </p:par>
+                  <p:par>
+                    <p:cTn id="8" fill="hold">
+                      <p:stCondLst>
+                        <p:cond delay="indefinite"/>
+                      </p:stCondLst>
+                      <p:childTnLst>
+                        <p:par>
+                          <p:cTn id="9" fill="hold">
+                            <p:stCondLst>
+                              <p:cond delay="0"/>
+                            </p:stCondLst>
+                            <p:childTnLst>
+                              <p:par>
+                                <p:cTn id="10" presetID="10" presetClass="entr" presetSubtype="0" fill="hold" grpId="0" nodeType="clickEffect">
+                                  <p:stCondLst>
+                                    <p:cond delay="0"/>
+                                  </p:stCondLst>
+                                  <p:childTnLst>
+                                    <p:set>
+                                      <p:cBhvr>
+                                        <p:cTn id="11" dur="1" fill="hold">
+                                          <p:stCondLst>
+                                            <p:cond delay="0"/>
+                                          </p:stCondLst>
+                                        </p:cTn>
+                                        <p:tgtEl>
+                                          <p:spTgt spid="3">
+                                            <p:txEl>
+                                              <p:pRg st="1" end="1"/>
+                                            </p:txEl>
+                                          </p:spTgt>
+                                        </p:tgtEl>
+                                        <p:attrNameLst>
+                                          <p:attrName>style.visibility</p:attrName>
+                                        </p:attrNameLst>
+                                      </p:cBhvr>
+                                      <p:to>
+                                        <p:strVal val="visible"/>
+                                      </p:to>
+                                    </p:set>
+                                    <p:animEffect transition="in" filter="fade">
+                                      <p:cBhvr>
+                                        <p:cTn id="12" dur="500"/>
+                                        <p:tgtEl>
+                                          <p:spTgt spid="3">
+                                            <p:txEl>
+                                              <p:pRg st="1" end="1"/>
+                                            </p:txEl>
+                                          </p:spTgt>
+                                        </p:tgtEl>
+                                      </p:cBhvr>
+                                    </p:animEffect>
+                                  </p:childTnLst>
+                                </p:cTn>
+                              </p:par>
+                            </p:childTnLst>
+                          </p:cTn>
+                        </p:par>
+                      </p:childTnLst>
+                    </p:cTn>
+                  </p:par>
+                  <p:par>
+                    <p:cTn id="13" fill="hold">
+                      <p:stCondLst>
+                        <p:cond delay="indefinite"/>
+                      </p:stCondLst>
+                      <p:childTnLst>
+                        <p:par>
+                          <p:cTn id="14" fill="hold">
+                            <p:stCondLst>
+                              <p:cond delay="0"/>
+                            </p:stCondLst>
+                            <p:childTnLst>
+                              <p:par>
+                                <p:cTn id="15" presetID="10" presetClass="entr" presetSubtype="0" fill="hold" grpId="0" nodeType="clickEffect">
+                                  <p:stCondLst>
+                                    <p:cond delay="0"/>
+                                  </p:stCondLst>
+                                  <p:childTnLst>
+                                    <p:set>
+                                      <p:cBhvr>
+                                        <p:cTn id="16" dur="1" fill="hold">
+                                          <p:stCondLst>
+                                            <p:cond delay="0"/>
+                                          </p:stCondLst>
+                                        </p:cTn>
+                                        <p:tgtEl>
+                                          <p:spTgt spid="3">
+                                            <p:txEl>
+                                              <p:pRg st="3" end="3"/>
+                                            </p:txEl>
+                                          </p:spTgt>
+                                        </p:tgtEl>
+                                        <p:attrNameLst>
+                                          <p:attrName>style.visibility</p:attrName>
+                                        </p:attrNameLst>
+                                      </p:cBhvr>
+                                      <p:to>
+                                        <p:strVal val="visible"/>
+                                      </p:to>
+                                    </p:set>
+                                    <p:animEffect transition="in" filter="fade">
+                                      <p:cBhvr>
+                                        <p:cTn id="17" dur="500"/>
+                                        <p:tgtEl>
+                                          <p:spTgt spid="3">
+                                            <p:txEl>
+                                              <p:pRg st="3" end="3"/>
+                                            </p:txEl>
+                                          </p:spTgt>
+                                        </p:tgtEl>
+                                      </p:cBhvr>
+                                    </p:animEffect>
+                                  </p:childTnLst>
+                                </p:cTn>
+                              </p:par>
+                            </p:childTnLst>
+                          </p:cTn>
+                        </p:par>
+                      </p:childTnLst>
+                    </p:cTn>
+                  </p:par>
+                </p:childTnLst>
+              </p:cTn>
+              <p:prevCondLst>
+                <p:cond evt="onPrev" delay="0">
+                  <p:tgtEl>
+                    <p:sldTgt/>
+                  </p:tgtEl>
+                </p:cond>
+              </p:prevCondLst>
+              <p:nextCondLst>
+                <p:cond evt="onNext" delay="0">
+                  <p:tgtEl>
+                    <p:sldTgt/>
+                  </p:tgtEl>
+                </p:cond>
+              </p:nextCondLst>
+            </p:seq>
+          </p:childTnLst>
+        </p:cTn>
+      </p:par>
+    </p:tnLst>
+    <p:bldLst>
+      <p:bldP spid="3" grpId="0" uiExpand="1" build="p"/>
+    </p:bldLst>
+  </p:timing>
 </p:sld>
 </file>
 
@@ -8683,7 +14066,7 @@
     <p:bg>
       <p:bgPr>
         <a:blipFill dpi="0" rotWithShape="1">
-          <a:blip r:embed="rId3">
+          <a:blip r:embed="rId2">
             <a:lum/>
           </a:blip>
           <a:srcRect/>
@@ -8731,7 +14114,7 @@
           <a:p>
             <a:r>
               <a:rPr lang="fr-CH" dirty="0"/>
-              <a:t>#php</a:t>
+              <a:t>#python</a:t>
             </a:r>
             <a:endParaRPr lang="en-CH" dirty="0"/>
           </a:p>
@@ -8739,10 +14122,10 @@
       </p:sp>
       <p:sp>
         <p:nvSpPr>
-          <p:cNvPr id="3" name="Content Placeholder 2">
+          <p:cNvPr id="5" name="Content Placeholder 4">
             <a:extLst>
               <a:ext uri="{FF2B5EF4-FFF2-40B4-BE49-F238E27FC236}">
-                <a16:creationId xmlns:a16="http://schemas.microsoft.com/office/drawing/2014/main" id="{ABEE0020-AAEB-A3F1-C14B-C3E9BEEF1B16}"/>
+                <a16:creationId xmlns:a16="http://schemas.microsoft.com/office/drawing/2014/main" id="{8CE2BECF-2A6C-4C08-BAE6-9B09416ABDFB}"/>
               </a:ext>
             </a:extLst>
           </p:cNvPr>
@@ -8753,120 +14136,608 @@
             <p:ph idx="1"/>
           </p:nvPr>
         </p:nvSpPr>
-        <p:spPr/>
+        <p:spPr>
+          <a:xfrm>
+            <a:off x="838200" y="2331305"/>
+            <a:ext cx="10515600" cy="2195390"/>
+          </a:xfrm>
+          <a:solidFill>
+            <a:schemeClr val="tx1"/>
+          </a:solidFill>
+        </p:spPr>
         <p:txBody>
           <a:bodyPr/>
           <a:lstStyle/>
           <a:p>
-            <a:r>
-              <a:rPr lang="en-US" dirty="0"/>
-              <a:t>the easiest language to hate</a:t>
-            </a:r>
-          </a:p>
-          <a:p>
-            <a:endParaRPr lang="en-US" dirty="0"/>
-          </a:p>
-          <a:p>
-            <a:r>
-              <a:rPr lang="en-US" dirty="0"/>
-              <a:t>untyped by default</a:t>
-            </a:r>
-          </a:p>
-          <a:p>
-            <a:endParaRPr lang="en-US" dirty="0"/>
-          </a:p>
-          <a:p>
-            <a:r>
-              <a:rPr lang="en-US" dirty="0"/>
-              <a:t>effectively three semantics in a </a:t>
-            </a:r>
-            <a:r>
-              <a:rPr lang="en-US" dirty="0" err="1"/>
-              <a:t>trenchcoat</a:t>
-            </a:r>
-            <a:endParaRPr lang="en-US" dirty="0"/>
-          </a:p>
-          <a:p>
-            <a:pPr lvl="1"/>
-            <a:r>
-              <a:rPr lang="en-US" dirty="0" err="1"/>
-              <a:t>getenv</a:t>
-            </a:r>
-            <a:endParaRPr lang="en-US" dirty="0"/>
-          </a:p>
-          <a:p>
-            <a:pPr lvl="1"/>
-            <a:r>
-              <a:rPr lang="en-US" dirty="0" err="1"/>
-              <a:t>file_get_contents</a:t>
-            </a:r>
-            <a:endParaRPr lang="en-US" dirty="0"/>
-          </a:p>
-          <a:p>
-            <a:pPr lvl="1"/>
-            <a:r>
-              <a:rPr lang="en-GB" b="0" i="0" dirty="0" err="1">
-                <a:solidFill>
-                  <a:srgbClr val="1C1C1C"/>
-                </a:solidFill>
-                <a:effectLst/>
-                <a:latin typeface="Noto Mono"/>
-              </a:rPr>
-              <a:t>Zend_Service_ReCaptcha</a:t>
-            </a:r>
-            <a:endParaRPr lang="en-US" dirty="0"/>
-          </a:p>
-          <a:p>
             <a:pPr marL="0" indent="0">
               <a:buNone/>
             </a:pPr>
-            <a:endParaRPr lang="en-US" dirty="0"/>
-          </a:p>
-          <a:p>
-            <a:endParaRPr lang="fr-CH" dirty="0"/>
+            <a:r>
+              <a:rPr lang="en-GB" b="0" dirty="0">
+                <a:solidFill>
+                  <a:srgbClr val="FEDE5D"/>
+                </a:solidFill>
+                <a:effectLst/>
+                <a:latin typeface="Consolas" panose="020B0609020204030204" pitchFamily="49" charset="0"/>
+              </a:rPr>
+              <a:t>return</a:t>
+            </a:r>
+            <a:r>
+              <a:rPr lang="en-GB" b="0" dirty="0">
+                <a:solidFill>
+                  <a:srgbClr val="FF7EDB"/>
+                </a:solidFill>
+                <a:effectLst/>
+                <a:latin typeface="Consolas" panose="020B0609020204030204" pitchFamily="49" charset="0"/>
+              </a:rPr>
+              <a:t> [[</a:t>
+            </a:r>
+            <a:r>
+              <a:rPr lang="en-GB" b="0" dirty="0">
+                <a:solidFill>
+                  <a:srgbClr val="EB11FF"/>
+                </a:solidFill>
+                <a:effectLst/>
+                <a:latin typeface="Consolas" panose="020B0609020204030204" pitchFamily="49" charset="0"/>
+              </a:rPr>
+              <a:t>reduce</a:t>
+            </a:r>
+            <a:r>
+              <a:rPr lang="en-GB" b="0" dirty="0">
+                <a:solidFill>
+                  <a:srgbClr val="FF7EDB"/>
+                </a:solidFill>
+                <a:effectLst/>
+                <a:latin typeface="Consolas" panose="020B0609020204030204" pitchFamily="49" charset="0"/>
+              </a:rPr>
+              <a:t>(</a:t>
+            </a:r>
+            <a:r>
+              <a:rPr lang="en-GB" b="0" dirty="0">
+                <a:solidFill>
+                  <a:srgbClr val="FEDE5D"/>
+                </a:solidFill>
+                <a:effectLst/>
+                <a:latin typeface="Consolas" panose="020B0609020204030204" pitchFamily="49" charset="0"/>
+              </a:rPr>
+              <a:t>lambda</a:t>
+            </a:r>
+            <a:r>
+              <a:rPr lang="en-GB" b="0" dirty="0">
+                <a:solidFill>
+                  <a:srgbClr val="FF7EDB"/>
+                </a:solidFill>
+                <a:effectLst/>
+                <a:latin typeface="Consolas" panose="020B0609020204030204" pitchFamily="49" charset="0"/>
+              </a:rPr>
+              <a:t> </a:t>
+            </a:r>
+            <a:r>
+              <a:rPr lang="en-GB" b="0" i="1" dirty="0">
+                <a:solidFill>
+                  <a:srgbClr val="EB11FF"/>
+                </a:solidFill>
+                <a:effectLst/>
+                <a:latin typeface="Consolas" panose="020B0609020204030204" pitchFamily="49" charset="0"/>
+              </a:rPr>
+              <a:t>x</a:t>
+            </a:r>
+            <a:r>
+              <a:rPr lang="en-GB" b="0" dirty="0">
+                <a:solidFill>
+                  <a:srgbClr val="FF7EDB"/>
+                </a:solidFill>
+                <a:effectLst/>
+                <a:latin typeface="Consolas" panose="020B0609020204030204" pitchFamily="49" charset="0"/>
+              </a:rPr>
+              <a:t>, </a:t>
+            </a:r>
+            <a:r>
+              <a:rPr lang="en-GB" b="0" i="1" dirty="0">
+                <a:solidFill>
+                  <a:srgbClr val="EB11FF"/>
+                </a:solidFill>
+                <a:effectLst/>
+                <a:latin typeface="Consolas" panose="020B0609020204030204" pitchFamily="49" charset="0"/>
+              </a:rPr>
+              <a:t>y</a:t>
+            </a:r>
+            <a:r>
+              <a:rPr lang="en-GB" b="0" dirty="0">
+                <a:solidFill>
+                  <a:srgbClr val="FF7EDB"/>
+                </a:solidFill>
+                <a:effectLst/>
+                <a:latin typeface="Consolas" panose="020B0609020204030204" pitchFamily="49" charset="0"/>
+              </a:rPr>
+              <a:t>: x </a:t>
+            </a:r>
+            <a:r>
+              <a:rPr lang="en-GB" b="0" dirty="0">
+                <a:solidFill>
+                  <a:srgbClr val="FEDE5D"/>
+                </a:solidFill>
+                <a:effectLst/>
+                <a:latin typeface="Consolas" panose="020B0609020204030204" pitchFamily="49" charset="0"/>
+              </a:rPr>
+              <a:t>^</a:t>
+            </a:r>
+            <a:r>
+              <a:rPr lang="en-GB" b="0" dirty="0">
+                <a:solidFill>
+                  <a:srgbClr val="FF7EDB"/>
+                </a:solidFill>
+                <a:effectLst/>
+                <a:latin typeface="Consolas" panose="020B0609020204030204" pitchFamily="49" charset="0"/>
+              </a:rPr>
+              <a:t> y, [</a:t>
+            </a:r>
+            <a:r>
+              <a:rPr lang="en-GB" b="0" dirty="0">
+                <a:solidFill>
+                  <a:srgbClr val="36F9F6"/>
+                </a:solidFill>
+                <a:effectLst/>
+                <a:latin typeface="Consolas" panose="020B0609020204030204" pitchFamily="49" charset="0"/>
+              </a:rPr>
+              <a:t>gf_multiplication_7</a:t>
+            </a:r>
+            <a:r>
+              <a:rPr lang="en-GB" b="0" dirty="0">
+                <a:solidFill>
+                  <a:srgbClr val="FF7EDB"/>
+                </a:solidFill>
+                <a:effectLst/>
+                <a:latin typeface="Consolas" panose="020B0609020204030204" pitchFamily="49" charset="0"/>
+              </a:rPr>
+              <a:t>(a, b) </a:t>
+            </a:r>
+            <a:r>
+              <a:rPr lang="en-GB" b="0" dirty="0">
+                <a:solidFill>
+                  <a:srgbClr val="FEDE5D"/>
+                </a:solidFill>
+                <a:effectLst/>
+                <a:latin typeface="Consolas" panose="020B0609020204030204" pitchFamily="49" charset="0"/>
+              </a:rPr>
+              <a:t>for</a:t>
+            </a:r>
+            <a:r>
+              <a:rPr lang="en-GB" b="0" dirty="0">
+                <a:solidFill>
+                  <a:srgbClr val="FF7EDB"/>
+                </a:solidFill>
+                <a:effectLst/>
+                <a:latin typeface="Consolas" panose="020B0609020204030204" pitchFamily="49" charset="0"/>
+              </a:rPr>
+              <a:t> a, b </a:t>
+            </a:r>
+            <a:r>
+              <a:rPr lang="en-GB" b="0" dirty="0">
+                <a:solidFill>
+                  <a:srgbClr val="FEDE5D"/>
+                </a:solidFill>
+                <a:effectLst/>
+                <a:latin typeface="Consolas" panose="020B0609020204030204" pitchFamily="49" charset="0"/>
+              </a:rPr>
+              <a:t>in</a:t>
+            </a:r>
+            <a:r>
+              <a:rPr lang="en-GB" b="0" dirty="0">
+                <a:solidFill>
+                  <a:srgbClr val="FF7EDB"/>
+                </a:solidFill>
+                <a:effectLst/>
+                <a:latin typeface="Consolas" panose="020B0609020204030204" pitchFamily="49" charset="0"/>
+              </a:rPr>
+              <a:t> </a:t>
+            </a:r>
+            <a:r>
+              <a:rPr lang="en-GB" b="0" dirty="0">
+                <a:solidFill>
+                  <a:srgbClr val="36F9F6"/>
+                </a:solidFill>
+                <a:effectLst/>
+                <a:latin typeface="Consolas" panose="020B0609020204030204" pitchFamily="49" charset="0"/>
+              </a:rPr>
+              <a:t>zip</a:t>
+            </a:r>
+            <a:r>
+              <a:rPr lang="en-GB" b="0" dirty="0">
+                <a:solidFill>
+                  <a:srgbClr val="FF7EDB"/>
+                </a:solidFill>
+                <a:effectLst/>
+                <a:latin typeface="Consolas" panose="020B0609020204030204" pitchFamily="49" charset="0"/>
+              </a:rPr>
+              <a:t>(</a:t>
+            </a:r>
+            <a:r>
+              <a:rPr lang="en-GB" b="0" dirty="0" err="1">
+                <a:solidFill>
+                  <a:srgbClr val="FF7EDB"/>
+                </a:solidFill>
+                <a:effectLst/>
+                <a:latin typeface="Consolas" panose="020B0609020204030204" pitchFamily="49" charset="0"/>
+              </a:rPr>
+              <a:t>fixed_matrix</a:t>
+            </a:r>
+            <a:r>
+              <a:rPr lang="en-GB" b="0" dirty="0">
+                <a:solidFill>
+                  <a:srgbClr val="FF7EDB"/>
+                </a:solidFill>
+                <a:effectLst/>
+                <a:latin typeface="Consolas" panose="020B0609020204030204" pitchFamily="49" charset="0"/>
+              </a:rPr>
+              <a:t>[</a:t>
+            </a:r>
+            <a:r>
+              <a:rPr lang="en-GB" b="0" dirty="0" err="1">
+                <a:solidFill>
+                  <a:srgbClr val="FF7EDB"/>
+                </a:solidFill>
+                <a:effectLst/>
+                <a:latin typeface="Consolas" panose="020B0609020204030204" pitchFamily="49" charset="0"/>
+              </a:rPr>
+              <a:t>i</a:t>
+            </a:r>
+            <a:r>
+              <a:rPr lang="en-GB" b="0" dirty="0">
+                <a:solidFill>
+                  <a:srgbClr val="FF7EDB"/>
+                </a:solidFill>
+                <a:effectLst/>
+                <a:latin typeface="Consolas" panose="020B0609020204030204" pitchFamily="49" charset="0"/>
+              </a:rPr>
+              <a:t>], </a:t>
+            </a:r>
+            <a:r>
+              <a:rPr lang="en-GB" b="0" dirty="0" err="1">
+                <a:solidFill>
+                  <a:srgbClr val="36F9F6"/>
+                </a:solidFill>
+                <a:effectLst/>
+                <a:latin typeface="Consolas" panose="020B0609020204030204" pitchFamily="49" charset="0"/>
+              </a:rPr>
+              <a:t>transpose_square_matrix</a:t>
+            </a:r>
+            <a:r>
+              <a:rPr lang="en-GB" b="0" dirty="0">
+                <a:solidFill>
+                  <a:srgbClr val="FF7EDB"/>
+                </a:solidFill>
+                <a:effectLst/>
+                <a:latin typeface="Consolas" panose="020B0609020204030204" pitchFamily="49" charset="0"/>
+              </a:rPr>
+              <a:t>(</a:t>
+            </a:r>
+            <a:r>
+              <a:rPr lang="en-GB" b="0" i="1" dirty="0">
+                <a:solidFill>
+                  <a:srgbClr val="72F1B8"/>
+                </a:solidFill>
+                <a:effectLst/>
+                <a:latin typeface="Consolas" panose="020B0609020204030204" pitchFamily="49" charset="0"/>
+              </a:rPr>
+              <a:t>matrix</a:t>
+            </a:r>
+            <a:r>
+              <a:rPr lang="en-GB" b="0" dirty="0">
+                <a:solidFill>
+                  <a:srgbClr val="FFFFFF"/>
+                </a:solidFill>
+                <a:effectLst/>
+                <a:latin typeface="Consolas" panose="020B0609020204030204" pitchFamily="49" charset="0"/>
+              </a:rPr>
+              <a:t>=</a:t>
+            </a:r>
+            <a:r>
+              <a:rPr lang="en-GB" b="0" dirty="0">
+                <a:solidFill>
+                  <a:srgbClr val="FF7EDB"/>
+                </a:solidFill>
+                <a:effectLst/>
+                <a:latin typeface="Consolas" panose="020B0609020204030204" pitchFamily="49" charset="0"/>
+              </a:rPr>
+              <a:t>matrix)[j])]) </a:t>
+            </a:r>
+            <a:r>
+              <a:rPr lang="en-GB" b="0" dirty="0">
+                <a:solidFill>
+                  <a:srgbClr val="FEDE5D"/>
+                </a:solidFill>
+                <a:effectLst/>
+                <a:latin typeface="Consolas" panose="020B0609020204030204" pitchFamily="49" charset="0"/>
+              </a:rPr>
+              <a:t>for</a:t>
+            </a:r>
+            <a:r>
+              <a:rPr lang="en-GB" b="0" dirty="0">
+                <a:solidFill>
+                  <a:srgbClr val="FF7EDB"/>
+                </a:solidFill>
+                <a:effectLst/>
+                <a:latin typeface="Consolas" panose="020B0609020204030204" pitchFamily="49" charset="0"/>
+              </a:rPr>
+              <a:t> j </a:t>
+            </a:r>
+            <a:r>
+              <a:rPr lang="en-GB" b="0" dirty="0">
+                <a:solidFill>
+                  <a:srgbClr val="FEDE5D"/>
+                </a:solidFill>
+                <a:effectLst/>
+                <a:latin typeface="Consolas" panose="020B0609020204030204" pitchFamily="49" charset="0"/>
+              </a:rPr>
+              <a:t>in</a:t>
+            </a:r>
+            <a:r>
+              <a:rPr lang="en-GB" b="0" dirty="0">
+                <a:solidFill>
+                  <a:srgbClr val="FF7EDB"/>
+                </a:solidFill>
+                <a:effectLst/>
+                <a:latin typeface="Consolas" panose="020B0609020204030204" pitchFamily="49" charset="0"/>
+              </a:rPr>
+              <a:t> </a:t>
+            </a:r>
+            <a:r>
+              <a:rPr lang="en-GB" b="0" dirty="0">
+                <a:solidFill>
+                  <a:srgbClr val="36F9F6"/>
+                </a:solidFill>
+                <a:effectLst/>
+                <a:latin typeface="Consolas" panose="020B0609020204030204" pitchFamily="49" charset="0"/>
+              </a:rPr>
+              <a:t>range</a:t>
+            </a:r>
+            <a:r>
+              <a:rPr lang="en-GB" b="0" dirty="0">
+                <a:solidFill>
+                  <a:srgbClr val="FF7EDB"/>
+                </a:solidFill>
+                <a:effectLst/>
+                <a:latin typeface="Consolas" panose="020B0609020204030204" pitchFamily="49" charset="0"/>
+              </a:rPr>
+              <a:t>(size)] </a:t>
+            </a:r>
+            <a:r>
+              <a:rPr lang="en-GB" b="0" dirty="0">
+                <a:solidFill>
+                  <a:srgbClr val="FEDE5D"/>
+                </a:solidFill>
+                <a:effectLst/>
+                <a:latin typeface="Consolas" panose="020B0609020204030204" pitchFamily="49" charset="0"/>
+              </a:rPr>
+              <a:t>for</a:t>
+            </a:r>
+            <a:r>
+              <a:rPr lang="en-GB" b="0" dirty="0">
+                <a:solidFill>
+                  <a:srgbClr val="FF7EDB"/>
+                </a:solidFill>
+                <a:effectLst/>
+                <a:latin typeface="Consolas" panose="020B0609020204030204" pitchFamily="49" charset="0"/>
+              </a:rPr>
+              <a:t> </a:t>
+            </a:r>
+            <a:r>
+              <a:rPr lang="en-GB" b="0" dirty="0" err="1">
+                <a:solidFill>
+                  <a:srgbClr val="FF7EDB"/>
+                </a:solidFill>
+                <a:effectLst/>
+                <a:latin typeface="Consolas" panose="020B0609020204030204" pitchFamily="49" charset="0"/>
+              </a:rPr>
+              <a:t>i</a:t>
+            </a:r>
+            <a:r>
+              <a:rPr lang="en-GB" b="0" dirty="0">
+                <a:solidFill>
+                  <a:srgbClr val="FF7EDB"/>
+                </a:solidFill>
+                <a:effectLst/>
+                <a:latin typeface="Consolas" panose="020B0609020204030204" pitchFamily="49" charset="0"/>
+              </a:rPr>
+              <a:t> </a:t>
+            </a:r>
+            <a:r>
+              <a:rPr lang="en-GB" b="0" dirty="0">
+                <a:solidFill>
+                  <a:srgbClr val="FEDE5D"/>
+                </a:solidFill>
+                <a:effectLst/>
+                <a:latin typeface="Consolas" panose="020B0609020204030204" pitchFamily="49" charset="0"/>
+              </a:rPr>
+              <a:t>in</a:t>
+            </a:r>
+            <a:r>
+              <a:rPr lang="en-GB" b="0" dirty="0">
+                <a:solidFill>
+                  <a:srgbClr val="FF7EDB"/>
+                </a:solidFill>
+                <a:effectLst/>
+                <a:latin typeface="Consolas" panose="020B0609020204030204" pitchFamily="49" charset="0"/>
+              </a:rPr>
+              <a:t> </a:t>
+            </a:r>
+            <a:r>
+              <a:rPr lang="en-GB" b="0" dirty="0">
+                <a:solidFill>
+                  <a:srgbClr val="36F9F6"/>
+                </a:solidFill>
+                <a:effectLst/>
+                <a:latin typeface="Consolas" panose="020B0609020204030204" pitchFamily="49" charset="0"/>
+              </a:rPr>
+              <a:t>range</a:t>
+            </a:r>
+            <a:r>
+              <a:rPr lang="en-GB" b="0" dirty="0">
+                <a:solidFill>
+                  <a:srgbClr val="FF7EDB"/>
+                </a:solidFill>
+                <a:effectLst/>
+                <a:latin typeface="Consolas" panose="020B0609020204030204" pitchFamily="49" charset="0"/>
+              </a:rPr>
+              <a:t>(size)]</a:t>
+            </a:r>
+            <a:endParaRPr lang="en-GB" b="0" dirty="0">
+              <a:solidFill>
+                <a:srgbClr val="BBBBBB"/>
+              </a:solidFill>
+              <a:effectLst/>
+              <a:latin typeface="Consolas" panose="020B0609020204030204" pitchFamily="49" charset="0"/>
+            </a:endParaRPr>
+          </a:p>
+          <a:p>
+            <a:endParaRPr lang="en-CH" dirty="0"/>
           </a:p>
         </p:txBody>
       </p:sp>
-      <p:pic>
-        <p:nvPicPr>
-          <p:cNvPr id="5" name="Picture 4">
-            <a:extLst>
-              <a:ext uri="{FF2B5EF4-FFF2-40B4-BE49-F238E27FC236}">
-                <a16:creationId xmlns:a16="http://schemas.microsoft.com/office/drawing/2014/main" id="{3DD01FE1-5FD4-46B9-0672-FB993C2D1742}"/>
-              </a:ext>
-            </a:extLst>
-          </p:cNvPr>
-          <p:cNvPicPr>
-            <a:picLocks noChangeAspect="1"/>
-          </p:cNvPicPr>
-          <p:nvPr/>
-        </p:nvPicPr>
-        <p:blipFill>
-          <a:blip r:embed="rId4"/>
-          <a:stretch>
-            <a:fillRect/>
-          </a:stretch>
-        </p:blipFill>
-        <p:spPr>
-          <a:xfrm>
-            <a:off x="1398901" y="4453915"/>
-            <a:ext cx="9394198" cy="1325562"/>
-          </a:xfrm>
-          <a:prstGeom prst="rect">
-            <a:avLst/>
-          </a:prstGeom>
-        </p:spPr>
-      </p:pic>
     </p:spTree>
     <p:extLst>
       <p:ext uri="{BB962C8B-B14F-4D97-AF65-F5344CB8AC3E}">
-        <p14:creationId xmlns:p14="http://schemas.microsoft.com/office/powerpoint/2010/main" val="1290997996"/>
+        <p14:creationId xmlns:p14="http://schemas.microsoft.com/office/powerpoint/2010/main" val="1335413081"/>
       </p:ext>
     </p:extLst>
   </p:cSld>
   <p:clrMapOvr>
     <a:masterClrMapping/>
   </p:clrMapOvr>
+  <p:timing>
+    <p:tnLst>
+      <p:par>
+        <p:cTn id="1" dur="indefinite" restart="never" nodeType="tmRoot">
+          <p:childTnLst>
+            <p:seq concurrent="1" nextAc="seek">
+              <p:cTn id="2" dur="indefinite" nodeType="mainSeq">
+                <p:childTnLst>
+                  <p:par>
+                    <p:cTn id="3" fill="hold">
+                      <p:stCondLst>
+                        <p:cond delay="indefinite"/>
+                      </p:stCondLst>
+                      <p:childTnLst>
+                        <p:par>
+                          <p:cTn id="4" fill="hold">
+                            <p:stCondLst>
+                              <p:cond delay="0"/>
+                            </p:stCondLst>
+                            <p:childTnLst>
+                              <p:par>
+                                <p:cTn id="5" presetID="10" presetClass="entr" presetSubtype="0" fill="hold" grpId="0" nodeType="clickEffect">
+                                  <p:stCondLst>
+                                    <p:cond delay="0"/>
+                                  </p:stCondLst>
+                                  <p:childTnLst>
+                                    <p:set>
+                                      <p:cBhvr>
+                                        <p:cTn id="6" dur="1" fill="hold">
+                                          <p:stCondLst>
+                                            <p:cond delay="0"/>
+                                          </p:stCondLst>
+                                        </p:cTn>
+                                        <p:tgtEl>
+                                          <p:spTgt spid="5">
+                                            <p:bg/>
+                                          </p:spTgt>
+                                        </p:tgtEl>
+                                        <p:attrNameLst>
+                                          <p:attrName>style.visibility</p:attrName>
+                                        </p:attrNameLst>
+                                      </p:cBhvr>
+                                      <p:to>
+                                        <p:strVal val="visible"/>
+                                      </p:to>
+                                    </p:set>
+                                    <p:animEffect transition="in" filter="fade">
+                                      <p:cBhvr>
+                                        <p:cTn id="7" dur="500"/>
+                                        <p:tgtEl>
+                                          <p:spTgt spid="5">
+                                            <p:bg/>
+                                          </p:spTgt>
+                                        </p:tgtEl>
+                                      </p:cBhvr>
+                                    </p:animEffect>
+                                  </p:childTnLst>
+                                </p:cTn>
+                              </p:par>
+                              <p:par>
+                                <p:cTn id="8" presetID="10" presetClass="entr" presetSubtype="0" fill="hold" grpId="0" nodeType="withEffect">
+                                  <p:stCondLst>
+                                    <p:cond delay="0"/>
+                                  </p:stCondLst>
+                                  <p:childTnLst>
+                                    <p:set>
+                                      <p:cBhvr>
+                                        <p:cTn id="9" dur="1" fill="hold">
+                                          <p:stCondLst>
+                                            <p:cond delay="0"/>
+                                          </p:stCondLst>
+                                        </p:cTn>
+                                        <p:tgtEl>
+                                          <p:spTgt spid="5">
+                                            <p:txEl>
+                                              <p:pRg st="0" end="0"/>
+                                            </p:txEl>
+                                          </p:spTgt>
+                                        </p:tgtEl>
+                                        <p:attrNameLst>
+                                          <p:attrName>style.visibility</p:attrName>
+                                        </p:attrNameLst>
+                                      </p:cBhvr>
+                                      <p:to>
+                                        <p:strVal val="visible"/>
+                                      </p:to>
+                                    </p:set>
+                                    <p:animEffect transition="in" filter="fade">
+                                      <p:cBhvr>
+                                        <p:cTn id="10" dur="500"/>
+                                        <p:tgtEl>
+                                          <p:spTgt spid="5">
+                                            <p:txEl>
+                                              <p:pRg st="0" end="0"/>
+                                            </p:txEl>
+                                          </p:spTgt>
+                                        </p:tgtEl>
+                                      </p:cBhvr>
+                                    </p:animEffect>
+                                  </p:childTnLst>
+                                </p:cTn>
+                              </p:par>
+                            </p:childTnLst>
+                          </p:cTn>
+                        </p:par>
+                      </p:childTnLst>
+                    </p:cTn>
+                  </p:par>
+                </p:childTnLst>
+              </p:cTn>
+              <p:prevCondLst>
+                <p:cond evt="onPrev" delay="0">
+                  <p:tgtEl>
+                    <p:sldTgt/>
+                  </p:tgtEl>
+                </p:cond>
+              </p:prevCondLst>
+              <p:nextCondLst>
+                <p:cond evt="onNext" delay="0">
+                  <p:tgtEl>
+                    <p:sldTgt/>
+                  </p:tgtEl>
+                </p:cond>
+              </p:nextCondLst>
+            </p:seq>
+          </p:childTnLst>
+        </p:cTn>
+      </p:par>
+    </p:tnLst>
+    <p:bldLst>
+      <p:bldP spid="5" grpId="0" uiExpand="1" build="p" animBg="1"/>
+    </p:bldLst>
+  </p:timing>
 </p:sld>
 </file>
 
@@ -8924,7 +14795,7 @@
           <a:p>
             <a:r>
               <a:rPr lang="fr-CH" dirty="0"/>
-              <a:t>#php</a:t>
+              <a:t>#python</a:t>
             </a:r>
             <a:endParaRPr lang="en-CH" dirty="0"/>
           </a:p>
@@ -8952,73 +14823,371 @@
           <a:lstStyle/>
           <a:p>
             <a:r>
-              <a:rPr lang="en-US" dirty="0"/>
-              <a:t>the dubious honor of being trashed by its creator</a:t>
-            </a:r>
+              <a:rPr lang="fr-CH" dirty="0" err="1"/>
+              <a:t>venv</a:t>
+            </a:r>
+            <a:r>
+              <a:rPr lang="fr-CH" dirty="0"/>
+              <a:t> </a:t>
+            </a:r>
+            <a:r>
+              <a:rPr lang="fr-CH" dirty="0" err="1"/>
+              <a:t>my</a:t>
+            </a:r>
+            <a:r>
+              <a:rPr lang="fr-CH" dirty="0"/>
+              <a:t> </a:t>
+            </a:r>
+            <a:r>
+              <a:rPr lang="fr-CH" dirty="0" err="1"/>
+              <a:t>beloved</a:t>
+            </a:r>
+            <a:endParaRPr lang="fr-CH" dirty="0"/>
           </a:p>
           <a:p>
             <a:pPr lvl="1"/>
             <a:r>
-              <a:rPr lang="en-US" dirty="0"/>
-              <a:t>“</a:t>
-            </a:r>
-            <a:r>
-              <a:rPr lang="en-US" b="0" i="0" dirty="0">
-                <a:solidFill>
-                  <a:srgbClr val="202122"/>
-                </a:solidFill>
-                <a:effectLst/>
-                <a:latin typeface="Arial" panose="020B0604020202020204" pitchFamily="34" charset="0"/>
-              </a:rPr>
-              <a:t>PHP 8 is significantly better because it contains a lot less of my code”</a:t>
+              <a:rPr lang="fr-CH" dirty="0"/>
+              <a:t>(</a:t>
+            </a:r>
+            <a:r>
+              <a:rPr lang="fr-CH" dirty="0" err="1"/>
+              <a:t>I’m</a:t>
+            </a:r>
+            <a:r>
+              <a:rPr lang="fr-CH" dirty="0"/>
+              <a:t> </a:t>
+            </a:r>
+            <a:r>
+              <a:rPr lang="fr-CH" dirty="0" err="1"/>
+              <a:t>cheating</a:t>
+            </a:r>
+            <a:r>
+              <a:rPr lang="fr-CH" dirty="0"/>
+              <a:t> on </a:t>
+            </a:r>
+            <a:r>
+              <a:rPr lang="fr-CH" dirty="0" err="1"/>
+              <a:t>you</a:t>
+            </a:r>
+            <a:r>
+              <a:rPr lang="fr-CH" dirty="0"/>
+              <a:t> </a:t>
+            </a:r>
+            <a:r>
+              <a:rPr lang="fr-CH" dirty="0" err="1"/>
+              <a:t>with</a:t>
+            </a:r>
+            <a:r>
+              <a:rPr lang="fr-CH" dirty="0"/>
+              <a:t> </a:t>
+            </a:r>
+            <a:r>
+              <a:rPr lang="fr-CH" dirty="0" err="1"/>
+              <a:t>Poetry</a:t>
+            </a:r>
+            <a:r>
+              <a:rPr lang="fr-CH" dirty="0"/>
+              <a:t>)</a:t>
             </a:r>
           </a:p>
           <a:p>
             <a:pPr lvl="1"/>
-            <a:endParaRPr lang="en-US" dirty="0">
-              <a:solidFill>
-                <a:srgbClr val="202122"/>
-              </a:solidFill>
-              <a:latin typeface="Arial" panose="020B0604020202020204" pitchFamily="34" charset="0"/>
-            </a:endParaRPr>
-          </a:p>
-          <a:p>
-            <a:r>
-              <a:rPr lang="en-US" dirty="0"/>
-              <a:t>if you really want “the full Monty” of a rant, check </a:t>
-            </a:r>
-            <a:r>
-              <a:rPr lang="en-US" dirty="0" err="1"/>
-              <a:t>eevee’s</a:t>
-            </a:r>
-            <a:r>
-              <a:rPr lang="en-US" dirty="0"/>
-              <a:t> blog:</a:t>
-            </a:r>
-          </a:p>
-          <a:p>
-            <a:pPr lvl="1"/>
-            <a:r>
-              <a:rPr lang="en-US" dirty="0"/>
-              <a:t>https://eev.ee/blog/2012/04/09/php-a-fractal-of-bad-design/</a:t>
-            </a:r>
-          </a:p>
-          <a:p>
-            <a:pPr lvl="1"/>
+            <a:endParaRPr lang="fr-CH" dirty="0"/>
+          </a:p>
+          <a:p>
+            <a:r>
+              <a:rPr lang="fr-CH" dirty="0" err="1"/>
+              <a:t>list</a:t>
+            </a:r>
+            <a:r>
+              <a:rPr lang="fr-CH" dirty="0"/>
+              <a:t> </a:t>
+            </a:r>
+            <a:r>
+              <a:rPr lang="fr-CH" dirty="0" err="1"/>
+              <a:t>comprehension</a:t>
+            </a:r>
+            <a:r>
+              <a:rPr lang="fr-CH" dirty="0"/>
+              <a:t> </a:t>
+            </a:r>
+            <a:r>
+              <a:rPr lang="fr-CH" dirty="0" err="1"/>
+              <a:t>is</a:t>
+            </a:r>
+            <a:r>
+              <a:rPr lang="fr-CH" dirty="0"/>
+              <a:t> </a:t>
+            </a:r>
+            <a:r>
+              <a:rPr lang="fr-CH" dirty="0" err="1"/>
+              <a:t>really</a:t>
+            </a:r>
+            <a:r>
+              <a:rPr lang="fr-CH" dirty="0"/>
+              <a:t> </a:t>
+            </a:r>
+            <a:r>
+              <a:rPr lang="fr-CH" dirty="0" err="1"/>
+              <a:t>really</a:t>
+            </a:r>
+            <a:r>
+              <a:rPr lang="fr-CH" dirty="0"/>
+              <a:t> fun to </a:t>
+            </a:r>
+            <a:r>
+              <a:rPr lang="fr-CH" dirty="0" err="1"/>
+              <a:t>work</a:t>
+            </a:r>
+            <a:r>
+              <a:rPr lang="fr-CH" dirty="0"/>
+              <a:t> </a:t>
+            </a:r>
+            <a:r>
+              <a:rPr lang="fr-CH" dirty="0" err="1"/>
+              <a:t>with</a:t>
+            </a:r>
             <a:endParaRPr lang="en-US" dirty="0"/>
+          </a:p>
+          <a:p>
+            <a:endParaRPr lang="fr-CH" dirty="0"/>
+          </a:p>
+          <a:p>
+            <a:r>
+              <a:rPr lang="fr-CH" dirty="0" err="1"/>
+              <a:t>testing</a:t>
+            </a:r>
+            <a:r>
+              <a:rPr lang="fr-CH" dirty="0"/>
+              <a:t>! </a:t>
+            </a:r>
+            <a:r>
+              <a:rPr lang="fr-CH" dirty="0" err="1"/>
+              <a:t>it</a:t>
+            </a:r>
+            <a:r>
+              <a:rPr lang="fr-CH" dirty="0"/>
+              <a:t> </a:t>
+            </a:r>
+            <a:r>
+              <a:rPr lang="fr-CH" dirty="0" err="1"/>
+              <a:t>exists</a:t>
+            </a:r>
+            <a:endParaRPr lang="fr-CH" dirty="0"/>
+          </a:p>
+          <a:p>
+            <a:endParaRPr lang="fr-CH" dirty="0"/>
+          </a:p>
+          <a:p>
+            <a:r>
+              <a:rPr lang="fr-CH" dirty="0" err="1"/>
+              <a:t>rated</a:t>
+            </a:r>
+            <a:r>
+              <a:rPr lang="fr-CH" dirty="0"/>
+              <a:t> top </a:t>
+            </a:r>
+            <a:r>
+              <a:rPr lang="fr-CH" dirty="0" err="1"/>
+              <a:t>language</a:t>
+            </a:r>
+            <a:r>
+              <a:rPr lang="fr-CH" dirty="0"/>
+              <a:t> to </a:t>
+            </a:r>
+            <a:r>
+              <a:rPr lang="fr-CH" dirty="0" err="1"/>
+              <a:t>build</a:t>
+            </a:r>
+            <a:r>
+              <a:rPr lang="fr-CH" dirty="0"/>
+              <a:t> an API </a:t>
+            </a:r>
+            <a:r>
+              <a:rPr lang="fr-CH" dirty="0" err="1"/>
+              <a:t>with</a:t>
+            </a:r>
+            <a:r>
+              <a:rPr lang="fr-CH" dirty="0"/>
+              <a:t> (not </a:t>
+            </a:r>
+            <a:r>
+              <a:rPr lang="fr-CH" dirty="0" err="1"/>
+              <a:t>really</a:t>
+            </a:r>
+            <a:r>
+              <a:rPr lang="fr-CH" dirty="0"/>
+              <a:t>)</a:t>
+            </a:r>
           </a:p>
         </p:txBody>
       </p:sp>
     </p:spTree>
     <p:extLst>
       <p:ext uri="{BB962C8B-B14F-4D97-AF65-F5344CB8AC3E}">
-        <p14:creationId xmlns:p14="http://schemas.microsoft.com/office/powerpoint/2010/main" val="2920127852"/>
+        <p14:creationId xmlns:p14="http://schemas.microsoft.com/office/powerpoint/2010/main" val="1422198891"/>
       </p:ext>
     </p:extLst>
   </p:cSld>
   <p:clrMapOvr>
     <a:masterClrMapping/>
   </p:clrMapOvr>
+  <p:timing>
+    <p:tnLst>
+      <p:par>
+        <p:cTn id="1" dur="indefinite" restart="never" nodeType="tmRoot">
+          <p:childTnLst>
+            <p:seq concurrent="1" nextAc="seek">
+              <p:cTn id="2" dur="indefinite" nodeType="mainSeq">
+                <p:childTnLst>
+                  <p:par>
+                    <p:cTn id="3" fill="hold">
+                      <p:stCondLst>
+                        <p:cond delay="indefinite"/>
+                      </p:stCondLst>
+                      <p:childTnLst>
+                        <p:par>
+                          <p:cTn id="4" fill="hold">
+                            <p:stCondLst>
+                              <p:cond delay="0"/>
+                            </p:stCondLst>
+                            <p:childTnLst>
+                              <p:par>
+                                <p:cTn id="5" presetID="10" presetClass="entr" presetSubtype="0" fill="hold" grpId="0" nodeType="clickEffect">
+                                  <p:stCondLst>
+                                    <p:cond delay="0"/>
+                                  </p:stCondLst>
+                                  <p:childTnLst>
+                                    <p:set>
+                                      <p:cBhvr>
+                                        <p:cTn id="6" dur="1" fill="hold">
+                                          <p:stCondLst>
+                                            <p:cond delay="0"/>
+                                          </p:stCondLst>
+                                        </p:cTn>
+                                        <p:tgtEl>
+                                          <p:spTgt spid="3">
+                                            <p:txEl>
+                                              <p:pRg st="5" end="5"/>
+                                            </p:txEl>
+                                          </p:spTgt>
+                                        </p:tgtEl>
+                                        <p:attrNameLst>
+                                          <p:attrName>style.visibility</p:attrName>
+                                        </p:attrNameLst>
+                                      </p:cBhvr>
+                                      <p:to>
+                                        <p:strVal val="visible"/>
+                                      </p:to>
+                                    </p:set>
+                                    <p:animEffect transition="in" filter="fade">
+                                      <p:cBhvr>
+                                        <p:cTn id="7" dur="500"/>
+                                        <p:tgtEl>
+                                          <p:spTgt spid="3">
+                                            <p:txEl>
+                                              <p:pRg st="5" end="5"/>
+                                            </p:txEl>
+                                          </p:spTgt>
+                                        </p:tgtEl>
+                                      </p:cBhvr>
+                                    </p:animEffect>
+                                  </p:childTnLst>
+                                </p:cTn>
+                              </p:par>
+                            </p:childTnLst>
+                          </p:cTn>
+                        </p:par>
+                      </p:childTnLst>
+                    </p:cTn>
+                  </p:par>
+                  <p:par>
+                    <p:cTn id="8" fill="hold">
+                      <p:stCondLst>
+                        <p:cond delay="indefinite"/>
+                      </p:stCondLst>
+                      <p:childTnLst>
+                        <p:par>
+                          <p:cTn id="9" fill="hold">
+                            <p:stCondLst>
+                              <p:cond delay="0"/>
+                            </p:stCondLst>
+                            <p:childTnLst>
+                              <p:par>
+                                <p:cTn id="10" presetID="10" presetClass="entr" presetSubtype="0" fill="hold" grpId="0" nodeType="clickEffect">
+                                  <p:stCondLst>
+                                    <p:cond delay="0"/>
+                                  </p:stCondLst>
+                                  <p:childTnLst>
+                                    <p:set>
+                                      <p:cBhvr>
+                                        <p:cTn id="11" dur="1" fill="hold">
+                                          <p:stCondLst>
+                                            <p:cond delay="0"/>
+                                          </p:stCondLst>
+                                        </p:cTn>
+                                        <p:tgtEl>
+                                          <p:spTgt spid="3">
+                                            <p:txEl>
+                                              <p:pRg st="7" end="7"/>
+                                            </p:txEl>
+                                          </p:spTgt>
+                                        </p:tgtEl>
+                                        <p:attrNameLst>
+                                          <p:attrName>style.visibility</p:attrName>
+                                        </p:attrNameLst>
+                                      </p:cBhvr>
+                                      <p:to>
+                                        <p:strVal val="visible"/>
+                                      </p:to>
+                                    </p:set>
+                                    <p:animEffect transition="in" filter="fade">
+                                      <p:cBhvr>
+                                        <p:cTn id="12" dur="500"/>
+                                        <p:tgtEl>
+                                          <p:spTgt spid="3">
+                                            <p:txEl>
+                                              <p:pRg st="7" end="7"/>
+                                            </p:txEl>
+                                          </p:spTgt>
+                                        </p:tgtEl>
+                                      </p:cBhvr>
+                                    </p:animEffect>
+                                  </p:childTnLst>
+                                </p:cTn>
+                              </p:par>
+                            </p:childTnLst>
+                          </p:cTn>
+                        </p:par>
+                      </p:childTnLst>
+                    </p:cTn>
+                  </p:par>
+                </p:childTnLst>
+              </p:cTn>
+              <p:prevCondLst>
+                <p:cond evt="onPrev" delay="0">
+                  <p:tgtEl>
+                    <p:sldTgt/>
+                  </p:tgtEl>
+                </p:cond>
+              </p:prevCondLst>
+              <p:nextCondLst>
+                <p:cond evt="onNext" delay="0">
+                  <p:tgtEl>
+                    <p:sldTgt/>
+                  </p:tgtEl>
+                </p:cond>
+              </p:nextCondLst>
+            </p:seq>
+          </p:childTnLst>
+        </p:cTn>
+      </p:par>
+    </p:tnLst>
+    <p:bldLst>
+      <p:bldP spid="3" grpId="0" uiExpand="1" build="p"/>
+    </p:bldLst>
+  </p:timing>
 </p:sld>
 </file>
 
